--- a/追加.pptx
+++ b/追加.pptx
@@ -5,13 +5,17 @@
     <p:sldMasterId id="2147483648" r:id="rId1"/>
   </p:sldMasterIdLst>
   <p:notesMasterIdLst>
-    <p:notesMasterId r:id="rId3"/>
+    <p:notesMasterId r:id="rId7"/>
   </p:notesMasterIdLst>
   <p:handoutMasterIdLst>
-    <p:handoutMasterId r:id="rId4"/>
+    <p:handoutMasterId r:id="rId8"/>
   </p:handoutMasterIdLst>
   <p:sldIdLst>
-    <p:sldId id="305" r:id="rId2"/>
+    <p:sldId id="310" r:id="rId2"/>
+    <p:sldId id="311" r:id="rId3"/>
+    <p:sldId id="314" r:id="rId4"/>
+    <p:sldId id="312" r:id="rId5"/>
+    <p:sldId id="313" r:id="rId6"/>
   </p:sldIdLst>
   <p:sldSz cx="12192000" cy="6858000"/>
   <p:notesSz cx="7104063" cy="10234613"/>
@@ -3500,10 +3504,10 @@
       </p:grpSpPr>
       <p:pic>
         <p:nvPicPr>
-          <p:cNvPr id="7" name="図 6">
+          <p:cNvPr id="4" name="図 3">
             <a:extLst>
               <a:ext uri="{FF2B5EF4-FFF2-40B4-BE49-F238E27FC236}">
-                <a16:creationId xmlns:a16="http://schemas.microsoft.com/office/drawing/2014/main" id="{0F64C41F-7ABF-901A-D346-968A7DEA24E7}"/>
+                <a16:creationId xmlns:a16="http://schemas.microsoft.com/office/drawing/2014/main" id="{DF6FE33B-7D31-D2E1-4038-A89E9B90EB9A}"/>
               </a:ext>
             </a:extLst>
           </p:cNvPr>
@@ -3520,20 +3524,27 @@
         </p:blipFill>
         <p:spPr>
           <a:xfrm>
-            <a:off x="410910" y="1453529"/>
-            <a:ext cx="3034765" cy="468690"/>
+            <a:off x="569439" y="1187866"/>
+            <a:ext cx="9271624" cy="5371031"/>
           </a:xfrm>
           <a:prstGeom prst="rect">
             <a:avLst/>
           </a:prstGeom>
+          <a:ln>
+            <a:solidFill>
+              <a:schemeClr val="bg1">
+                <a:lumMod val="75000"/>
+              </a:schemeClr>
+            </a:solidFill>
+          </a:ln>
         </p:spPr>
       </p:pic>
       <p:pic>
         <p:nvPicPr>
-          <p:cNvPr id="9" name="図 8">
+          <p:cNvPr id="5" name="図 4">
             <a:extLst>
               <a:ext uri="{FF2B5EF4-FFF2-40B4-BE49-F238E27FC236}">
-                <a16:creationId xmlns:a16="http://schemas.microsoft.com/office/drawing/2014/main" id="{01AEE717-146F-E872-45B2-F66D140BC46A}"/>
+                <a16:creationId xmlns:a16="http://schemas.microsoft.com/office/drawing/2014/main" id="{87939E62-407C-32BC-176F-F13C28FDEEF1}"/>
               </a:ext>
             </a:extLst>
           </p:cNvPr>
@@ -3550,8 +3561,336 @@
         </p:blipFill>
         <p:spPr>
           <a:xfrm>
-            <a:off x="410910" y="2279714"/>
-            <a:ext cx="4374735" cy="4320947"/>
+            <a:off x="9841063" y="1187865"/>
+            <a:ext cx="1816840" cy="5371032"/>
+          </a:xfrm>
+          <a:prstGeom prst="rect">
+            <a:avLst/>
+          </a:prstGeom>
+          <a:ln>
+            <a:solidFill>
+              <a:schemeClr val="bg1">
+                <a:lumMod val="75000"/>
+              </a:schemeClr>
+            </a:solidFill>
+          </a:ln>
+        </p:spPr>
+      </p:pic>
+      <p:sp>
+        <p:nvSpPr>
+          <p:cNvPr id="6" name="テキスト ボックス 5">
+            <a:extLst>
+              <a:ext uri="{FF2B5EF4-FFF2-40B4-BE49-F238E27FC236}">
+                <a16:creationId xmlns:a16="http://schemas.microsoft.com/office/drawing/2014/main" id="{3557D509-BBBB-ACE1-8D41-13C654CEC27D}"/>
+              </a:ext>
+            </a:extLst>
+          </p:cNvPr>
+          <p:cNvSpPr txBox="1"/>
+          <p:nvPr/>
+        </p:nvSpPr>
+        <p:spPr>
+          <a:xfrm>
+            <a:off x="517005" y="849311"/>
+            <a:ext cx="2246128" cy="338554"/>
+          </a:xfrm>
+          <a:prstGeom prst="rect">
+            <a:avLst/>
+          </a:prstGeom>
+          <a:noFill/>
+        </p:spPr>
+        <p:txBody>
+          <a:bodyPr wrap="none" rtlCol="0">
+            <a:spAutoFit/>
+          </a:bodyPr>
+          <a:lstStyle/>
+          <a:p>
+            <a:r>
+              <a:rPr kumimoji="1" lang="en-US" altLang="ja-JP" sz="1600" dirty="0">
+                <a:solidFill>
+                  <a:schemeClr val="accent6"/>
+                </a:solidFill>
+              </a:rPr>
+              <a:t>RAG</a:t>
+            </a:r>
+            <a:r>
+              <a:rPr kumimoji="1" lang="ja-JP" altLang="en-US" sz="1600">
+                <a:solidFill>
+                  <a:schemeClr val="accent6"/>
+                </a:solidFill>
+              </a:rPr>
+              <a:t>アプリケーション</a:t>
+            </a:r>
+          </a:p>
+        </p:txBody>
+      </p:sp>
+    </p:spTree>
+    <p:extLst>
+      <p:ext uri="{BB962C8B-B14F-4D97-AF65-F5344CB8AC3E}">
+        <p14:creationId xmlns:p14="http://schemas.microsoft.com/office/powerpoint/2010/main" val="637019906"/>
+      </p:ext>
+    </p:extLst>
+  </p:cSld>
+  <p:clrMapOvr>
+    <a:masterClrMapping/>
+  </p:clrMapOvr>
+</p:sld>
+</file>
+
+<file path=ppt/slides/slide2.xml><?xml version="1.0" encoding="utf-8"?>
+<p:sld xmlns:a="http://schemas.openxmlformats.org/drawingml/2006/main" xmlns:r="http://schemas.openxmlformats.org/officeDocument/2006/relationships" xmlns:p="http://schemas.openxmlformats.org/presentationml/2006/main">
+  <p:cSld>
+    <p:spTree>
+      <p:nvGrpSpPr>
+        <p:cNvPr id="1" name=""/>
+        <p:cNvGrpSpPr/>
+        <p:nvPr/>
+      </p:nvGrpSpPr>
+      <p:grpSpPr>
+        <a:xfrm>
+          <a:off x="0" y="0"/>
+          <a:ext cx="0" cy="0"/>
+          <a:chOff x="0" y="0"/>
+          <a:chExt cx="0" cy="0"/>
+        </a:xfrm>
+      </p:grpSpPr>
+      <p:pic>
+        <p:nvPicPr>
+          <p:cNvPr id="9" name="図 8">
+            <a:extLst>
+              <a:ext uri="{FF2B5EF4-FFF2-40B4-BE49-F238E27FC236}">
+                <a16:creationId xmlns:a16="http://schemas.microsoft.com/office/drawing/2014/main" id="{151F9A2B-E895-554A-9A6E-631200D5DDD4}"/>
+              </a:ext>
+            </a:extLst>
+          </p:cNvPr>
+          <p:cNvPicPr>
+            <a:picLocks noChangeAspect="1"/>
+          </p:cNvPicPr>
+          <p:nvPr/>
+        </p:nvPicPr>
+        <p:blipFill>
+          <a:blip r:embed="rId2"/>
+          <a:stretch>
+            <a:fillRect/>
+          </a:stretch>
+        </p:blipFill>
+        <p:spPr>
+          <a:xfrm>
+            <a:off x="436527" y="891250"/>
+            <a:ext cx="5203884" cy="5654828"/>
+          </a:xfrm>
+          <a:prstGeom prst="rect">
+            <a:avLst/>
+          </a:prstGeom>
+        </p:spPr>
+      </p:pic>
+      <p:sp>
+        <p:nvSpPr>
+          <p:cNvPr id="5" name="正方形/長方形 4">
+            <a:extLst>
+              <a:ext uri="{FF2B5EF4-FFF2-40B4-BE49-F238E27FC236}">
+                <a16:creationId xmlns:a16="http://schemas.microsoft.com/office/drawing/2014/main" id="{65BCA869-0122-F00B-F6EB-DE7CBAD16539}"/>
+              </a:ext>
+            </a:extLst>
+          </p:cNvPr>
+          <p:cNvSpPr/>
+          <p:nvPr/>
+        </p:nvSpPr>
+        <p:spPr>
+          <a:xfrm>
+            <a:off x="3862401" y="6240216"/>
+            <a:ext cx="2079774" cy="454712"/>
+          </a:xfrm>
+          <a:prstGeom prst="rect">
+            <a:avLst/>
+          </a:prstGeom>
+          <a:solidFill>
+            <a:schemeClr val="accent6">
+              <a:lumMod val="20000"/>
+              <a:lumOff val="80000"/>
+            </a:schemeClr>
+          </a:solidFill>
+        </p:spPr>
+        <p:style>
+          <a:lnRef idx="2">
+            <a:schemeClr val="accent1">
+              <a:shade val="15000"/>
+            </a:schemeClr>
+          </a:lnRef>
+          <a:fillRef idx="1">
+            <a:schemeClr val="accent1"/>
+          </a:fillRef>
+          <a:effectRef idx="0">
+            <a:schemeClr val="accent1"/>
+          </a:effectRef>
+          <a:fontRef idx="minor">
+            <a:schemeClr val="lt1"/>
+          </a:fontRef>
+        </p:style>
+        <p:txBody>
+          <a:bodyPr rtlCol="0" anchor="ctr"/>
+          <a:lstStyle/>
+          <a:p>
+            <a:r>
+              <a:rPr kumimoji="1" lang="ja-JP" altLang="en-US" sz="1400">
+                <a:solidFill>
+                  <a:schemeClr val="tx1"/>
+                </a:solidFill>
+              </a:rPr>
+              <a:t>フォローアップ質問</a:t>
+            </a:r>
+          </a:p>
+        </p:txBody>
+      </p:sp>
+      <p:sp>
+        <p:nvSpPr>
+          <p:cNvPr id="6" name="正方形/長方形 5">
+            <a:extLst>
+              <a:ext uri="{FF2B5EF4-FFF2-40B4-BE49-F238E27FC236}">
+                <a16:creationId xmlns:a16="http://schemas.microsoft.com/office/drawing/2014/main" id="{AE91C865-87E4-5EB6-1BEF-E0EFDC3C1247}"/>
+              </a:ext>
+            </a:extLst>
+          </p:cNvPr>
+          <p:cNvSpPr/>
+          <p:nvPr/>
+        </p:nvSpPr>
+        <p:spPr>
+          <a:xfrm>
+            <a:off x="620698" y="3342586"/>
+            <a:ext cx="1985770" cy="454712"/>
+          </a:xfrm>
+          <a:prstGeom prst="rect">
+            <a:avLst/>
+          </a:prstGeom>
+          <a:solidFill>
+            <a:schemeClr val="accent6">
+              <a:lumMod val="20000"/>
+              <a:lumOff val="80000"/>
+            </a:schemeClr>
+          </a:solidFill>
+        </p:spPr>
+        <p:style>
+          <a:lnRef idx="2">
+            <a:schemeClr val="accent1">
+              <a:shade val="15000"/>
+            </a:schemeClr>
+          </a:lnRef>
+          <a:fillRef idx="1">
+            <a:schemeClr val="accent1"/>
+          </a:fillRef>
+          <a:effectRef idx="0">
+            <a:schemeClr val="accent1"/>
+          </a:effectRef>
+          <a:fontRef idx="minor">
+            <a:schemeClr val="lt1"/>
+          </a:fontRef>
+        </p:style>
+        <p:txBody>
+          <a:bodyPr rtlCol="0" anchor="ctr"/>
+          <a:lstStyle/>
+          <a:p>
+            <a:r>
+              <a:rPr lang="ja-JP" altLang="en-US" sz="1400">
+                <a:solidFill>
+                  <a:schemeClr val="tx1"/>
+                </a:solidFill>
+              </a:rPr>
+              <a:t>過去の会話を踏まえた回答が可能</a:t>
+            </a:r>
+            <a:endParaRPr kumimoji="1" lang="ja-JP" altLang="en-US" sz="1400">
+              <a:solidFill>
+                <a:schemeClr val="tx1"/>
+              </a:solidFill>
+            </a:endParaRPr>
+          </a:p>
+        </p:txBody>
+      </p:sp>
+      <p:sp>
+        <p:nvSpPr>
+          <p:cNvPr id="7" name="正方形/長方形 6">
+            <a:extLst>
+              <a:ext uri="{FF2B5EF4-FFF2-40B4-BE49-F238E27FC236}">
+                <a16:creationId xmlns:a16="http://schemas.microsoft.com/office/drawing/2014/main" id="{80E96638-AD1E-A0E6-1EAF-DFB84A7415FD}"/>
+              </a:ext>
+            </a:extLst>
+          </p:cNvPr>
+          <p:cNvSpPr/>
+          <p:nvPr/>
+        </p:nvSpPr>
+        <p:spPr>
+          <a:xfrm>
+            <a:off x="620698" y="3965249"/>
+            <a:ext cx="1985770" cy="454712"/>
+          </a:xfrm>
+          <a:prstGeom prst="rect">
+            <a:avLst/>
+          </a:prstGeom>
+          <a:solidFill>
+            <a:schemeClr val="accent6">
+              <a:lumMod val="20000"/>
+              <a:lumOff val="80000"/>
+            </a:schemeClr>
+          </a:solidFill>
+        </p:spPr>
+        <p:style>
+          <a:lnRef idx="2">
+            <a:schemeClr val="accent1">
+              <a:shade val="15000"/>
+            </a:schemeClr>
+          </a:lnRef>
+          <a:fillRef idx="1">
+            <a:schemeClr val="accent1"/>
+          </a:fillRef>
+          <a:effectRef idx="0">
+            <a:schemeClr val="accent1"/>
+          </a:effectRef>
+          <a:fontRef idx="minor">
+            <a:schemeClr val="lt1"/>
+          </a:fontRef>
+        </p:style>
+        <p:txBody>
+          <a:bodyPr rtlCol="0" anchor="ctr"/>
+          <a:lstStyle/>
+          <a:p>
+            <a:r>
+              <a:rPr lang="ja-JP" altLang="en-US" sz="1400">
+                <a:solidFill>
+                  <a:schemeClr val="tx1"/>
+                </a:solidFill>
+              </a:rPr>
+              <a:t>図やグラフについての回答も可能</a:t>
+            </a:r>
+            <a:endParaRPr kumimoji="1" lang="ja-JP" altLang="en-US" sz="1400">
+              <a:solidFill>
+                <a:schemeClr val="tx1"/>
+              </a:solidFill>
+            </a:endParaRPr>
+          </a:p>
+        </p:txBody>
+      </p:sp>
+      <p:pic>
+        <p:nvPicPr>
+          <p:cNvPr id="8" name="図 7">
+            <a:extLst>
+              <a:ext uri="{FF2B5EF4-FFF2-40B4-BE49-F238E27FC236}">
+                <a16:creationId xmlns:a16="http://schemas.microsoft.com/office/drawing/2014/main" id="{E53B2327-E442-3017-D287-EA5DBA187C3A}"/>
+              </a:ext>
+            </a:extLst>
+          </p:cNvPr>
+          <p:cNvPicPr>
+            <a:picLocks noChangeAspect="1"/>
+          </p:cNvPicPr>
+          <p:nvPr/>
+        </p:nvPicPr>
+        <p:blipFill>
+          <a:blip r:embed="rId3"/>
+          <a:stretch>
+            <a:fillRect/>
+          </a:stretch>
+        </p:blipFill>
+        <p:spPr>
+          <a:xfrm>
+            <a:off x="6096000" y="2919282"/>
+            <a:ext cx="5809572" cy="3548290"/>
           </a:xfrm>
           <a:prstGeom prst="rect">
             <a:avLst/>
@@ -3563,7 +3902,7 @@
           <p:cNvPr id="10" name="図 9">
             <a:extLst>
               <a:ext uri="{FF2B5EF4-FFF2-40B4-BE49-F238E27FC236}">
-                <a16:creationId xmlns:a16="http://schemas.microsoft.com/office/drawing/2014/main" id="{774322BD-F46F-73A4-6E4F-17E550EEB4CE}"/>
+                <a16:creationId xmlns:a16="http://schemas.microsoft.com/office/drawing/2014/main" id="{EA8BDA56-F317-C216-2962-D403A08F2833}"/>
               </a:ext>
             </a:extLst>
           </p:cNvPr>
@@ -3580,20 +3919,79 @@
         </p:blipFill>
         <p:spPr>
           <a:xfrm>
-            <a:off x="5304897" y="1058675"/>
-            <a:ext cx="6345965" cy="5541986"/>
+            <a:off x="6397766" y="747256"/>
+            <a:ext cx="1430182" cy="1984311"/>
           </a:xfrm>
           <a:prstGeom prst="rect">
             <a:avLst/>
           </a:prstGeom>
         </p:spPr>
       </p:pic>
+    </p:spTree>
+    <p:extLst>
+      <p:ext uri="{BB962C8B-B14F-4D97-AF65-F5344CB8AC3E}">
+        <p14:creationId xmlns:p14="http://schemas.microsoft.com/office/powerpoint/2010/main" val="881770899"/>
+      </p:ext>
+    </p:extLst>
+  </p:cSld>
+  <p:clrMapOvr>
+    <a:masterClrMapping/>
+  </p:clrMapOvr>
+</p:sld>
+</file>
+
+<file path=ppt/slides/slide3.xml><?xml version="1.0" encoding="utf-8"?>
+<p:sld xmlns:a="http://schemas.openxmlformats.org/drawingml/2006/main" xmlns:r="http://schemas.openxmlformats.org/officeDocument/2006/relationships" xmlns:p="http://schemas.openxmlformats.org/presentationml/2006/main">
+  <p:cSld>
+    <p:spTree>
+      <p:nvGrpSpPr>
+        <p:cNvPr id="1" name=""/>
+        <p:cNvGrpSpPr/>
+        <p:nvPr/>
+      </p:nvGrpSpPr>
+      <p:grpSpPr>
+        <a:xfrm>
+          <a:off x="0" y="0"/>
+          <a:ext cx="0" cy="0"/>
+          <a:chOff x="0" y="0"/>
+          <a:chExt cx="0" cy="0"/>
+        </a:xfrm>
+      </p:grpSpPr>
       <p:pic>
         <p:nvPicPr>
-          <p:cNvPr id="11" name="図 10">
+          <p:cNvPr id="4" name="図 3">
             <a:extLst>
               <a:ext uri="{FF2B5EF4-FFF2-40B4-BE49-F238E27FC236}">
-                <a16:creationId xmlns:a16="http://schemas.microsoft.com/office/drawing/2014/main" id="{173EC6BB-DCD5-B5E0-DCC7-F962F305BE9B}"/>
+                <a16:creationId xmlns:a16="http://schemas.microsoft.com/office/drawing/2014/main" id="{C32B5602-A9C6-7E96-1CF1-B79C7781D260}"/>
+              </a:ext>
+            </a:extLst>
+          </p:cNvPr>
+          <p:cNvPicPr>
+            <a:picLocks noChangeAspect="1"/>
+          </p:cNvPicPr>
+          <p:nvPr/>
+        </p:nvPicPr>
+        <p:blipFill rotWithShape="1">
+          <a:blip r:embed="rId2"/>
+          <a:srcRect l="372" t="502" r="-372" b="-1226"/>
+          <a:stretch/>
+        </p:blipFill>
+        <p:spPr>
+          <a:xfrm>
+            <a:off x="4725458" y="546933"/>
+            <a:ext cx="2461559" cy="6015670"/>
+          </a:xfrm>
+          <a:prstGeom prst="rect">
+            <a:avLst/>
+          </a:prstGeom>
+        </p:spPr>
+      </p:pic>
+      <p:pic>
+        <p:nvPicPr>
+          <p:cNvPr id="5" name="図 4">
+            <a:extLst>
+              <a:ext uri="{FF2B5EF4-FFF2-40B4-BE49-F238E27FC236}">
+                <a16:creationId xmlns:a16="http://schemas.microsoft.com/office/drawing/2014/main" id="{9D70BFC8-6C42-86EB-512A-B52CE0B0A217}"/>
               </a:ext>
             </a:extLst>
           </p:cNvPr>
@@ -3603,15 +4001,44 @@
           <p:nvPr/>
         </p:nvPicPr>
         <p:blipFill>
-          <a:blip r:embed="rId5"/>
+          <a:blip r:embed="rId3"/>
           <a:stretch>
             <a:fillRect/>
           </a:stretch>
         </p:blipFill>
         <p:spPr>
           <a:xfrm>
-            <a:off x="4908803" y="2688929"/>
-            <a:ext cx="541382" cy="541382"/>
+            <a:off x="1552933" y="546933"/>
+            <a:ext cx="2371478" cy="4653185"/>
+          </a:xfrm>
+          <a:prstGeom prst="rect">
+            <a:avLst/>
+          </a:prstGeom>
+        </p:spPr>
+      </p:pic>
+      <p:pic>
+        <p:nvPicPr>
+          <p:cNvPr id="6" name="図 5">
+            <a:extLst>
+              <a:ext uri="{FF2B5EF4-FFF2-40B4-BE49-F238E27FC236}">
+                <a16:creationId xmlns:a16="http://schemas.microsoft.com/office/drawing/2014/main" id="{BC92726D-3166-1AA2-E118-20AABF44F6F3}"/>
+              </a:ext>
+            </a:extLst>
+          </p:cNvPr>
+          <p:cNvPicPr>
+            <a:picLocks noChangeAspect="1"/>
+          </p:cNvPicPr>
+          <p:nvPr/>
+        </p:nvPicPr>
+        <p:blipFill rotWithShape="1">
+          <a:blip r:embed="rId4"/>
+          <a:srcRect t="-1" b="1267"/>
+          <a:stretch/>
+        </p:blipFill>
+        <p:spPr>
+          <a:xfrm>
+            <a:off x="7885514" y="2513574"/>
+            <a:ext cx="3589115" cy="2697228"/>
           </a:xfrm>
           <a:prstGeom prst="rect">
             <a:avLst/>
@@ -3621,7 +4048,238 @@
     </p:spTree>
     <p:extLst>
       <p:ext uri="{BB962C8B-B14F-4D97-AF65-F5344CB8AC3E}">
-        <p14:creationId xmlns:p14="http://schemas.microsoft.com/office/powerpoint/2010/main" val="2554071128"/>
+        <p14:creationId xmlns:p14="http://schemas.microsoft.com/office/powerpoint/2010/main" val="2419351191"/>
+      </p:ext>
+    </p:extLst>
+  </p:cSld>
+  <p:clrMapOvr>
+    <a:masterClrMapping/>
+  </p:clrMapOvr>
+</p:sld>
+</file>
+
+<file path=ppt/slides/slide4.xml><?xml version="1.0" encoding="utf-8"?>
+<p:sld xmlns:a="http://schemas.openxmlformats.org/drawingml/2006/main" xmlns:r="http://schemas.openxmlformats.org/officeDocument/2006/relationships" xmlns:p="http://schemas.openxmlformats.org/presentationml/2006/main">
+  <p:cSld>
+    <p:spTree>
+      <p:nvGrpSpPr>
+        <p:cNvPr id="1" name=""/>
+        <p:cNvGrpSpPr/>
+        <p:nvPr/>
+      </p:nvGrpSpPr>
+      <p:grpSpPr>
+        <a:xfrm>
+          <a:off x="0" y="0"/>
+          <a:ext cx="0" cy="0"/>
+          <a:chOff x="0" y="0"/>
+          <a:chExt cx="0" cy="0"/>
+        </a:xfrm>
+      </p:grpSpPr>
+      <p:pic>
+        <p:nvPicPr>
+          <p:cNvPr id="6" name="図 5">
+            <a:extLst>
+              <a:ext uri="{FF2B5EF4-FFF2-40B4-BE49-F238E27FC236}">
+                <a16:creationId xmlns:a16="http://schemas.microsoft.com/office/drawing/2014/main" id="{8F48AB8B-3A53-C2E2-1E0B-A7A190A16F0A}"/>
+              </a:ext>
+            </a:extLst>
+          </p:cNvPr>
+          <p:cNvPicPr>
+            <a:picLocks noChangeAspect="1"/>
+          </p:cNvPicPr>
+          <p:nvPr/>
+        </p:nvPicPr>
+        <p:blipFill>
+          <a:blip r:embed="rId2"/>
+          <a:stretch>
+            <a:fillRect/>
+          </a:stretch>
+        </p:blipFill>
+        <p:spPr>
+          <a:xfrm>
+            <a:off x="633464" y="1062437"/>
+            <a:ext cx="5331501" cy="5496461"/>
+          </a:xfrm>
+          <a:prstGeom prst="rect">
+            <a:avLst/>
+          </a:prstGeom>
+        </p:spPr>
+      </p:pic>
+      <p:pic>
+        <p:nvPicPr>
+          <p:cNvPr id="7" name="図 6">
+            <a:extLst>
+              <a:ext uri="{FF2B5EF4-FFF2-40B4-BE49-F238E27FC236}">
+                <a16:creationId xmlns:a16="http://schemas.microsoft.com/office/drawing/2014/main" id="{60CBC7AE-0AAF-D6C7-51D7-24E19204CD8F}"/>
+              </a:ext>
+            </a:extLst>
+          </p:cNvPr>
+          <p:cNvPicPr>
+            <a:picLocks noChangeAspect="1"/>
+          </p:cNvPicPr>
+          <p:nvPr/>
+        </p:nvPicPr>
+        <p:blipFill>
+          <a:blip r:embed="rId3"/>
+          <a:stretch>
+            <a:fillRect/>
+          </a:stretch>
+        </p:blipFill>
+        <p:spPr>
+          <a:xfrm>
+            <a:off x="6423590" y="1427693"/>
+            <a:ext cx="5019229" cy="5162280"/>
+          </a:xfrm>
+          <a:prstGeom prst="rect">
+            <a:avLst/>
+          </a:prstGeom>
+        </p:spPr>
+      </p:pic>
+      <p:sp>
+        <p:nvSpPr>
+          <p:cNvPr id="8" name="テキスト ボックス 7">
+            <a:extLst>
+              <a:ext uri="{FF2B5EF4-FFF2-40B4-BE49-F238E27FC236}">
+                <a16:creationId xmlns:a16="http://schemas.microsoft.com/office/drawing/2014/main" id="{CA4AC794-41F4-E086-7E04-028EC9A47612}"/>
+              </a:ext>
+            </a:extLst>
+          </p:cNvPr>
+          <p:cNvSpPr txBox="1"/>
+          <p:nvPr/>
+        </p:nvSpPr>
+        <p:spPr>
+          <a:xfrm>
+            <a:off x="7375021" y="1058361"/>
+            <a:ext cx="646331" cy="369332"/>
+          </a:xfrm>
+          <a:prstGeom prst="rect">
+            <a:avLst/>
+          </a:prstGeom>
+          <a:noFill/>
+        </p:spPr>
+        <p:txBody>
+          <a:bodyPr wrap="none" rtlCol="0">
+            <a:spAutoFit/>
+          </a:bodyPr>
+          <a:lstStyle/>
+          <a:p>
+            <a:r>
+              <a:rPr kumimoji="1" lang="ja-JP" altLang="en-US"/>
+              <a:t>省略</a:t>
+            </a:r>
+          </a:p>
+        </p:txBody>
+      </p:sp>
+      <p:sp>
+        <p:nvSpPr>
+          <p:cNvPr id="9" name="テキスト ボックス 8">
+            <a:extLst>
+              <a:ext uri="{FF2B5EF4-FFF2-40B4-BE49-F238E27FC236}">
+                <a16:creationId xmlns:a16="http://schemas.microsoft.com/office/drawing/2014/main" id="{9C438D27-6E14-08E4-17BA-8284959F70F0}"/>
+              </a:ext>
+            </a:extLst>
+          </p:cNvPr>
+          <p:cNvSpPr txBox="1"/>
+          <p:nvPr/>
+        </p:nvSpPr>
+        <p:spPr>
+          <a:xfrm>
+            <a:off x="273466" y="205099"/>
+            <a:ext cx="8494633" cy="646331"/>
+          </a:xfrm>
+          <a:prstGeom prst="rect">
+            <a:avLst/>
+          </a:prstGeom>
+          <a:noFill/>
+        </p:spPr>
+        <p:txBody>
+          <a:bodyPr wrap="none" rtlCol="0">
+            <a:spAutoFit/>
+          </a:bodyPr>
+          <a:lstStyle/>
+          <a:p>
+            <a:r>
+              <a:rPr kumimoji="1" lang="ja-JP" altLang="en-US"/>
+              <a:t>検索クエリや検索結果、プロンプト、使用したモデル</a:t>
+            </a:r>
+            <a:r>
+              <a:rPr lang="ja-JP" altLang="en-US"/>
+              <a:t>、実行時間等の確認が可能</a:t>
+            </a:r>
+            <a:endParaRPr lang="en-US" altLang="ja-JP" dirty="0"/>
+          </a:p>
+          <a:p>
+            <a:r>
+              <a:rPr kumimoji="1" lang="ja-JP" altLang="en-US"/>
+              <a:t>（選択した機能によって表示項目も変わる）</a:t>
+            </a:r>
+          </a:p>
+        </p:txBody>
+      </p:sp>
+    </p:spTree>
+    <p:extLst>
+      <p:ext uri="{BB962C8B-B14F-4D97-AF65-F5344CB8AC3E}">
+        <p14:creationId xmlns:p14="http://schemas.microsoft.com/office/powerpoint/2010/main" val="299333503"/>
+      </p:ext>
+    </p:extLst>
+  </p:cSld>
+  <p:clrMapOvr>
+    <a:masterClrMapping/>
+  </p:clrMapOvr>
+</p:sld>
+</file>
+
+<file path=ppt/slides/slide5.xml><?xml version="1.0" encoding="utf-8"?>
+<p:sld xmlns:a="http://schemas.openxmlformats.org/drawingml/2006/main" xmlns:r="http://schemas.openxmlformats.org/officeDocument/2006/relationships" xmlns:p="http://schemas.openxmlformats.org/presentationml/2006/main">
+  <p:cSld>
+    <p:spTree>
+      <p:nvGrpSpPr>
+        <p:cNvPr id="1" name=""/>
+        <p:cNvGrpSpPr/>
+        <p:nvPr/>
+      </p:nvGrpSpPr>
+      <p:grpSpPr>
+        <a:xfrm>
+          <a:off x="0" y="0"/>
+          <a:ext cx="0" cy="0"/>
+          <a:chOff x="0" y="0"/>
+          <a:chExt cx="0" cy="0"/>
+        </a:xfrm>
+      </p:grpSpPr>
+      <p:pic>
+        <p:nvPicPr>
+          <p:cNvPr id="6" name="図 5">
+            <a:extLst>
+              <a:ext uri="{FF2B5EF4-FFF2-40B4-BE49-F238E27FC236}">
+                <a16:creationId xmlns:a16="http://schemas.microsoft.com/office/drawing/2014/main" id="{78C5B20F-1DD0-DA56-915C-71DF0FC06B78}"/>
+              </a:ext>
+            </a:extLst>
+          </p:cNvPr>
+          <p:cNvPicPr>
+            <a:picLocks noChangeAspect="1"/>
+          </p:cNvPicPr>
+          <p:nvPr/>
+        </p:nvPicPr>
+        <p:blipFill>
+          <a:blip r:embed="rId2"/>
+          <a:stretch>
+            <a:fillRect/>
+          </a:stretch>
+        </p:blipFill>
+        <p:spPr>
+          <a:xfrm>
+            <a:off x="2209800" y="1039857"/>
+            <a:ext cx="7660593" cy="5681605"/>
+          </a:xfrm>
+          <a:prstGeom prst="rect">
+            <a:avLst/>
+          </a:prstGeom>
+        </p:spPr>
+      </p:pic>
+    </p:spTree>
+    <p:extLst>
+      <p:ext uri="{BB962C8B-B14F-4D97-AF65-F5344CB8AC3E}">
+        <p14:creationId xmlns:p14="http://schemas.microsoft.com/office/powerpoint/2010/main" val="1264422797"/>
       </p:ext>
     </p:extLst>
   </p:cSld>

--- a/追加.pptx
+++ b/追加.pptx
@@ -3642,10 +3642,10 @@
       </p:sp>
       <p:pic>
         <p:nvPicPr>
-          <p:cNvPr id="2" name="図 1">
+          <p:cNvPr id="3" name="図 2">
             <a:extLst>
               <a:ext uri="{FF2B5EF4-FFF2-40B4-BE49-F238E27FC236}">
-                <a16:creationId xmlns:a16="http://schemas.microsoft.com/office/drawing/2014/main" id="{0791A570-335A-1C93-102A-B3963E4A24F7}"/>
+                <a16:creationId xmlns:a16="http://schemas.microsoft.com/office/drawing/2014/main" id="{098564FF-1E21-8D76-D07E-67ED7BB80938}"/>
               </a:ext>
             </a:extLst>
           </p:cNvPr>
@@ -3662,8 +3662,38 @@
         </p:blipFill>
         <p:spPr>
           <a:xfrm>
-            <a:off x="2909052" y="2102265"/>
-            <a:ext cx="6051091" cy="3136307"/>
+            <a:off x="5874444" y="1589517"/>
+            <a:ext cx="5944392" cy="3081004"/>
+          </a:xfrm>
+          <a:prstGeom prst="rect">
+            <a:avLst/>
+          </a:prstGeom>
+        </p:spPr>
+      </p:pic>
+      <p:pic>
+        <p:nvPicPr>
+          <p:cNvPr id="5" name="図 4">
+            <a:extLst>
+              <a:ext uri="{FF2B5EF4-FFF2-40B4-BE49-F238E27FC236}">
+                <a16:creationId xmlns:a16="http://schemas.microsoft.com/office/drawing/2014/main" id="{10473B97-7E90-A2CC-23C6-6D0D5C53C136}"/>
+              </a:ext>
+            </a:extLst>
+          </p:cNvPr>
+          <p:cNvPicPr>
+            <a:picLocks noChangeAspect="1"/>
+          </p:cNvPicPr>
+          <p:nvPr/>
+        </p:nvPicPr>
+        <p:blipFill>
+          <a:blip r:embed="rId3"/>
+          <a:stretch>
+            <a:fillRect/>
+          </a:stretch>
+        </p:blipFill>
+        <p:spPr>
+          <a:xfrm>
+            <a:off x="611009" y="1589517"/>
+            <a:ext cx="4976967" cy="4657458"/>
           </a:xfrm>
           <a:prstGeom prst="rect">
             <a:avLst/>

--- a/追加.pptx
+++ b/追加.pptx
@@ -5,16 +5,19 @@
     <p:sldMasterId id="2147483648" r:id="rId1"/>
   </p:sldMasterIdLst>
   <p:notesMasterIdLst>
-    <p:notesMasterId r:id="rId6"/>
+    <p:notesMasterId r:id="rId9"/>
   </p:notesMasterIdLst>
   <p:handoutMasterIdLst>
-    <p:handoutMasterId r:id="rId7"/>
+    <p:handoutMasterId r:id="rId10"/>
   </p:handoutMasterIdLst>
   <p:sldIdLst>
     <p:sldId id="686" r:id="rId2"/>
     <p:sldId id="689" r:id="rId3"/>
     <p:sldId id="692" r:id="rId4"/>
     <p:sldId id="691" r:id="rId5"/>
+    <p:sldId id="343" r:id="rId6"/>
+    <p:sldId id="344" r:id="rId7"/>
+    <p:sldId id="345" r:id="rId8"/>
   </p:sldIdLst>
   <p:sldSz cx="12192000" cy="6858000"/>
   <p:notesSz cx="7104063" cy="10234613"/>
@@ -214,7 +217,7 @@
           <a:p>
             <a:fld id="{0F9B84EA-7D68-4D60-9CB1-D50884785D1C}" type="datetimeFigureOut">
               <a:rPr lang="zh-CN" altLang="en-US" smtClean="0"/>
-              <a:t>2024/6/11</a:t>
+              <a:t>2024/6/13</a:t>
             </a:fld>
             <a:endParaRPr lang="zh-CN" altLang="en-US"/>
           </a:p>
@@ -379,7 +382,7 @@
           <a:p>
             <a:fld id="{D6C8D182-E4C8-4120-9249-FC9774456FFA}" type="datetimeFigureOut">
               <a:rPr lang="zh-CN" altLang="en-US" smtClean="0"/>
-              <a:t>2024/6/11</a:t>
+              <a:t>2024/6/13</a:t>
             </a:fld>
             <a:endParaRPr lang="zh-CN" altLang="en-US"/>
           </a:p>
@@ -721,7 +724,7 @@
           <a:p>
             <a:fld id="{760FBDFE-C587-4B4C-A407-44438C67B59E}" type="datetimeFigureOut">
               <a:rPr lang="zh-CN" altLang="en-US" smtClean="0"/>
-              <a:t>2024/6/11</a:t>
+              <a:t>2024/6/13</a:t>
             </a:fld>
             <a:endParaRPr lang="zh-CN" altLang="en-US"/>
           </a:p>
@@ -887,7 +890,7 @@
           <a:p>
             <a:fld id="{760FBDFE-C587-4B4C-A407-44438C67B59E}" type="datetimeFigureOut">
               <a:rPr lang="zh-CN" altLang="en-US" smtClean="0"/>
-              <a:t>2024/6/11</a:t>
+              <a:t>2024/6/13</a:t>
             </a:fld>
             <a:endParaRPr lang="zh-CN" altLang="en-US"/>
           </a:p>
@@ -1187,7 +1190,7 @@
           <a:p>
             <a:fld id="{760FBDFE-C587-4B4C-A407-44438C67B59E}" type="datetimeFigureOut">
               <a:rPr lang="zh-CN" altLang="en-US" smtClean="0"/>
-              <a:t>2024/6/11</a:t>
+              <a:t>2024/6/13</a:t>
             </a:fld>
             <a:endParaRPr lang="zh-CN" altLang="en-US"/>
           </a:p>
@@ -1439,7 +1442,7 @@
           <a:p>
             <a:fld id="{760FBDFE-C587-4B4C-A407-44438C67B59E}" type="datetimeFigureOut">
               <a:rPr lang="zh-CN" altLang="en-US" smtClean="0"/>
-              <a:t>2024/6/11</a:t>
+              <a:t>2024/6/13</a:t>
             </a:fld>
             <a:endParaRPr lang="zh-CN" altLang="en-US"/>
           </a:p>
@@ -1822,7 +1825,7 @@
           <a:p>
             <a:fld id="{760FBDFE-C587-4B4C-A407-44438C67B59E}" type="datetimeFigureOut">
               <a:rPr lang="zh-CN" altLang="en-US" smtClean="0"/>
-              <a:t>2024/6/11</a:t>
+              <a:t>2024/6/13</a:t>
             </a:fld>
             <a:endParaRPr lang="zh-CN" altLang="en-US"/>
           </a:p>
@@ -2189,7 +2192,7 @@
           <a:p>
             <a:fld id="{760FBDFE-C587-4B4C-A407-44438C67B59E}" type="datetimeFigureOut">
               <a:rPr lang="zh-CN" altLang="en-US" smtClean="0"/>
-              <a:t>2024/6/11</a:t>
+              <a:t>2024/6/13</a:t>
             </a:fld>
             <a:endParaRPr lang="zh-CN" altLang="en-US"/>
           </a:p>
@@ -2320,7 +2323,7 @@
           <a:p>
             <a:fld id="{760FBDFE-C587-4B4C-A407-44438C67B59E}" type="datetimeFigureOut">
               <a:rPr lang="zh-CN" altLang="en-US" smtClean="0"/>
-              <a:t>2024/6/11</a:t>
+              <a:t>2024/6/13</a:t>
             </a:fld>
             <a:endParaRPr lang="zh-CN" altLang="en-US"/>
           </a:p>
@@ -2410,7 +2413,7 @@
           <a:p>
             <a:fld id="{760FBDFE-C587-4B4C-A407-44438C67B59E}" type="datetimeFigureOut">
               <a:rPr lang="zh-CN" altLang="en-US" smtClean="0"/>
-              <a:t>2024/6/11</a:t>
+              <a:t>2024/6/13</a:t>
             </a:fld>
             <a:endParaRPr lang="zh-CN" altLang="en-US"/>
           </a:p>
@@ -2674,7 +2677,7 @@
           <a:p>
             <a:fld id="{9EFD9D74-47D9-4702-A33C-335B63B48DBF}" type="datetimeFigureOut">
               <a:rPr lang="zh-CN" altLang="en-US" smtClean="0"/>
-              <a:t>2024/6/11</a:t>
+              <a:t>2024/6/13</a:t>
             </a:fld>
             <a:endParaRPr lang="zh-CN" altLang="en-US" dirty="0"/>
           </a:p>
@@ -2885,7 +2888,7 @@
           <a:p>
             <a:fld id="{760FBDFE-C587-4B4C-A407-44438C67B59E}" type="datetimeFigureOut">
               <a:rPr lang="zh-CN" altLang="en-US" smtClean="0"/>
-              <a:t>2024/6/11</a:t>
+              <a:t>2024/6/13</a:t>
             </a:fld>
             <a:endParaRPr lang="zh-CN" altLang="en-US"/>
           </a:p>
@@ -3098,7 +3101,7 @@
           <a:p>
             <a:fld id="{760FBDFE-C587-4B4C-A407-44438C67B59E}" type="datetimeFigureOut">
               <a:rPr lang="zh-CN" altLang="en-US" smtClean="0"/>
-              <a:t>2024/6/11</a:t>
+              <a:t>2024/6/13</a:t>
             </a:fld>
             <a:endParaRPr lang="zh-CN" altLang="en-US"/>
           </a:p>
@@ -11070,6 +11073,246 @@
 </p:sld>
 </file>
 
+<file path=ppt/slides/slide5.xml><?xml version="1.0" encoding="utf-8"?>
+<p:sld xmlns:a="http://schemas.openxmlformats.org/drawingml/2006/main" xmlns:r="http://schemas.openxmlformats.org/officeDocument/2006/relationships" xmlns:p="http://schemas.openxmlformats.org/presentationml/2006/main">
+  <p:cSld>
+    <p:spTree>
+      <p:nvGrpSpPr>
+        <p:cNvPr id="1" name=""/>
+        <p:cNvGrpSpPr/>
+        <p:nvPr/>
+      </p:nvGrpSpPr>
+      <p:grpSpPr>
+        <a:xfrm>
+          <a:off x="0" y="0"/>
+          <a:ext cx="0" cy="0"/>
+          <a:chOff x="0" y="0"/>
+          <a:chExt cx="0" cy="0"/>
+        </a:xfrm>
+      </p:grpSpPr>
+      <p:pic>
+        <p:nvPicPr>
+          <p:cNvPr id="4" name="図 3">
+            <a:extLst>
+              <a:ext uri="{FF2B5EF4-FFF2-40B4-BE49-F238E27FC236}">
+                <a16:creationId xmlns:a16="http://schemas.microsoft.com/office/drawing/2014/main" id="{86AD1795-C41E-5F38-8F57-847BC54EB95B}"/>
+              </a:ext>
+            </a:extLst>
+          </p:cNvPr>
+          <p:cNvPicPr>
+            <a:picLocks noChangeAspect="1"/>
+          </p:cNvPicPr>
+          <p:nvPr/>
+        </p:nvPicPr>
+        <p:blipFill>
+          <a:blip r:embed="rId2"/>
+          <a:stretch>
+            <a:fillRect/>
+          </a:stretch>
+        </p:blipFill>
+        <p:spPr>
+          <a:xfrm>
+            <a:off x="294101" y="1402749"/>
+            <a:ext cx="11603798" cy="4052501"/>
+          </a:xfrm>
+          <a:prstGeom prst="rect">
+            <a:avLst/>
+          </a:prstGeom>
+        </p:spPr>
+      </p:pic>
+    </p:spTree>
+    <p:extLst>
+      <p:ext uri="{BB962C8B-B14F-4D97-AF65-F5344CB8AC3E}">
+        <p14:creationId xmlns:p14="http://schemas.microsoft.com/office/powerpoint/2010/main" val="343591728"/>
+      </p:ext>
+    </p:extLst>
+  </p:cSld>
+  <p:clrMapOvr>
+    <a:masterClrMapping/>
+  </p:clrMapOvr>
+</p:sld>
+</file>
+
+<file path=ppt/slides/slide6.xml><?xml version="1.0" encoding="utf-8"?>
+<p:sld xmlns:a="http://schemas.openxmlformats.org/drawingml/2006/main" xmlns:r="http://schemas.openxmlformats.org/officeDocument/2006/relationships" xmlns:p="http://schemas.openxmlformats.org/presentationml/2006/main">
+  <p:cSld>
+    <p:spTree>
+      <p:nvGrpSpPr>
+        <p:cNvPr id="1" name=""/>
+        <p:cNvGrpSpPr/>
+        <p:nvPr/>
+      </p:nvGrpSpPr>
+      <p:grpSpPr>
+        <a:xfrm>
+          <a:off x="0" y="0"/>
+          <a:ext cx="0" cy="0"/>
+          <a:chOff x="0" y="0"/>
+          <a:chExt cx="0" cy="0"/>
+        </a:xfrm>
+      </p:grpSpPr>
+      <p:pic>
+        <p:nvPicPr>
+          <p:cNvPr id="4" name="図 3">
+            <a:extLst>
+              <a:ext uri="{FF2B5EF4-FFF2-40B4-BE49-F238E27FC236}">
+                <a16:creationId xmlns:a16="http://schemas.microsoft.com/office/drawing/2014/main" id="{5BCDE204-1A97-45FF-5FE4-900B438095DA}"/>
+              </a:ext>
+            </a:extLst>
+          </p:cNvPr>
+          <p:cNvPicPr>
+            <a:picLocks noChangeAspect="1"/>
+          </p:cNvPicPr>
+          <p:nvPr/>
+        </p:nvPicPr>
+        <p:blipFill>
+          <a:blip r:embed="rId2"/>
+          <a:stretch>
+            <a:fillRect/>
+          </a:stretch>
+        </p:blipFill>
+        <p:spPr>
+          <a:xfrm>
+            <a:off x="843924" y="3674533"/>
+            <a:ext cx="10924218" cy="2912533"/>
+          </a:xfrm>
+          <a:prstGeom prst="rect">
+            <a:avLst/>
+          </a:prstGeom>
+        </p:spPr>
+      </p:pic>
+      <p:pic>
+        <p:nvPicPr>
+          <p:cNvPr id="5" name="図 4">
+            <a:extLst>
+              <a:ext uri="{FF2B5EF4-FFF2-40B4-BE49-F238E27FC236}">
+                <a16:creationId xmlns:a16="http://schemas.microsoft.com/office/drawing/2014/main" id="{C5FBB9DF-175E-C109-D1CB-13148EE6FB55}"/>
+              </a:ext>
+            </a:extLst>
+          </p:cNvPr>
+          <p:cNvPicPr>
+            <a:picLocks noChangeAspect="1"/>
+          </p:cNvPicPr>
+          <p:nvPr/>
+        </p:nvPicPr>
+        <p:blipFill>
+          <a:blip r:embed="rId3"/>
+          <a:stretch>
+            <a:fillRect/>
+          </a:stretch>
+        </p:blipFill>
+        <p:spPr>
+          <a:xfrm>
+            <a:off x="2912533" y="188189"/>
+            <a:ext cx="5901369" cy="3317011"/>
+          </a:xfrm>
+          <a:prstGeom prst="rect">
+            <a:avLst/>
+          </a:prstGeom>
+        </p:spPr>
+      </p:pic>
+    </p:spTree>
+    <p:extLst>
+      <p:ext uri="{BB962C8B-B14F-4D97-AF65-F5344CB8AC3E}">
+        <p14:creationId xmlns:p14="http://schemas.microsoft.com/office/powerpoint/2010/main" val="368011297"/>
+      </p:ext>
+    </p:extLst>
+  </p:cSld>
+  <p:clrMapOvr>
+    <a:masterClrMapping/>
+  </p:clrMapOvr>
+</p:sld>
+</file>
+
+<file path=ppt/slides/slide7.xml><?xml version="1.0" encoding="utf-8"?>
+<p:sld xmlns:a="http://schemas.openxmlformats.org/drawingml/2006/main" xmlns:r="http://schemas.openxmlformats.org/officeDocument/2006/relationships" xmlns:p="http://schemas.openxmlformats.org/presentationml/2006/main">
+  <p:cSld>
+    <p:spTree>
+      <p:nvGrpSpPr>
+        <p:cNvPr id="1" name=""/>
+        <p:cNvGrpSpPr/>
+        <p:nvPr/>
+      </p:nvGrpSpPr>
+      <p:grpSpPr>
+        <a:xfrm>
+          <a:off x="0" y="0"/>
+          <a:ext cx="0" cy="0"/>
+          <a:chOff x="0" y="0"/>
+          <a:chExt cx="0" cy="0"/>
+        </a:xfrm>
+      </p:grpSpPr>
+      <p:pic>
+        <p:nvPicPr>
+          <p:cNvPr id="4" name="図 3">
+            <a:extLst>
+              <a:ext uri="{FF2B5EF4-FFF2-40B4-BE49-F238E27FC236}">
+                <a16:creationId xmlns:a16="http://schemas.microsoft.com/office/drawing/2014/main" id="{A3E61435-0CEA-9244-7439-B8160DFA5676}"/>
+              </a:ext>
+            </a:extLst>
+          </p:cNvPr>
+          <p:cNvPicPr>
+            <a:picLocks noChangeAspect="1"/>
+          </p:cNvPicPr>
+          <p:nvPr/>
+        </p:nvPicPr>
+        <p:blipFill>
+          <a:blip r:embed="rId2"/>
+          <a:stretch>
+            <a:fillRect/>
+          </a:stretch>
+        </p:blipFill>
+        <p:spPr>
+          <a:xfrm>
+            <a:off x="457198" y="3859236"/>
+            <a:ext cx="11500171" cy="2685498"/>
+          </a:xfrm>
+          <a:prstGeom prst="rect">
+            <a:avLst/>
+          </a:prstGeom>
+        </p:spPr>
+      </p:pic>
+      <p:pic>
+        <p:nvPicPr>
+          <p:cNvPr id="5" name="図 4">
+            <a:extLst>
+              <a:ext uri="{FF2B5EF4-FFF2-40B4-BE49-F238E27FC236}">
+                <a16:creationId xmlns:a16="http://schemas.microsoft.com/office/drawing/2014/main" id="{9B76D90B-FAE6-0021-AA45-A5CEAB5CD3C6}"/>
+              </a:ext>
+            </a:extLst>
+          </p:cNvPr>
+          <p:cNvPicPr>
+            <a:picLocks noChangeAspect="1"/>
+          </p:cNvPicPr>
+          <p:nvPr/>
+        </p:nvPicPr>
+        <p:blipFill>
+          <a:blip r:embed="rId3"/>
+          <a:stretch>
+            <a:fillRect/>
+          </a:stretch>
+        </p:blipFill>
+        <p:spPr>
+          <a:xfrm>
+            <a:off x="2692399" y="110067"/>
+            <a:ext cx="6533665" cy="3635701"/>
+          </a:xfrm>
+          <a:prstGeom prst="rect">
+            <a:avLst/>
+          </a:prstGeom>
+        </p:spPr>
+      </p:pic>
+    </p:spTree>
+    <p:extLst>
+      <p:ext uri="{BB962C8B-B14F-4D97-AF65-F5344CB8AC3E}">
+        <p14:creationId xmlns:p14="http://schemas.microsoft.com/office/powerpoint/2010/main" val="950140672"/>
+      </p:ext>
+    </p:extLst>
+  </p:cSld>
+  <p:clrMapOvr>
+    <a:masterClrMapping/>
+  </p:clrMapOvr>
+</p:sld>
+</file>
+
 <file path=ppt/theme/theme1.xml><?xml version="1.0" encoding="utf-8"?>
 <a:theme xmlns:a="http://schemas.openxmlformats.org/drawingml/2006/main" name="Office Theme">
   <a:themeElements>

--- a/追加.pptx
+++ b/追加.pptx
@@ -5,7 +5,11 @@
     <p:sldMasterId id="2147483648" r:id="rId1"/>
   </p:sldMasterIdLst>
   <p:sldIdLst>
-    <p:sldId id="365" r:id="rId2"/>
+    <p:sldId id="361" r:id="rId2"/>
+    <p:sldId id="369" r:id="rId3"/>
+    <p:sldId id="370" r:id="rId4"/>
+    <p:sldId id="362" r:id="rId5"/>
+    <p:sldId id="371" r:id="rId6"/>
   </p:sldIdLst>
   <p:sldSz cx="12192000" cy="6858000"/>
   <p:notesSz cx="6858000" cy="9144000"/>
@@ -3614,10 +3618,1364 @@
           <a:chExt cx="0" cy="0"/>
         </a:xfrm>
       </p:grpSpPr>
+      <p:sp>
+        <p:nvSpPr>
+          <p:cNvPr id="4" name="テキスト ボックス 3">
+            <a:extLst>
+              <a:ext uri="{FF2B5EF4-FFF2-40B4-BE49-F238E27FC236}">
+                <a16:creationId xmlns:a16="http://schemas.microsoft.com/office/drawing/2014/main" id="{F2216B1C-13E2-251B-33B6-11FC69FF84CF}"/>
+              </a:ext>
+            </a:extLst>
+          </p:cNvPr>
+          <p:cNvSpPr txBox="1"/>
+          <p:nvPr/>
+        </p:nvSpPr>
+        <p:spPr>
+          <a:xfrm>
+            <a:off x="1084217" y="198924"/>
+            <a:ext cx="5958682" cy="1446550"/>
+          </a:xfrm>
+          <a:prstGeom prst="rect">
+            <a:avLst/>
+          </a:prstGeom>
+          <a:solidFill>
+            <a:schemeClr val="accent2"/>
+          </a:solidFill>
+        </p:spPr>
+        <p:txBody>
+          <a:bodyPr wrap="none" rtlCol="0">
+            <a:spAutoFit/>
+          </a:bodyPr>
+          <a:lstStyle/>
+          <a:p>
+            <a:r>
+              <a:rPr kumimoji="1" lang="en-US" altLang="ja-JP" sz="8800" dirty="0">
+                <a:solidFill>
+                  <a:schemeClr val="bg1"/>
+                </a:solidFill>
+              </a:rPr>
+              <a:t>PowerPoint</a:t>
+            </a:r>
+            <a:endParaRPr kumimoji="1" lang="ja-JP" altLang="en-US" sz="8800">
+              <a:solidFill>
+                <a:schemeClr val="bg1"/>
+              </a:solidFill>
+            </a:endParaRPr>
+          </a:p>
+        </p:txBody>
+      </p:sp>
+      <p:pic>
+        <p:nvPicPr>
+          <p:cNvPr id="6" name="グラフィックス 5" descr="画像 枠線">
+            <a:extLst>
+              <a:ext uri="{FF2B5EF4-FFF2-40B4-BE49-F238E27FC236}">
+                <a16:creationId xmlns:a16="http://schemas.microsoft.com/office/drawing/2014/main" id="{8F58BEC4-6BB6-19D7-07AE-C59813684A72}"/>
+              </a:ext>
+            </a:extLst>
+          </p:cNvPr>
+          <p:cNvPicPr>
+            <a:picLocks noChangeAspect="1"/>
+          </p:cNvPicPr>
+          <p:nvPr/>
+        </p:nvPicPr>
+        <p:blipFill>
+          <a:blip r:embed="rId2">
+            <a:extLst>
+              <a:ext uri="{28A0092B-C50C-407E-A947-70E740481C1C}">
+                <a14:useLocalDpi xmlns:a14="http://schemas.microsoft.com/office/drawing/2010/main" val="0"/>
+              </a:ext>
+              <a:ext uri="{96DAC541-7B7A-43D3-8B79-37D633B846F1}">
+                <asvg:svgBlip xmlns:asvg="http://schemas.microsoft.com/office/drawing/2016/SVG/main" r:embed="rId3"/>
+              </a:ext>
+            </a:extLst>
+          </a:blip>
+          <a:stretch>
+            <a:fillRect/>
+          </a:stretch>
+        </p:blipFill>
+        <p:spPr>
+          <a:xfrm>
+            <a:off x="3539143" y="2846968"/>
+            <a:ext cx="4421384" cy="4421384"/>
+          </a:xfrm>
+          <a:prstGeom prst="rect">
+            <a:avLst/>
+          </a:prstGeom>
+        </p:spPr>
+      </p:pic>
+      <p:sp>
+        <p:nvSpPr>
+          <p:cNvPr id="10" name="正方形/長方形 9">
+            <a:extLst>
+              <a:ext uri="{FF2B5EF4-FFF2-40B4-BE49-F238E27FC236}">
+                <a16:creationId xmlns:a16="http://schemas.microsoft.com/office/drawing/2014/main" id="{732D78F2-9992-C069-F1C3-DC46EABB96D4}"/>
+              </a:ext>
+            </a:extLst>
+          </p:cNvPr>
+          <p:cNvSpPr/>
+          <p:nvPr/>
+        </p:nvSpPr>
+        <p:spPr>
+          <a:xfrm>
+            <a:off x="1776546" y="2202437"/>
+            <a:ext cx="8013833" cy="1157542"/>
+          </a:xfrm>
+          <a:prstGeom prst="rect">
+            <a:avLst/>
+          </a:prstGeom>
+          <a:noFill/>
+          <a:ln w="38100">
+            <a:solidFill>
+              <a:schemeClr val="tx2"/>
+            </a:solidFill>
+          </a:ln>
+        </p:spPr>
+        <p:style>
+          <a:lnRef idx="2">
+            <a:schemeClr val="accent1">
+              <a:shade val="15000"/>
+            </a:schemeClr>
+          </a:lnRef>
+          <a:fillRef idx="1">
+            <a:schemeClr val="accent1"/>
+          </a:fillRef>
+          <a:effectRef idx="0">
+            <a:schemeClr val="accent1"/>
+          </a:effectRef>
+          <a:fontRef idx="minor">
+            <a:schemeClr val="lt1"/>
+          </a:fontRef>
+        </p:style>
+        <p:txBody>
+          <a:bodyPr rtlCol="0" anchor="ctr"/>
+          <a:lstStyle/>
+          <a:p>
+            <a:pPr algn="ctr"/>
+            <a:r>
+              <a:rPr kumimoji="1" lang="ja-JP" altLang="en-US" sz="7200">
+                <a:solidFill>
+                  <a:schemeClr val="tx1"/>
+                </a:solidFill>
+              </a:rPr>
+              <a:t>テキスト</a:t>
+            </a:r>
+          </a:p>
+        </p:txBody>
+      </p:sp>
+      <p:sp>
+        <p:nvSpPr>
+          <p:cNvPr id="12" name="正方形/長方形 11">
+            <a:extLst>
+              <a:ext uri="{FF2B5EF4-FFF2-40B4-BE49-F238E27FC236}">
+                <a16:creationId xmlns:a16="http://schemas.microsoft.com/office/drawing/2014/main" id="{2B1FFE99-EE5F-A070-DE56-0F0229448A4F}"/>
+              </a:ext>
+            </a:extLst>
+          </p:cNvPr>
+          <p:cNvSpPr/>
+          <p:nvPr/>
+        </p:nvSpPr>
+        <p:spPr>
+          <a:xfrm>
+            <a:off x="1084217" y="1711234"/>
+            <a:ext cx="9331237" cy="4947842"/>
+          </a:xfrm>
+          <a:prstGeom prst="rect">
+            <a:avLst/>
+          </a:prstGeom>
+          <a:noFill/>
+          <a:ln w="38100">
+            <a:solidFill>
+              <a:schemeClr val="tx2"/>
+            </a:solidFill>
+          </a:ln>
+        </p:spPr>
+        <p:style>
+          <a:lnRef idx="2">
+            <a:schemeClr val="accent1">
+              <a:shade val="15000"/>
+            </a:schemeClr>
+          </a:lnRef>
+          <a:fillRef idx="1">
+            <a:schemeClr val="accent1"/>
+          </a:fillRef>
+          <a:effectRef idx="0">
+            <a:schemeClr val="accent1"/>
+          </a:effectRef>
+          <a:fontRef idx="minor">
+            <a:schemeClr val="lt1"/>
+          </a:fontRef>
+        </p:style>
+        <p:txBody>
+          <a:bodyPr rtlCol="0" anchor="ctr"/>
+          <a:lstStyle/>
+          <a:p>
+            <a:pPr algn="ctr"/>
+            <a:endParaRPr kumimoji="1" lang="ja-JP" altLang="en-US" sz="7200">
+              <a:solidFill>
+                <a:schemeClr val="tx1"/>
+              </a:solidFill>
+            </a:endParaRPr>
+          </a:p>
+        </p:txBody>
+      </p:sp>
     </p:spTree>
     <p:extLst>
       <p:ext uri="{BB962C8B-B14F-4D97-AF65-F5344CB8AC3E}">
-        <p14:creationId xmlns:p14="http://schemas.microsoft.com/office/powerpoint/2010/main" val="1446877467"/>
+        <p14:creationId xmlns:p14="http://schemas.microsoft.com/office/powerpoint/2010/main" val="922090663"/>
+      </p:ext>
+    </p:extLst>
+  </p:cSld>
+  <p:clrMapOvr>
+    <a:masterClrMapping/>
+  </p:clrMapOvr>
+</p:sld>
+</file>
+
+<file path=ppt/slides/slide2.xml><?xml version="1.0" encoding="utf-8"?>
+<p:sld xmlns:a="http://schemas.openxmlformats.org/drawingml/2006/main" xmlns:r="http://schemas.openxmlformats.org/officeDocument/2006/relationships" xmlns:p="http://schemas.openxmlformats.org/presentationml/2006/main">
+  <p:cSld>
+    <p:spTree>
+      <p:nvGrpSpPr>
+        <p:cNvPr id="1" name=""/>
+        <p:cNvGrpSpPr/>
+        <p:nvPr/>
+      </p:nvGrpSpPr>
+      <p:grpSpPr>
+        <a:xfrm>
+          <a:off x="0" y="0"/>
+          <a:ext cx="0" cy="0"/>
+          <a:chOff x="0" y="0"/>
+          <a:chExt cx="0" cy="0"/>
+        </a:xfrm>
+      </p:grpSpPr>
+      <p:pic>
+        <p:nvPicPr>
+          <p:cNvPr id="6" name="グラフィックス 5" descr="画像 枠線">
+            <a:extLst>
+              <a:ext uri="{FF2B5EF4-FFF2-40B4-BE49-F238E27FC236}">
+                <a16:creationId xmlns:a16="http://schemas.microsoft.com/office/drawing/2014/main" id="{8F58BEC4-6BB6-19D7-07AE-C59813684A72}"/>
+              </a:ext>
+            </a:extLst>
+          </p:cNvPr>
+          <p:cNvPicPr>
+            <a:picLocks noChangeAspect="1"/>
+          </p:cNvPicPr>
+          <p:nvPr/>
+        </p:nvPicPr>
+        <p:blipFill>
+          <a:blip r:embed="rId2">
+            <a:extLst>
+              <a:ext uri="{28A0092B-C50C-407E-A947-70E740481C1C}">
+                <a14:useLocalDpi xmlns:a14="http://schemas.microsoft.com/office/drawing/2010/main" val="0"/>
+              </a:ext>
+              <a:ext uri="{96DAC541-7B7A-43D3-8B79-37D633B846F1}">
+                <asvg:svgBlip xmlns:asvg="http://schemas.microsoft.com/office/drawing/2016/SVG/main" r:embed="rId3"/>
+              </a:ext>
+            </a:extLst>
+          </a:blip>
+          <a:stretch>
+            <a:fillRect/>
+          </a:stretch>
+        </p:blipFill>
+        <p:spPr>
+          <a:xfrm>
+            <a:off x="3539143" y="2846968"/>
+            <a:ext cx="4421384" cy="4421384"/>
+          </a:xfrm>
+          <a:prstGeom prst="rect">
+            <a:avLst/>
+          </a:prstGeom>
+        </p:spPr>
+      </p:pic>
+      <p:sp>
+        <p:nvSpPr>
+          <p:cNvPr id="10" name="正方形/長方形 9">
+            <a:extLst>
+              <a:ext uri="{FF2B5EF4-FFF2-40B4-BE49-F238E27FC236}">
+                <a16:creationId xmlns:a16="http://schemas.microsoft.com/office/drawing/2014/main" id="{732D78F2-9992-C069-F1C3-DC46EABB96D4}"/>
+              </a:ext>
+            </a:extLst>
+          </p:cNvPr>
+          <p:cNvSpPr/>
+          <p:nvPr/>
+        </p:nvSpPr>
+        <p:spPr>
+          <a:xfrm>
+            <a:off x="1776546" y="2202437"/>
+            <a:ext cx="8013833" cy="1157542"/>
+          </a:xfrm>
+          <a:prstGeom prst="rect">
+            <a:avLst/>
+          </a:prstGeom>
+          <a:noFill/>
+          <a:ln w="38100">
+            <a:solidFill>
+              <a:schemeClr val="tx2"/>
+            </a:solidFill>
+          </a:ln>
+        </p:spPr>
+        <p:style>
+          <a:lnRef idx="2">
+            <a:schemeClr val="accent1">
+              <a:shade val="15000"/>
+            </a:schemeClr>
+          </a:lnRef>
+          <a:fillRef idx="1">
+            <a:schemeClr val="accent1"/>
+          </a:fillRef>
+          <a:effectRef idx="0">
+            <a:schemeClr val="accent1"/>
+          </a:effectRef>
+          <a:fontRef idx="minor">
+            <a:schemeClr val="lt1"/>
+          </a:fontRef>
+        </p:style>
+        <p:txBody>
+          <a:bodyPr rtlCol="0" anchor="ctr"/>
+          <a:lstStyle/>
+          <a:p>
+            <a:pPr algn="ctr"/>
+            <a:r>
+              <a:rPr kumimoji="1" lang="ja-JP" altLang="en-US" sz="7200">
+                <a:solidFill>
+                  <a:schemeClr val="tx1"/>
+                </a:solidFill>
+              </a:rPr>
+              <a:t>テキスト</a:t>
+            </a:r>
+          </a:p>
+        </p:txBody>
+      </p:sp>
+      <p:sp>
+        <p:nvSpPr>
+          <p:cNvPr id="12" name="正方形/長方形 11">
+            <a:extLst>
+              <a:ext uri="{FF2B5EF4-FFF2-40B4-BE49-F238E27FC236}">
+                <a16:creationId xmlns:a16="http://schemas.microsoft.com/office/drawing/2014/main" id="{2B1FFE99-EE5F-A070-DE56-0F0229448A4F}"/>
+              </a:ext>
+            </a:extLst>
+          </p:cNvPr>
+          <p:cNvSpPr/>
+          <p:nvPr/>
+        </p:nvSpPr>
+        <p:spPr>
+          <a:xfrm>
+            <a:off x="1084217" y="1711234"/>
+            <a:ext cx="9331237" cy="4947842"/>
+          </a:xfrm>
+          <a:prstGeom prst="rect">
+            <a:avLst/>
+          </a:prstGeom>
+          <a:noFill/>
+          <a:ln w="38100">
+            <a:solidFill>
+              <a:schemeClr val="tx2"/>
+            </a:solidFill>
+          </a:ln>
+        </p:spPr>
+        <p:style>
+          <a:lnRef idx="2">
+            <a:schemeClr val="accent1">
+              <a:shade val="15000"/>
+            </a:schemeClr>
+          </a:lnRef>
+          <a:fillRef idx="1">
+            <a:schemeClr val="accent1"/>
+          </a:fillRef>
+          <a:effectRef idx="0">
+            <a:schemeClr val="accent1"/>
+          </a:effectRef>
+          <a:fontRef idx="minor">
+            <a:schemeClr val="lt1"/>
+          </a:fontRef>
+        </p:style>
+        <p:txBody>
+          <a:bodyPr rtlCol="0" anchor="ctr"/>
+          <a:lstStyle/>
+          <a:p>
+            <a:pPr algn="ctr"/>
+            <a:endParaRPr kumimoji="1" lang="ja-JP" altLang="en-US" sz="7200">
+              <a:solidFill>
+                <a:schemeClr val="tx1"/>
+              </a:solidFill>
+            </a:endParaRPr>
+          </a:p>
+        </p:txBody>
+      </p:sp>
+      <p:sp>
+        <p:nvSpPr>
+          <p:cNvPr id="2" name="テキスト ボックス 1">
+            <a:extLst>
+              <a:ext uri="{FF2B5EF4-FFF2-40B4-BE49-F238E27FC236}">
+                <a16:creationId xmlns:a16="http://schemas.microsoft.com/office/drawing/2014/main" id="{E4FCA2B1-A791-0582-61DB-AD1A4C1E3111}"/>
+              </a:ext>
+            </a:extLst>
+          </p:cNvPr>
+          <p:cNvSpPr txBox="1"/>
+          <p:nvPr/>
+        </p:nvSpPr>
+        <p:spPr>
+          <a:xfrm>
+            <a:off x="1084217" y="198924"/>
+            <a:ext cx="2441694" cy="1446550"/>
+          </a:xfrm>
+          <a:prstGeom prst="rect">
+            <a:avLst/>
+          </a:prstGeom>
+          <a:solidFill>
+            <a:srgbClr val="CC3300"/>
+          </a:solidFill>
+        </p:spPr>
+        <p:txBody>
+          <a:bodyPr wrap="none" rtlCol="0">
+            <a:spAutoFit/>
+          </a:bodyPr>
+          <a:lstStyle/>
+          <a:p>
+            <a:r>
+              <a:rPr kumimoji="1" lang="en-US" altLang="ja-JP" sz="8800" dirty="0">
+                <a:solidFill>
+                  <a:schemeClr val="bg1"/>
+                </a:solidFill>
+              </a:rPr>
+              <a:t>PDF</a:t>
+            </a:r>
+            <a:endParaRPr kumimoji="1" lang="ja-JP" altLang="en-US" sz="8800">
+              <a:solidFill>
+                <a:schemeClr val="bg1"/>
+              </a:solidFill>
+            </a:endParaRPr>
+          </a:p>
+        </p:txBody>
+      </p:sp>
+    </p:spTree>
+    <p:extLst>
+      <p:ext uri="{BB962C8B-B14F-4D97-AF65-F5344CB8AC3E}">
+        <p14:creationId xmlns:p14="http://schemas.microsoft.com/office/powerpoint/2010/main" val="2674311831"/>
+      </p:ext>
+    </p:extLst>
+  </p:cSld>
+  <p:clrMapOvr>
+    <a:masterClrMapping/>
+  </p:clrMapOvr>
+</p:sld>
+</file>
+
+<file path=ppt/slides/slide3.xml><?xml version="1.0" encoding="utf-8"?>
+<p:sld xmlns:a="http://schemas.openxmlformats.org/drawingml/2006/main" xmlns:r="http://schemas.openxmlformats.org/officeDocument/2006/relationships" xmlns:p="http://schemas.openxmlformats.org/presentationml/2006/main">
+  <p:cSld>
+    <p:spTree>
+      <p:nvGrpSpPr>
+        <p:cNvPr id="1" name=""/>
+        <p:cNvGrpSpPr/>
+        <p:nvPr/>
+      </p:nvGrpSpPr>
+      <p:grpSpPr>
+        <a:xfrm>
+          <a:off x="0" y="0"/>
+          <a:ext cx="0" cy="0"/>
+          <a:chOff x="0" y="0"/>
+          <a:chExt cx="0" cy="0"/>
+        </a:xfrm>
+      </p:grpSpPr>
+      <p:pic>
+        <p:nvPicPr>
+          <p:cNvPr id="6" name="グラフィックス 5" descr="画像 枠線">
+            <a:extLst>
+              <a:ext uri="{FF2B5EF4-FFF2-40B4-BE49-F238E27FC236}">
+                <a16:creationId xmlns:a16="http://schemas.microsoft.com/office/drawing/2014/main" id="{8F58BEC4-6BB6-19D7-07AE-C59813684A72}"/>
+              </a:ext>
+            </a:extLst>
+          </p:cNvPr>
+          <p:cNvPicPr>
+            <a:picLocks noChangeAspect="1"/>
+          </p:cNvPicPr>
+          <p:nvPr/>
+        </p:nvPicPr>
+        <p:blipFill>
+          <a:blip r:embed="rId2">
+            <a:extLst>
+              <a:ext uri="{28A0092B-C50C-407E-A947-70E740481C1C}">
+                <a14:useLocalDpi xmlns:a14="http://schemas.microsoft.com/office/drawing/2010/main" val="0"/>
+              </a:ext>
+              <a:ext uri="{96DAC541-7B7A-43D3-8B79-37D633B846F1}">
+                <asvg:svgBlip xmlns:asvg="http://schemas.microsoft.com/office/drawing/2016/SVG/main" r:embed="rId3"/>
+              </a:ext>
+            </a:extLst>
+          </a:blip>
+          <a:stretch>
+            <a:fillRect/>
+          </a:stretch>
+        </p:blipFill>
+        <p:spPr>
+          <a:xfrm>
+            <a:off x="3539143" y="2846968"/>
+            <a:ext cx="4421384" cy="4421384"/>
+          </a:xfrm>
+          <a:prstGeom prst="rect">
+            <a:avLst/>
+          </a:prstGeom>
+        </p:spPr>
+      </p:pic>
+      <p:sp>
+        <p:nvSpPr>
+          <p:cNvPr id="10" name="正方形/長方形 9">
+            <a:extLst>
+              <a:ext uri="{FF2B5EF4-FFF2-40B4-BE49-F238E27FC236}">
+                <a16:creationId xmlns:a16="http://schemas.microsoft.com/office/drawing/2014/main" id="{732D78F2-9992-C069-F1C3-DC46EABB96D4}"/>
+              </a:ext>
+            </a:extLst>
+          </p:cNvPr>
+          <p:cNvSpPr/>
+          <p:nvPr/>
+        </p:nvSpPr>
+        <p:spPr>
+          <a:xfrm>
+            <a:off x="1776546" y="2202437"/>
+            <a:ext cx="8013833" cy="1157542"/>
+          </a:xfrm>
+          <a:prstGeom prst="rect">
+            <a:avLst/>
+          </a:prstGeom>
+          <a:noFill/>
+          <a:ln w="38100">
+            <a:solidFill>
+              <a:schemeClr val="tx2"/>
+            </a:solidFill>
+          </a:ln>
+        </p:spPr>
+        <p:style>
+          <a:lnRef idx="2">
+            <a:schemeClr val="accent1">
+              <a:shade val="15000"/>
+            </a:schemeClr>
+          </a:lnRef>
+          <a:fillRef idx="1">
+            <a:schemeClr val="accent1"/>
+          </a:fillRef>
+          <a:effectRef idx="0">
+            <a:schemeClr val="accent1"/>
+          </a:effectRef>
+          <a:fontRef idx="minor">
+            <a:schemeClr val="lt1"/>
+          </a:fontRef>
+        </p:style>
+        <p:txBody>
+          <a:bodyPr rtlCol="0" anchor="ctr"/>
+          <a:lstStyle/>
+          <a:p>
+            <a:pPr algn="ctr"/>
+            <a:r>
+              <a:rPr kumimoji="1" lang="ja-JP" altLang="en-US" sz="7200">
+                <a:solidFill>
+                  <a:schemeClr val="tx1"/>
+                </a:solidFill>
+              </a:rPr>
+              <a:t>テキスト</a:t>
+            </a:r>
+          </a:p>
+        </p:txBody>
+      </p:sp>
+      <p:sp>
+        <p:nvSpPr>
+          <p:cNvPr id="12" name="正方形/長方形 11">
+            <a:extLst>
+              <a:ext uri="{FF2B5EF4-FFF2-40B4-BE49-F238E27FC236}">
+                <a16:creationId xmlns:a16="http://schemas.microsoft.com/office/drawing/2014/main" id="{2B1FFE99-EE5F-A070-DE56-0F0229448A4F}"/>
+              </a:ext>
+            </a:extLst>
+          </p:cNvPr>
+          <p:cNvSpPr/>
+          <p:nvPr/>
+        </p:nvSpPr>
+        <p:spPr>
+          <a:xfrm>
+            <a:off x="1084217" y="1711234"/>
+            <a:ext cx="9331237" cy="4947842"/>
+          </a:xfrm>
+          <a:prstGeom prst="rect">
+            <a:avLst/>
+          </a:prstGeom>
+          <a:noFill/>
+          <a:ln w="38100">
+            <a:solidFill>
+              <a:schemeClr val="tx2"/>
+            </a:solidFill>
+          </a:ln>
+        </p:spPr>
+        <p:style>
+          <a:lnRef idx="2">
+            <a:schemeClr val="accent1">
+              <a:shade val="15000"/>
+            </a:schemeClr>
+          </a:lnRef>
+          <a:fillRef idx="1">
+            <a:schemeClr val="accent1"/>
+          </a:fillRef>
+          <a:effectRef idx="0">
+            <a:schemeClr val="accent1"/>
+          </a:effectRef>
+          <a:fontRef idx="minor">
+            <a:schemeClr val="lt1"/>
+          </a:fontRef>
+        </p:style>
+        <p:txBody>
+          <a:bodyPr rtlCol="0" anchor="ctr"/>
+          <a:lstStyle/>
+          <a:p>
+            <a:pPr algn="ctr"/>
+            <a:endParaRPr kumimoji="1" lang="ja-JP" altLang="en-US" sz="7200">
+              <a:solidFill>
+                <a:schemeClr val="tx1"/>
+              </a:solidFill>
+            </a:endParaRPr>
+          </a:p>
+        </p:txBody>
+      </p:sp>
+      <p:sp>
+        <p:nvSpPr>
+          <p:cNvPr id="2" name="テキスト ボックス 1">
+            <a:extLst>
+              <a:ext uri="{FF2B5EF4-FFF2-40B4-BE49-F238E27FC236}">
+                <a16:creationId xmlns:a16="http://schemas.microsoft.com/office/drawing/2014/main" id="{4A446F1B-6DF0-6ED4-25E2-7CACD141CB91}"/>
+              </a:ext>
+            </a:extLst>
+          </p:cNvPr>
+          <p:cNvSpPr txBox="1"/>
+          <p:nvPr/>
+        </p:nvSpPr>
+        <p:spPr>
+          <a:xfrm>
+            <a:off x="1084217" y="198924"/>
+            <a:ext cx="2380780" cy="1446550"/>
+          </a:xfrm>
+          <a:prstGeom prst="rect">
+            <a:avLst/>
+          </a:prstGeom>
+          <a:solidFill>
+            <a:schemeClr val="accent6"/>
+          </a:solidFill>
+        </p:spPr>
+        <p:txBody>
+          <a:bodyPr wrap="none" rtlCol="0">
+            <a:spAutoFit/>
+          </a:bodyPr>
+          <a:lstStyle/>
+          <a:p>
+            <a:r>
+              <a:rPr kumimoji="1" lang="en-US" altLang="ja-JP" sz="8800" dirty="0">
+                <a:solidFill>
+                  <a:schemeClr val="bg1"/>
+                </a:solidFill>
+              </a:rPr>
+              <a:t>JPG</a:t>
+            </a:r>
+            <a:endParaRPr kumimoji="1" lang="ja-JP" altLang="en-US" sz="8800">
+              <a:solidFill>
+                <a:schemeClr val="bg1"/>
+              </a:solidFill>
+            </a:endParaRPr>
+          </a:p>
+        </p:txBody>
+      </p:sp>
+    </p:spTree>
+    <p:extLst>
+      <p:ext uri="{BB962C8B-B14F-4D97-AF65-F5344CB8AC3E}">
+        <p14:creationId xmlns:p14="http://schemas.microsoft.com/office/powerpoint/2010/main" val="3111780711"/>
+      </p:ext>
+    </p:extLst>
+  </p:cSld>
+  <p:clrMapOvr>
+    <a:masterClrMapping/>
+  </p:clrMapOvr>
+</p:sld>
+</file>
+
+<file path=ppt/slides/slide4.xml><?xml version="1.0" encoding="utf-8"?>
+<p:sld xmlns:a="http://schemas.openxmlformats.org/drawingml/2006/main" xmlns:r="http://schemas.openxmlformats.org/officeDocument/2006/relationships" xmlns:p="http://schemas.openxmlformats.org/presentationml/2006/main">
+  <p:cSld>
+    <p:spTree>
+      <p:nvGrpSpPr>
+        <p:cNvPr id="1" name=""/>
+        <p:cNvGrpSpPr/>
+        <p:nvPr/>
+      </p:nvGrpSpPr>
+      <p:grpSpPr>
+        <a:xfrm>
+          <a:off x="0" y="0"/>
+          <a:ext cx="0" cy="0"/>
+          <a:chOff x="0" y="0"/>
+          <a:chExt cx="0" cy="0"/>
+        </a:xfrm>
+      </p:grpSpPr>
+      <p:pic>
+        <p:nvPicPr>
+          <p:cNvPr id="5" name="グラフィックス 4" descr="紙 枠線">
+            <a:extLst>
+              <a:ext uri="{FF2B5EF4-FFF2-40B4-BE49-F238E27FC236}">
+                <a16:creationId xmlns:a16="http://schemas.microsoft.com/office/drawing/2014/main" id="{3C1E77DC-0260-C5D1-E2E0-58B69DC55D6E}"/>
+              </a:ext>
+            </a:extLst>
+          </p:cNvPr>
+          <p:cNvPicPr>
+            <a:picLocks noChangeAspect="1"/>
+          </p:cNvPicPr>
+          <p:nvPr/>
+        </p:nvPicPr>
+        <p:blipFill>
+          <a:blip r:embed="rId2">
+            <a:extLst>
+              <a:ext uri="{28A0092B-C50C-407E-A947-70E740481C1C}">
+                <a14:useLocalDpi xmlns:a14="http://schemas.microsoft.com/office/drawing/2010/main" val="0"/>
+              </a:ext>
+              <a:ext uri="{96DAC541-7B7A-43D3-8B79-37D633B846F1}">
+                <asvg:svgBlip xmlns:asvg="http://schemas.microsoft.com/office/drawing/2016/SVG/main" r:embed="rId3"/>
+              </a:ext>
+            </a:extLst>
+          </a:blip>
+          <a:stretch>
+            <a:fillRect/>
+          </a:stretch>
+        </p:blipFill>
+        <p:spPr>
+          <a:xfrm>
+            <a:off x="-1046833" y="1145219"/>
+            <a:ext cx="6116715" cy="6116715"/>
+          </a:xfrm>
+          <a:prstGeom prst="rect">
+            <a:avLst/>
+          </a:prstGeom>
+        </p:spPr>
+      </p:pic>
+      <p:sp>
+        <p:nvSpPr>
+          <p:cNvPr id="6" name="テキスト ボックス 5">
+            <a:extLst>
+              <a:ext uri="{FF2B5EF4-FFF2-40B4-BE49-F238E27FC236}">
+                <a16:creationId xmlns:a16="http://schemas.microsoft.com/office/drawing/2014/main" id="{4EC603C9-B17C-7D66-1B36-E6D45FE95CEF}"/>
+              </a:ext>
+            </a:extLst>
+          </p:cNvPr>
+          <p:cNvSpPr txBox="1"/>
+          <p:nvPr/>
+        </p:nvSpPr>
+        <p:spPr>
+          <a:xfrm>
+            <a:off x="142437" y="74909"/>
+            <a:ext cx="2441694" cy="1446550"/>
+          </a:xfrm>
+          <a:prstGeom prst="rect">
+            <a:avLst/>
+          </a:prstGeom>
+          <a:solidFill>
+            <a:srgbClr val="CC3300"/>
+          </a:solidFill>
+        </p:spPr>
+        <p:txBody>
+          <a:bodyPr wrap="none" rtlCol="0">
+            <a:spAutoFit/>
+          </a:bodyPr>
+          <a:lstStyle/>
+          <a:p>
+            <a:r>
+              <a:rPr kumimoji="1" lang="en-US" altLang="ja-JP" sz="8800" dirty="0">
+                <a:solidFill>
+                  <a:schemeClr val="bg1"/>
+                </a:solidFill>
+              </a:rPr>
+              <a:t>PDF</a:t>
+            </a:r>
+            <a:endParaRPr kumimoji="1" lang="ja-JP" altLang="en-US" sz="8800">
+              <a:solidFill>
+                <a:schemeClr val="bg1"/>
+              </a:solidFill>
+            </a:endParaRPr>
+          </a:p>
+        </p:txBody>
+      </p:sp>
+      <p:sp>
+        <p:nvSpPr>
+          <p:cNvPr id="7" name="正方形/長方形 6">
+            <a:extLst>
+              <a:ext uri="{FF2B5EF4-FFF2-40B4-BE49-F238E27FC236}">
+                <a16:creationId xmlns:a16="http://schemas.microsoft.com/office/drawing/2014/main" id="{238E7D68-3DEE-79AB-C856-F066AD7C169D}"/>
+              </a:ext>
+            </a:extLst>
+          </p:cNvPr>
+          <p:cNvSpPr/>
+          <p:nvPr/>
+        </p:nvSpPr>
+        <p:spPr>
+          <a:xfrm>
+            <a:off x="454517" y="3234154"/>
+            <a:ext cx="3114013" cy="1157542"/>
+          </a:xfrm>
+          <a:prstGeom prst="rect">
+            <a:avLst/>
+          </a:prstGeom>
+          <a:noFill/>
+          <a:ln w="38100">
+            <a:solidFill>
+              <a:schemeClr val="tx2"/>
+            </a:solidFill>
+          </a:ln>
+        </p:spPr>
+        <p:style>
+          <a:lnRef idx="2">
+            <a:schemeClr val="accent1">
+              <a:shade val="15000"/>
+            </a:schemeClr>
+          </a:lnRef>
+          <a:fillRef idx="1">
+            <a:schemeClr val="accent1"/>
+          </a:fillRef>
+          <a:effectRef idx="0">
+            <a:schemeClr val="accent1"/>
+          </a:effectRef>
+          <a:fontRef idx="minor">
+            <a:schemeClr val="lt1"/>
+          </a:fontRef>
+        </p:style>
+        <p:txBody>
+          <a:bodyPr rtlCol="0" anchor="ctr"/>
+          <a:lstStyle/>
+          <a:p>
+            <a:pPr algn="ctr"/>
+            <a:r>
+              <a:rPr kumimoji="1" lang="ja-JP" altLang="en-US" sz="6600">
+                <a:solidFill>
+                  <a:schemeClr val="tx1"/>
+                </a:solidFill>
+              </a:rPr>
+              <a:t>テキスト</a:t>
+            </a:r>
+          </a:p>
+        </p:txBody>
+      </p:sp>
+      <p:pic>
+        <p:nvPicPr>
+          <p:cNvPr id="8" name="グラフィックス 7" descr="画像 枠線">
+            <a:extLst>
+              <a:ext uri="{FF2B5EF4-FFF2-40B4-BE49-F238E27FC236}">
+                <a16:creationId xmlns:a16="http://schemas.microsoft.com/office/drawing/2014/main" id="{0D71BE4A-8D09-A2B7-6515-B1C8F17AC44E}"/>
+              </a:ext>
+            </a:extLst>
+          </p:cNvPr>
+          <p:cNvPicPr>
+            <a:picLocks noChangeAspect="1"/>
+          </p:cNvPicPr>
+          <p:nvPr/>
+        </p:nvPicPr>
+        <p:blipFill>
+          <a:blip r:embed="rId4">
+            <a:extLst>
+              <a:ext uri="{28A0092B-C50C-407E-A947-70E740481C1C}">
+                <a14:useLocalDpi xmlns:a14="http://schemas.microsoft.com/office/drawing/2010/main" val="0"/>
+              </a:ext>
+              <a:ext uri="{96DAC541-7B7A-43D3-8B79-37D633B846F1}">
+                <asvg:svgBlip xmlns:asvg="http://schemas.microsoft.com/office/drawing/2016/SVG/main" r:embed="rId5"/>
+              </a:ext>
+            </a:extLst>
+          </a:blip>
+          <a:stretch>
+            <a:fillRect/>
+          </a:stretch>
+        </p:blipFill>
+        <p:spPr>
+          <a:xfrm>
+            <a:off x="419417" y="3887449"/>
+            <a:ext cx="3149113" cy="3149113"/>
+          </a:xfrm>
+          <a:prstGeom prst="rect">
+            <a:avLst/>
+          </a:prstGeom>
+        </p:spPr>
+      </p:pic>
+      <p:sp>
+        <p:nvSpPr>
+          <p:cNvPr id="9" name="テキスト ボックス 8">
+            <a:extLst>
+              <a:ext uri="{FF2B5EF4-FFF2-40B4-BE49-F238E27FC236}">
+                <a16:creationId xmlns:a16="http://schemas.microsoft.com/office/drawing/2014/main" id="{FE482CAE-D66C-7242-9886-4E978919B477}"/>
+              </a:ext>
+            </a:extLst>
+          </p:cNvPr>
+          <p:cNvSpPr txBox="1"/>
+          <p:nvPr/>
+        </p:nvSpPr>
+        <p:spPr>
+          <a:xfrm>
+            <a:off x="8293633" y="167029"/>
+            <a:ext cx="2380780" cy="1446550"/>
+          </a:xfrm>
+          <a:prstGeom prst="rect">
+            <a:avLst/>
+          </a:prstGeom>
+          <a:solidFill>
+            <a:schemeClr val="accent6"/>
+          </a:solidFill>
+        </p:spPr>
+        <p:txBody>
+          <a:bodyPr wrap="none" rtlCol="0">
+            <a:spAutoFit/>
+          </a:bodyPr>
+          <a:lstStyle/>
+          <a:p>
+            <a:r>
+              <a:rPr kumimoji="1" lang="en-US" altLang="ja-JP" sz="8800" dirty="0">
+                <a:solidFill>
+                  <a:schemeClr val="bg1"/>
+                </a:solidFill>
+              </a:rPr>
+              <a:t>JPG</a:t>
+            </a:r>
+            <a:endParaRPr kumimoji="1" lang="ja-JP" altLang="en-US" sz="8800">
+              <a:solidFill>
+                <a:schemeClr val="bg1"/>
+              </a:solidFill>
+            </a:endParaRPr>
+          </a:p>
+        </p:txBody>
+      </p:sp>
+      <p:pic>
+        <p:nvPicPr>
+          <p:cNvPr id="14" name="グラフィックス 13" descr="紙 枠線">
+            <a:extLst>
+              <a:ext uri="{FF2B5EF4-FFF2-40B4-BE49-F238E27FC236}">
+                <a16:creationId xmlns:a16="http://schemas.microsoft.com/office/drawing/2014/main" id="{0C9117CC-60D0-0685-78D7-96F226009097}"/>
+              </a:ext>
+            </a:extLst>
+          </p:cNvPr>
+          <p:cNvPicPr>
+            <a:picLocks noChangeAspect="1"/>
+          </p:cNvPicPr>
+          <p:nvPr/>
+        </p:nvPicPr>
+        <p:blipFill>
+          <a:blip r:embed="rId2">
+            <a:extLst>
+              <a:ext uri="{28A0092B-C50C-407E-A947-70E740481C1C}">
+                <a14:useLocalDpi xmlns:a14="http://schemas.microsoft.com/office/drawing/2010/main" val="0"/>
+              </a:ext>
+              <a:ext uri="{96DAC541-7B7A-43D3-8B79-37D633B846F1}">
+                <asvg:svgBlip xmlns:asvg="http://schemas.microsoft.com/office/drawing/2016/SVG/main" r:embed="rId3"/>
+              </a:ext>
+            </a:extLst>
+          </a:blip>
+          <a:stretch>
+            <a:fillRect/>
+          </a:stretch>
+        </p:blipFill>
+        <p:spPr>
+          <a:xfrm>
+            <a:off x="7122120" y="1145219"/>
+            <a:ext cx="6116715" cy="6116715"/>
+          </a:xfrm>
+          <a:prstGeom prst="rect">
+            <a:avLst/>
+          </a:prstGeom>
+        </p:spPr>
+      </p:pic>
+      <p:sp>
+        <p:nvSpPr>
+          <p:cNvPr id="15" name="正方形/長方形 14">
+            <a:extLst>
+              <a:ext uri="{FF2B5EF4-FFF2-40B4-BE49-F238E27FC236}">
+                <a16:creationId xmlns:a16="http://schemas.microsoft.com/office/drawing/2014/main" id="{4286C22C-1C97-90C3-8999-2A679AAB0BE2}"/>
+              </a:ext>
+            </a:extLst>
+          </p:cNvPr>
+          <p:cNvSpPr/>
+          <p:nvPr/>
+        </p:nvSpPr>
+        <p:spPr>
+          <a:xfrm>
+            <a:off x="8623470" y="3234154"/>
+            <a:ext cx="3114013" cy="1157542"/>
+          </a:xfrm>
+          <a:prstGeom prst="rect">
+            <a:avLst/>
+          </a:prstGeom>
+          <a:noFill/>
+          <a:ln w="38100">
+            <a:solidFill>
+              <a:schemeClr val="tx2"/>
+            </a:solidFill>
+          </a:ln>
+        </p:spPr>
+        <p:style>
+          <a:lnRef idx="2">
+            <a:schemeClr val="accent1">
+              <a:shade val="15000"/>
+            </a:schemeClr>
+          </a:lnRef>
+          <a:fillRef idx="1">
+            <a:schemeClr val="accent1"/>
+          </a:fillRef>
+          <a:effectRef idx="0">
+            <a:schemeClr val="accent1"/>
+          </a:effectRef>
+          <a:fontRef idx="minor">
+            <a:schemeClr val="lt1"/>
+          </a:fontRef>
+        </p:style>
+        <p:txBody>
+          <a:bodyPr rtlCol="0" anchor="ctr"/>
+          <a:lstStyle/>
+          <a:p>
+            <a:pPr algn="ctr"/>
+            <a:r>
+              <a:rPr kumimoji="1" lang="ja-JP" altLang="en-US" sz="6600">
+                <a:solidFill>
+                  <a:schemeClr val="tx1"/>
+                </a:solidFill>
+              </a:rPr>
+              <a:t>テキスト</a:t>
+            </a:r>
+          </a:p>
+        </p:txBody>
+      </p:sp>
+      <p:pic>
+        <p:nvPicPr>
+          <p:cNvPr id="16" name="グラフィックス 15" descr="画像 枠線">
+            <a:extLst>
+              <a:ext uri="{FF2B5EF4-FFF2-40B4-BE49-F238E27FC236}">
+                <a16:creationId xmlns:a16="http://schemas.microsoft.com/office/drawing/2014/main" id="{B6E9E49D-CFD2-81BC-6962-0A241FDDAFE9}"/>
+              </a:ext>
+            </a:extLst>
+          </p:cNvPr>
+          <p:cNvPicPr>
+            <a:picLocks noChangeAspect="1"/>
+          </p:cNvPicPr>
+          <p:nvPr/>
+        </p:nvPicPr>
+        <p:blipFill>
+          <a:blip r:embed="rId4">
+            <a:extLst>
+              <a:ext uri="{28A0092B-C50C-407E-A947-70E740481C1C}">
+                <a14:useLocalDpi xmlns:a14="http://schemas.microsoft.com/office/drawing/2010/main" val="0"/>
+              </a:ext>
+              <a:ext uri="{96DAC541-7B7A-43D3-8B79-37D633B846F1}">
+                <asvg:svgBlip xmlns:asvg="http://schemas.microsoft.com/office/drawing/2016/SVG/main" r:embed="rId5"/>
+              </a:ext>
+            </a:extLst>
+          </a:blip>
+          <a:stretch>
+            <a:fillRect/>
+          </a:stretch>
+        </p:blipFill>
+        <p:spPr>
+          <a:xfrm>
+            <a:off x="8588370" y="3887449"/>
+            <a:ext cx="3149113" cy="3149113"/>
+          </a:xfrm>
+          <a:prstGeom prst="rect">
+            <a:avLst/>
+          </a:prstGeom>
+        </p:spPr>
+      </p:pic>
+      <p:sp>
+        <p:nvSpPr>
+          <p:cNvPr id="2" name="テキスト ボックス 1">
+            <a:extLst>
+              <a:ext uri="{FF2B5EF4-FFF2-40B4-BE49-F238E27FC236}">
+                <a16:creationId xmlns:a16="http://schemas.microsoft.com/office/drawing/2014/main" id="{E10FDF3B-4542-098F-9480-23A22A903678}"/>
+              </a:ext>
+            </a:extLst>
+          </p:cNvPr>
+          <p:cNvSpPr txBox="1"/>
+          <p:nvPr/>
+        </p:nvSpPr>
+        <p:spPr>
+          <a:xfrm>
+            <a:off x="4148923" y="167029"/>
+            <a:ext cx="2860527" cy="1446550"/>
+          </a:xfrm>
+          <a:prstGeom prst="rect">
+            <a:avLst/>
+          </a:prstGeom>
+          <a:solidFill>
+            <a:schemeClr val="accent5"/>
+          </a:solidFill>
+        </p:spPr>
+        <p:txBody>
+          <a:bodyPr wrap="none" rtlCol="0">
+            <a:spAutoFit/>
+          </a:bodyPr>
+          <a:lstStyle/>
+          <a:p>
+            <a:r>
+              <a:rPr kumimoji="1" lang="en-US" altLang="ja-JP" sz="8800" dirty="0">
+                <a:solidFill>
+                  <a:schemeClr val="bg1"/>
+                </a:solidFill>
+              </a:rPr>
+              <a:t>Word</a:t>
+            </a:r>
+            <a:endParaRPr kumimoji="1" lang="ja-JP" altLang="en-US" sz="8800">
+              <a:solidFill>
+                <a:schemeClr val="bg1"/>
+              </a:solidFill>
+            </a:endParaRPr>
+          </a:p>
+        </p:txBody>
+      </p:sp>
+      <p:pic>
+        <p:nvPicPr>
+          <p:cNvPr id="3" name="グラフィックス 2" descr="紙 枠線">
+            <a:extLst>
+              <a:ext uri="{FF2B5EF4-FFF2-40B4-BE49-F238E27FC236}">
+                <a16:creationId xmlns:a16="http://schemas.microsoft.com/office/drawing/2014/main" id="{315DDAE0-7331-58AB-F482-170EB16605CC}"/>
+              </a:ext>
+            </a:extLst>
+          </p:cNvPr>
+          <p:cNvPicPr>
+            <a:picLocks noChangeAspect="1"/>
+          </p:cNvPicPr>
+          <p:nvPr/>
+        </p:nvPicPr>
+        <p:blipFill>
+          <a:blip r:embed="rId2">
+            <a:extLst>
+              <a:ext uri="{28A0092B-C50C-407E-A947-70E740481C1C}">
+                <a14:useLocalDpi xmlns:a14="http://schemas.microsoft.com/office/drawing/2010/main" val="0"/>
+              </a:ext>
+              <a:ext uri="{96DAC541-7B7A-43D3-8B79-37D633B846F1}">
+                <asvg:svgBlip xmlns:asvg="http://schemas.microsoft.com/office/drawing/2016/SVG/main" r:embed="rId3"/>
+              </a:ext>
+            </a:extLst>
+          </a:blip>
+          <a:stretch>
+            <a:fillRect/>
+          </a:stretch>
+        </p:blipFill>
+        <p:spPr>
+          <a:xfrm>
+            <a:off x="2977410" y="1145219"/>
+            <a:ext cx="6116715" cy="6116715"/>
+          </a:xfrm>
+          <a:prstGeom prst="rect">
+            <a:avLst/>
+          </a:prstGeom>
+        </p:spPr>
+      </p:pic>
+      <p:sp>
+        <p:nvSpPr>
+          <p:cNvPr id="4" name="正方形/長方形 3">
+            <a:extLst>
+              <a:ext uri="{FF2B5EF4-FFF2-40B4-BE49-F238E27FC236}">
+                <a16:creationId xmlns:a16="http://schemas.microsoft.com/office/drawing/2014/main" id="{E8F84E8B-0BCB-8D07-06C3-EF7E7D474453}"/>
+              </a:ext>
+            </a:extLst>
+          </p:cNvPr>
+          <p:cNvSpPr/>
+          <p:nvPr/>
+        </p:nvSpPr>
+        <p:spPr>
+          <a:xfrm>
+            <a:off x="4478760" y="3234154"/>
+            <a:ext cx="3114013" cy="1157542"/>
+          </a:xfrm>
+          <a:prstGeom prst="rect">
+            <a:avLst/>
+          </a:prstGeom>
+          <a:noFill/>
+          <a:ln w="38100">
+            <a:solidFill>
+              <a:schemeClr val="tx2"/>
+            </a:solidFill>
+          </a:ln>
+        </p:spPr>
+        <p:style>
+          <a:lnRef idx="2">
+            <a:schemeClr val="accent1">
+              <a:shade val="15000"/>
+            </a:schemeClr>
+          </a:lnRef>
+          <a:fillRef idx="1">
+            <a:schemeClr val="accent1"/>
+          </a:fillRef>
+          <a:effectRef idx="0">
+            <a:schemeClr val="accent1"/>
+          </a:effectRef>
+          <a:fontRef idx="minor">
+            <a:schemeClr val="lt1"/>
+          </a:fontRef>
+        </p:style>
+        <p:txBody>
+          <a:bodyPr rtlCol="0" anchor="ctr"/>
+          <a:lstStyle/>
+          <a:p>
+            <a:pPr algn="ctr"/>
+            <a:r>
+              <a:rPr kumimoji="1" lang="ja-JP" altLang="en-US" sz="6600">
+                <a:solidFill>
+                  <a:schemeClr val="tx1"/>
+                </a:solidFill>
+              </a:rPr>
+              <a:t>テキスト</a:t>
+            </a:r>
+          </a:p>
+        </p:txBody>
+      </p:sp>
+      <p:pic>
+        <p:nvPicPr>
+          <p:cNvPr id="10" name="グラフィックス 9" descr="画像 枠線">
+            <a:extLst>
+              <a:ext uri="{FF2B5EF4-FFF2-40B4-BE49-F238E27FC236}">
+                <a16:creationId xmlns:a16="http://schemas.microsoft.com/office/drawing/2014/main" id="{42222EDA-F1E0-7095-834E-CFDA206EFDF0}"/>
+              </a:ext>
+            </a:extLst>
+          </p:cNvPr>
+          <p:cNvPicPr>
+            <a:picLocks noChangeAspect="1"/>
+          </p:cNvPicPr>
+          <p:nvPr/>
+        </p:nvPicPr>
+        <p:blipFill>
+          <a:blip r:embed="rId4">
+            <a:extLst>
+              <a:ext uri="{28A0092B-C50C-407E-A947-70E740481C1C}">
+                <a14:useLocalDpi xmlns:a14="http://schemas.microsoft.com/office/drawing/2010/main" val="0"/>
+              </a:ext>
+              <a:ext uri="{96DAC541-7B7A-43D3-8B79-37D633B846F1}">
+                <asvg:svgBlip xmlns:asvg="http://schemas.microsoft.com/office/drawing/2016/SVG/main" r:embed="rId5"/>
+              </a:ext>
+            </a:extLst>
+          </a:blip>
+          <a:stretch>
+            <a:fillRect/>
+          </a:stretch>
+        </p:blipFill>
+        <p:spPr>
+          <a:xfrm>
+            <a:off x="4443660" y="3887449"/>
+            <a:ext cx="3149113" cy="3149113"/>
+          </a:xfrm>
+          <a:prstGeom prst="rect">
+            <a:avLst/>
+          </a:prstGeom>
+        </p:spPr>
+      </p:pic>
+    </p:spTree>
+    <p:extLst>
+      <p:ext uri="{BB962C8B-B14F-4D97-AF65-F5344CB8AC3E}">
+        <p14:creationId xmlns:p14="http://schemas.microsoft.com/office/powerpoint/2010/main" val="3782027212"/>
+      </p:ext>
+    </p:extLst>
+  </p:cSld>
+  <p:clrMapOvr>
+    <a:masterClrMapping/>
+  </p:clrMapOvr>
+</p:sld>
+</file>
+
+<file path=ppt/slides/slide5.xml><?xml version="1.0" encoding="utf-8"?>
+<p:sld xmlns:a="http://schemas.openxmlformats.org/drawingml/2006/main" xmlns:r="http://schemas.openxmlformats.org/officeDocument/2006/relationships" xmlns:p="http://schemas.openxmlformats.org/presentationml/2006/main">
+  <p:cSld>
+    <p:spTree>
+      <p:nvGrpSpPr>
+        <p:cNvPr id="1" name=""/>
+        <p:cNvGrpSpPr/>
+        <p:nvPr/>
+      </p:nvGrpSpPr>
+      <p:grpSpPr>
+        <a:xfrm>
+          <a:off x="0" y="0"/>
+          <a:ext cx="0" cy="0"/>
+          <a:chOff x="0" y="0"/>
+          <a:chExt cx="0" cy="0"/>
+        </a:xfrm>
+      </p:grpSpPr>
+      <p:pic>
+        <p:nvPicPr>
+          <p:cNvPr id="4" name="グラフィックス 3" descr="画像 枠線">
+            <a:extLst>
+              <a:ext uri="{FF2B5EF4-FFF2-40B4-BE49-F238E27FC236}">
+                <a16:creationId xmlns:a16="http://schemas.microsoft.com/office/drawing/2014/main" id="{1E2F48E5-F557-3699-6BE1-8C0503B09D4A}"/>
+              </a:ext>
+            </a:extLst>
+          </p:cNvPr>
+          <p:cNvPicPr>
+            <a:picLocks noChangeAspect="1"/>
+          </p:cNvPicPr>
+          <p:nvPr/>
+        </p:nvPicPr>
+        <p:blipFill>
+          <a:blip r:embed="rId2">
+            <a:extLst>
+              <a:ext uri="{28A0092B-C50C-407E-A947-70E740481C1C}">
+                <a14:useLocalDpi xmlns:a14="http://schemas.microsoft.com/office/drawing/2010/main" val="0"/>
+              </a:ext>
+              <a:ext uri="{96DAC541-7B7A-43D3-8B79-37D633B846F1}">
+                <asvg:svgBlip xmlns:asvg="http://schemas.microsoft.com/office/drawing/2016/SVG/main" r:embed="rId3"/>
+              </a:ext>
+            </a:extLst>
+          </a:blip>
+          <a:stretch>
+            <a:fillRect/>
+          </a:stretch>
+        </p:blipFill>
+        <p:spPr>
+          <a:xfrm>
+            <a:off x="1604112" y="958905"/>
+            <a:ext cx="5899095" cy="5899095"/>
+          </a:xfrm>
+          <a:prstGeom prst="rect">
+            <a:avLst/>
+          </a:prstGeom>
+        </p:spPr>
+      </p:pic>
+      <p:sp>
+        <p:nvSpPr>
+          <p:cNvPr id="5" name="テキスト ボックス 4">
+            <a:extLst>
+              <a:ext uri="{FF2B5EF4-FFF2-40B4-BE49-F238E27FC236}">
+                <a16:creationId xmlns:a16="http://schemas.microsoft.com/office/drawing/2014/main" id="{D73DC1C9-F866-C24D-C8A1-26FF9919328C}"/>
+              </a:ext>
+            </a:extLst>
+          </p:cNvPr>
+          <p:cNvSpPr txBox="1"/>
+          <p:nvPr/>
+        </p:nvSpPr>
+        <p:spPr>
+          <a:xfrm>
+            <a:off x="2237900" y="660397"/>
+            <a:ext cx="2380780" cy="1446550"/>
+          </a:xfrm>
+          <a:prstGeom prst="rect">
+            <a:avLst/>
+          </a:prstGeom>
+          <a:solidFill>
+            <a:schemeClr val="accent6"/>
+          </a:solidFill>
+        </p:spPr>
+        <p:txBody>
+          <a:bodyPr wrap="none" rtlCol="0">
+            <a:spAutoFit/>
+          </a:bodyPr>
+          <a:lstStyle/>
+          <a:p>
+            <a:r>
+              <a:rPr kumimoji="1" lang="en-US" altLang="ja-JP" sz="8800" dirty="0">
+                <a:solidFill>
+                  <a:schemeClr val="bg1"/>
+                </a:solidFill>
+              </a:rPr>
+              <a:t>JPG</a:t>
+            </a:r>
+            <a:endParaRPr kumimoji="1" lang="ja-JP" altLang="en-US" sz="8800">
+              <a:solidFill>
+                <a:schemeClr val="bg1"/>
+              </a:solidFill>
+            </a:endParaRPr>
+          </a:p>
+        </p:txBody>
+      </p:sp>
+    </p:spTree>
+    <p:extLst>
+      <p:ext uri="{BB962C8B-B14F-4D97-AF65-F5344CB8AC3E}">
+        <p14:creationId xmlns:p14="http://schemas.microsoft.com/office/powerpoint/2010/main" val="3536692434"/>
       </p:ext>
     </p:extLst>
   </p:cSld>

--- a/追加.pptx
+++ b/追加.pptx
@@ -5,11 +5,7 @@
     <p:sldMasterId id="2147483648" r:id="rId1"/>
   </p:sldMasterIdLst>
   <p:sldIdLst>
-    <p:sldId id="361" r:id="rId2"/>
-    <p:sldId id="369" r:id="rId3"/>
-    <p:sldId id="370" r:id="rId4"/>
-    <p:sldId id="362" r:id="rId5"/>
-    <p:sldId id="371" r:id="rId6"/>
+    <p:sldId id="297" r:id="rId2"/>
   </p:sldIdLst>
   <p:sldSz cx="12192000" cy="6858000"/>
   <p:notesSz cx="6858000" cy="9144000"/>
@@ -263,7 +259,7 @@
           <a:p>
             <a:fld id="{0690133D-3D2A-4570-A105-5906702A947A}" type="datetimeFigureOut">
               <a:rPr kumimoji="1" lang="ja-JP" altLang="en-US" smtClean="0"/>
-              <a:t>2024/7/4</a:t>
+              <a:t>2024/7/5</a:t>
             </a:fld>
             <a:endParaRPr kumimoji="1" lang="ja-JP" altLang="en-US"/>
           </a:p>
@@ -493,7 +489,7 @@
           <a:p>
             <a:fld id="{0690133D-3D2A-4570-A105-5906702A947A}" type="datetimeFigureOut">
               <a:rPr kumimoji="1" lang="ja-JP" altLang="en-US" smtClean="0"/>
-              <a:t>2024/7/4</a:t>
+              <a:t>2024/7/5</a:t>
             </a:fld>
             <a:endParaRPr kumimoji="1" lang="ja-JP" altLang="en-US"/>
           </a:p>
@@ -733,7 +729,7 @@
           <a:p>
             <a:fld id="{0690133D-3D2A-4570-A105-5906702A947A}" type="datetimeFigureOut">
               <a:rPr kumimoji="1" lang="ja-JP" altLang="en-US" smtClean="0"/>
-              <a:t>2024/7/4</a:t>
+              <a:t>2024/7/5</a:t>
             </a:fld>
             <a:endParaRPr kumimoji="1" lang="ja-JP" altLang="en-US"/>
           </a:p>
@@ -963,7 +959,7 @@
           <a:p>
             <a:fld id="{0690133D-3D2A-4570-A105-5906702A947A}" type="datetimeFigureOut">
               <a:rPr kumimoji="1" lang="ja-JP" altLang="en-US" smtClean="0"/>
-              <a:t>2024/7/4</a:t>
+              <a:t>2024/7/5</a:t>
             </a:fld>
             <a:endParaRPr kumimoji="1" lang="ja-JP" altLang="en-US"/>
           </a:p>
@@ -1238,7 +1234,7 @@
           <a:p>
             <a:fld id="{0690133D-3D2A-4570-A105-5906702A947A}" type="datetimeFigureOut">
               <a:rPr kumimoji="1" lang="ja-JP" altLang="en-US" smtClean="0"/>
-              <a:t>2024/7/4</a:t>
+              <a:t>2024/7/5</a:t>
             </a:fld>
             <a:endParaRPr kumimoji="1" lang="ja-JP" altLang="en-US"/>
           </a:p>
@@ -1567,7 +1563,7 @@
           <a:p>
             <a:fld id="{0690133D-3D2A-4570-A105-5906702A947A}" type="datetimeFigureOut">
               <a:rPr kumimoji="1" lang="ja-JP" altLang="en-US" smtClean="0"/>
-              <a:t>2024/7/4</a:t>
+              <a:t>2024/7/5</a:t>
             </a:fld>
             <a:endParaRPr kumimoji="1" lang="ja-JP" altLang="en-US"/>
           </a:p>
@@ -2043,7 +2039,7 @@
           <a:p>
             <a:fld id="{0690133D-3D2A-4570-A105-5906702A947A}" type="datetimeFigureOut">
               <a:rPr kumimoji="1" lang="ja-JP" altLang="en-US" smtClean="0"/>
-              <a:t>2024/7/4</a:t>
+              <a:t>2024/7/5</a:t>
             </a:fld>
             <a:endParaRPr kumimoji="1" lang="ja-JP" altLang="en-US"/>
           </a:p>
@@ -2184,7 +2180,7 @@
           <a:p>
             <a:fld id="{0690133D-3D2A-4570-A105-5906702A947A}" type="datetimeFigureOut">
               <a:rPr kumimoji="1" lang="ja-JP" altLang="en-US" smtClean="0"/>
-              <a:t>2024/7/4</a:t>
+              <a:t>2024/7/5</a:t>
             </a:fld>
             <a:endParaRPr kumimoji="1" lang="ja-JP" altLang="en-US"/>
           </a:p>
@@ -2297,7 +2293,7 @@
           <a:p>
             <a:fld id="{0690133D-3D2A-4570-A105-5906702A947A}" type="datetimeFigureOut">
               <a:rPr kumimoji="1" lang="ja-JP" altLang="en-US" smtClean="0"/>
-              <a:t>2024/7/4</a:t>
+              <a:t>2024/7/5</a:t>
             </a:fld>
             <a:endParaRPr kumimoji="1" lang="ja-JP" altLang="en-US"/>
           </a:p>
@@ -2640,7 +2636,7 @@
           <a:p>
             <a:fld id="{0690133D-3D2A-4570-A105-5906702A947A}" type="datetimeFigureOut">
               <a:rPr kumimoji="1" lang="ja-JP" altLang="en-US" smtClean="0"/>
-              <a:t>2024/7/4</a:t>
+              <a:t>2024/7/5</a:t>
             </a:fld>
             <a:endParaRPr kumimoji="1" lang="ja-JP" altLang="en-US"/>
           </a:p>
@@ -2928,7 +2924,7 @@
           <a:p>
             <a:fld id="{0690133D-3D2A-4570-A105-5906702A947A}" type="datetimeFigureOut">
               <a:rPr kumimoji="1" lang="ja-JP" altLang="en-US" smtClean="0"/>
-              <a:t>2024/7/4</a:t>
+              <a:t>2024/7/5</a:t>
             </a:fld>
             <a:endParaRPr kumimoji="1" lang="ja-JP" altLang="en-US"/>
           </a:p>
@@ -3201,7 +3197,7 @@
           <a:p>
             <a:fld id="{0690133D-3D2A-4570-A105-5906702A947A}" type="datetimeFigureOut">
               <a:rPr kumimoji="1" lang="ja-JP" altLang="en-US" smtClean="0"/>
-              <a:t>2024/7/4</a:t>
+              <a:t>2024/7/5</a:t>
             </a:fld>
             <a:endParaRPr kumimoji="1" lang="ja-JP" altLang="en-US"/>
           </a:p>
@@ -3618,58 +3614,41 @@
           <a:chExt cx="0" cy="0"/>
         </a:xfrm>
       </p:grpSpPr>
-      <p:sp>
-        <p:nvSpPr>
-          <p:cNvPr id="4" name="テキスト ボックス 3">
-            <a:extLst>
-              <a:ext uri="{FF2B5EF4-FFF2-40B4-BE49-F238E27FC236}">
-                <a16:creationId xmlns:a16="http://schemas.microsoft.com/office/drawing/2014/main" id="{F2216B1C-13E2-251B-33B6-11FC69FF84CF}"/>
-              </a:ext>
-            </a:extLst>
-          </p:cNvPr>
-          <p:cNvSpPr txBox="1"/>
+      <p:pic>
+        <p:nvPicPr>
+          <p:cNvPr id="4" name="図 3">
+            <a:extLst>
+              <a:ext uri="{FF2B5EF4-FFF2-40B4-BE49-F238E27FC236}">
+                <a16:creationId xmlns:a16="http://schemas.microsoft.com/office/drawing/2014/main" id="{E18A595B-93E7-A5E1-0BAD-BE2C58153C16}"/>
+              </a:ext>
+            </a:extLst>
+          </p:cNvPr>
+          <p:cNvPicPr>
+            <a:picLocks noChangeAspect="1"/>
+          </p:cNvPicPr>
           <p:nvPr/>
-        </p:nvSpPr>
+        </p:nvPicPr>
+        <p:blipFill rotWithShape="1">
+          <a:blip r:embed="rId2"/>
+          <a:srcRect b="6053"/>
+          <a:stretch/>
+        </p:blipFill>
         <p:spPr>
           <a:xfrm>
-            <a:off x="1084217" y="198924"/>
-            <a:ext cx="5958682" cy="1446550"/>
+            <a:off x="164569" y="540368"/>
+            <a:ext cx="5750466" cy="5965628"/>
           </a:xfrm>
           <a:prstGeom prst="rect">
             <a:avLst/>
           </a:prstGeom>
-          <a:solidFill>
-            <a:schemeClr val="accent2"/>
-          </a:solidFill>
         </p:spPr>
-        <p:txBody>
-          <a:bodyPr wrap="none" rtlCol="0">
-            <a:spAutoFit/>
-          </a:bodyPr>
-          <a:lstStyle/>
-          <a:p>
-            <a:r>
-              <a:rPr kumimoji="1" lang="en-US" altLang="ja-JP" sz="8800" dirty="0">
-                <a:solidFill>
-                  <a:schemeClr val="bg1"/>
-                </a:solidFill>
-              </a:rPr>
-              <a:t>PowerPoint</a:t>
-            </a:r>
-            <a:endParaRPr kumimoji="1" lang="ja-JP" altLang="en-US" sz="8800">
-              <a:solidFill>
-                <a:schemeClr val="bg1"/>
-              </a:solidFill>
-            </a:endParaRPr>
-          </a:p>
-        </p:txBody>
-      </p:sp>
+      </p:pic>
       <p:pic>
         <p:nvPicPr>
-          <p:cNvPr id="6" name="グラフィックス 5" descr="画像 枠線">
-            <a:extLst>
-              <a:ext uri="{FF2B5EF4-FFF2-40B4-BE49-F238E27FC236}">
-                <a16:creationId xmlns:a16="http://schemas.microsoft.com/office/drawing/2014/main" id="{8F58BEC4-6BB6-19D7-07AE-C59813684A72}"/>
+          <p:cNvPr id="5" name="図 4">
+            <a:extLst>
+              <a:ext uri="{FF2B5EF4-FFF2-40B4-BE49-F238E27FC236}">
+                <a16:creationId xmlns:a16="http://schemas.microsoft.com/office/drawing/2014/main" id="{0D26FC64-8EE1-42BD-D6B7-E18DAB5DB56C}"/>
               </a:ext>
             </a:extLst>
           </p:cNvPr>
@@ -3679,24 +3658,15 @@
           <p:nvPr/>
         </p:nvPicPr>
         <p:blipFill>
-          <a:blip r:embed="rId2">
-            <a:extLst>
-              <a:ext uri="{28A0092B-C50C-407E-A947-70E740481C1C}">
-                <a14:useLocalDpi xmlns:a14="http://schemas.microsoft.com/office/drawing/2010/main" val="0"/>
-              </a:ext>
-              <a:ext uri="{96DAC541-7B7A-43D3-8B79-37D633B846F1}">
-                <asvg:svgBlip xmlns:asvg="http://schemas.microsoft.com/office/drawing/2016/SVG/main" r:embed="rId3"/>
-              </a:ext>
-            </a:extLst>
-          </a:blip>
+          <a:blip r:embed="rId3"/>
           <a:stretch>
             <a:fillRect/>
           </a:stretch>
         </p:blipFill>
         <p:spPr>
           <a:xfrm>
-            <a:off x="3539143" y="2846968"/>
-            <a:ext cx="4421384" cy="4421384"/>
+            <a:off x="6096000" y="523620"/>
+            <a:ext cx="5808138" cy="6040120"/>
           </a:xfrm>
           <a:prstGeom prst="rect">
             <a:avLst/>
@@ -3705,10 +3675,10 @@
       </p:pic>
       <p:sp>
         <p:nvSpPr>
-          <p:cNvPr id="10" name="正方形/長方形 9">
-            <a:extLst>
-              <a:ext uri="{FF2B5EF4-FFF2-40B4-BE49-F238E27FC236}">
-                <a16:creationId xmlns:a16="http://schemas.microsoft.com/office/drawing/2014/main" id="{732D78F2-9992-C069-F1C3-DC46EABB96D4}"/>
+          <p:cNvPr id="6" name="正方形/長方形 5">
+            <a:extLst>
+              <a:ext uri="{FF2B5EF4-FFF2-40B4-BE49-F238E27FC236}">
+                <a16:creationId xmlns:a16="http://schemas.microsoft.com/office/drawing/2014/main" id="{1E812F32-FBC1-28CD-9761-F149C17FD9A5}"/>
               </a:ext>
             </a:extLst>
           </p:cNvPr>
@@ -3717,16 +3687,16 @@
         </p:nvSpPr>
         <p:spPr>
           <a:xfrm>
-            <a:off x="1776546" y="2202437"/>
-            <a:ext cx="8013833" cy="1157542"/>
+            <a:off x="2516591" y="4949807"/>
+            <a:ext cx="968289" cy="264161"/>
           </a:xfrm>
           <a:prstGeom prst="rect">
             <a:avLst/>
           </a:prstGeom>
           <a:noFill/>
-          <a:ln w="38100">
+          <a:ln w="25400">
             <a:solidFill>
-              <a:schemeClr val="tx2"/>
+              <a:schemeClr val="accent6"/>
             </a:solidFill>
           </a:ln>
         </p:spPr>
@@ -3751,23 +3721,16 @@
           <a:lstStyle/>
           <a:p>
             <a:pPr algn="ctr"/>
-            <a:r>
-              <a:rPr kumimoji="1" lang="ja-JP" altLang="en-US" sz="7200">
-                <a:solidFill>
-                  <a:schemeClr val="tx1"/>
-                </a:solidFill>
-              </a:rPr>
-              <a:t>テキスト</a:t>
-            </a:r>
-          </a:p>
-        </p:txBody>
-      </p:sp>
-      <p:sp>
-        <p:nvSpPr>
-          <p:cNvPr id="12" name="正方形/長方形 11">
-            <a:extLst>
-              <a:ext uri="{FF2B5EF4-FFF2-40B4-BE49-F238E27FC236}">
-                <a16:creationId xmlns:a16="http://schemas.microsoft.com/office/drawing/2014/main" id="{2B1FFE99-EE5F-A070-DE56-0F0229448A4F}"/>
+            <a:endParaRPr kumimoji="1" lang="ja-JP" altLang="en-US"/>
+          </a:p>
+        </p:txBody>
+      </p:sp>
+      <p:sp>
+        <p:nvSpPr>
+          <p:cNvPr id="7" name="正方形/長方形 6">
+            <a:extLst>
+              <a:ext uri="{FF2B5EF4-FFF2-40B4-BE49-F238E27FC236}">
+                <a16:creationId xmlns:a16="http://schemas.microsoft.com/office/drawing/2014/main" id="{9DDE323A-0609-7429-5485-2F4401CAA11E}"/>
               </a:ext>
             </a:extLst>
           </p:cNvPr>
@@ -3776,16 +3739,16 @@
         </p:nvSpPr>
         <p:spPr>
           <a:xfrm>
-            <a:off x="1084217" y="1711234"/>
-            <a:ext cx="9331237" cy="4947842"/>
+            <a:off x="2571841" y="5441443"/>
+            <a:ext cx="968289" cy="264161"/>
           </a:xfrm>
           <a:prstGeom prst="rect">
             <a:avLst/>
           </a:prstGeom>
           <a:noFill/>
-          <a:ln w="38100">
+          <a:ln w="25400">
             <a:solidFill>
-              <a:schemeClr val="tx2"/>
+              <a:schemeClr val="accent6"/>
             </a:solidFill>
           </a:ln>
         </p:spPr>
@@ -3810,107 +3773,34 @@
           <a:lstStyle/>
           <a:p>
             <a:pPr algn="ctr"/>
-            <a:endParaRPr kumimoji="1" lang="ja-JP" altLang="en-US" sz="7200">
-              <a:solidFill>
-                <a:schemeClr val="tx1"/>
-              </a:solidFill>
-            </a:endParaRPr>
-          </a:p>
-        </p:txBody>
-      </p:sp>
-    </p:spTree>
-    <p:extLst>
-      <p:ext uri="{BB962C8B-B14F-4D97-AF65-F5344CB8AC3E}">
-        <p14:creationId xmlns:p14="http://schemas.microsoft.com/office/powerpoint/2010/main" val="922090663"/>
-      </p:ext>
-    </p:extLst>
-  </p:cSld>
-  <p:clrMapOvr>
-    <a:masterClrMapping/>
-  </p:clrMapOvr>
-</p:sld>
-</file>
-
-<file path=ppt/slides/slide2.xml><?xml version="1.0" encoding="utf-8"?>
-<p:sld xmlns:a="http://schemas.openxmlformats.org/drawingml/2006/main" xmlns:r="http://schemas.openxmlformats.org/officeDocument/2006/relationships" xmlns:p="http://schemas.openxmlformats.org/presentationml/2006/main">
-  <p:cSld>
-    <p:spTree>
-      <p:nvGrpSpPr>
-        <p:cNvPr id="1" name=""/>
-        <p:cNvGrpSpPr/>
-        <p:nvPr/>
-      </p:nvGrpSpPr>
-      <p:grpSpPr>
-        <a:xfrm>
-          <a:off x="0" y="0"/>
-          <a:ext cx="0" cy="0"/>
-          <a:chOff x="0" y="0"/>
-          <a:chExt cx="0" cy="0"/>
-        </a:xfrm>
-      </p:grpSpPr>
-      <p:pic>
-        <p:nvPicPr>
-          <p:cNvPr id="6" name="グラフィックス 5" descr="画像 枠線">
-            <a:extLst>
-              <a:ext uri="{FF2B5EF4-FFF2-40B4-BE49-F238E27FC236}">
-                <a16:creationId xmlns:a16="http://schemas.microsoft.com/office/drawing/2014/main" id="{8F58BEC4-6BB6-19D7-07AE-C59813684A72}"/>
-              </a:ext>
-            </a:extLst>
-          </p:cNvPr>
-          <p:cNvPicPr>
-            <a:picLocks noChangeAspect="1"/>
-          </p:cNvPicPr>
+            <a:endParaRPr kumimoji="1" lang="ja-JP" altLang="en-US"/>
+          </a:p>
+        </p:txBody>
+      </p:sp>
+      <p:sp>
+        <p:nvSpPr>
+          <p:cNvPr id="8" name="正方形/長方形 7">
+            <a:extLst>
+              <a:ext uri="{FF2B5EF4-FFF2-40B4-BE49-F238E27FC236}">
+                <a16:creationId xmlns:a16="http://schemas.microsoft.com/office/drawing/2014/main" id="{1F1E5466-9A28-A4E6-BFF9-3FAD040A91A8}"/>
+              </a:ext>
+            </a:extLst>
+          </p:cNvPr>
+          <p:cNvSpPr/>
           <p:nvPr/>
-        </p:nvPicPr>
-        <p:blipFill>
-          <a:blip r:embed="rId2">
-            <a:extLst>
-              <a:ext uri="{28A0092B-C50C-407E-A947-70E740481C1C}">
-                <a14:useLocalDpi xmlns:a14="http://schemas.microsoft.com/office/drawing/2010/main" val="0"/>
-              </a:ext>
-              <a:ext uri="{96DAC541-7B7A-43D3-8B79-37D633B846F1}">
-                <asvg:svgBlip xmlns:asvg="http://schemas.microsoft.com/office/drawing/2016/SVG/main" r:embed="rId3"/>
-              </a:ext>
-            </a:extLst>
-          </a:blip>
-          <a:stretch>
-            <a:fillRect/>
-          </a:stretch>
-        </p:blipFill>
+        </p:nvSpPr>
         <p:spPr>
           <a:xfrm>
-            <a:off x="3539143" y="2846968"/>
-            <a:ext cx="4421384" cy="4421384"/>
-          </a:xfrm>
-          <a:prstGeom prst="rect">
-            <a:avLst/>
-          </a:prstGeom>
-        </p:spPr>
-      </p:pic>
-      <p:sp>
-        <p:nvSpPr>
-          <p:cNvPr id="10" name="正方形/長方形 9">
-            <a:extLst>
-              <a:ext uri="{FF2B5EF4-FFF2-40B4-BE49-F238E27FC236}">
-                <a16:creationId xmlns:a16="http://schemas.microsoft.com/office/drawing/2014/main" id="{732D78F2-9992-C069-F1C3-DC46EABB96D4}"/>
-              </a:ext>
-            </a:extLst>
-          </p:cNvPr>
-          <p:cNvSpPr/>
-          <p:nvPr/>
-        </p:nvSpPr>
-        <p:spPr>
-          <a:xfrm>
-            <a:off x="1776546" y="2202437"/>
-            <a:ext cx="8013833" cy="1157542"/>
+            <a:off x="8515924" y="5573523"/>
+            <a:ext cx="968289" cy="264161"/>
           </a:xfrm>
           <a:prstGeom prst="rect">
             <a:avLst/>
           </a:prstGeom>
           <a:noFill/>
-          <a:ln w="38100">
+          <a:ln w="25400">
             <a:solidFill>
-              <a:schemeClr val="tx2"/>
+              <a:schemeClr val="accent6"/>
             </a:solidFill>
           </a:ln>
         </p:spPr>
@@ -3935,23 +3825,16 @@
           <a:lstStyle/>
           <a:p>
             <a:pPr algn="ctr"/>
-            <a:r>
-              <a:rPr kumimoji="1" lang="ja-JP" altLang="en-US" sz="7200">
-                <a:solidFill>
-                  <a:schemeClr val="tx1"/>
-                </a:solidFill>
-              </a:rPr>
-              <a:t>テキスト</a:t>
-            </a:r>
-          </a:p>
-        </p:txBody>
-      </p:sp>
-      <p:sp>
-        <p:nvSpPr>
-          <p:cNvPr id="12" name="正方形/長方形 11">
-            <a:extLst>
-              <a:ext uri="{FF2B5EF4-FFF2-40B4-BE49-F238E27FC236}">
-                <a16:creationId xmlns:a16="http://schemas.microsoft.com/office/drawing/2014/main" id="{2B1FFE99-EE5F-A070-DE56-0F0229448A4F}"/>
+            <a:endParaRPr kumimoji="1" lang="ja-JP" altLang="en-US"/>
+          </a:p>
+        </p:txBody>
+      </p:sp>
+      <p:sp>
+        <p:nvSpPr>
+          <p:cNvPr id="9" name="正方形/長方形 8">
+            <a:extLst>
+              <a:ext uri="{FF2B5EF4-FFF2-40B4-BE49-F238E27FC236}">
+                <a16:creationId xmlns:a16="http://schemas.microsoft.com/office/drawing/2014/main" id="{89DA3E62-567F-5F3D-D026-F0B819C63400}"/>
               </a:ext>
             </a:extLst>
           </p:cNvPr>
@@ -3960,16 +3843,16 @@
         </p:nvSpPr>
         <p:spPr>
           <a:xfrm>
-            <a:off x="1084217" y="1711234"/>
-            <a:ext cx="9331237" cy="4947842"/>
+            <a:off x="8515924" y="5081887"/>
+            <a:ext cx="968289" cy="264161"/>
           </a:xfrm>
           <a:prstGeom prst="rect">
             <a:avLst/>
           </a:prstGeom>
           <a:noFill/>
-          <a:ln w="38100">
+          <a:ln w="25400">
             <a:solidFill>
-              <a:schemeClr val="tx2"/>
+              <a:schemeClr val="accent6"/>
             </a:solidFill>
           </a:ln>
         </p:spPr>
@@ -3994,20 +3877,16 @@
           <a:lstStyle/>
           <a:p>
             <a:pPr algn="ctr"/>
-            <a:endParaRPr kumimoji="1" lang="ja-JP" altLang="en-US" sz="7200">
-              <a:solidFill>
-                <a:schemeClr val="tx1"/>
-              </a:solidFill>
-            </a:endParaRPr>
-          </a:p>
-        </p:txBody>
-      </p:sp>
-      <p:sp>
-        <p:nvSpPr>
-          <p:cNvPr id="2" name="テキスト ボックス 1">
-            <a:extLst>
-              <a:ext uri="{FF2B5EF4-FFF2-40B4-BE49-F238E27FC236}">
-                <a16:creationId xmlns:a16="http://schemas.microsoft.com/office/drawing/2014/main" id="{E4FCA2B1-A791-0582-61DB-AD1A4C1E3111}"/>
+            <a:endParaRPr kumimoji="1" lang="ja-JP" altLang="en-US"/>
+          </a:p>
+        </p:txBody>
+      </p:sp>
+      <p:sp>
+        <p:nvSpPr>
+          <p:cNvPr id="11" name="テキスト ボックス 10">
+            <a:extLst>
+              <a:ext uri="{FF2B5EF4-FFF2-40B4-BE49-F238E27FC236}">
+                <a16:creationId xmlns:a16="http://schemas.microsoft.com/office/drawing/2014/main" id="{D5BCDD5B-7804-E4A3-1786-033A299CAD5C}"/>
               </a:ext>
             </a:extLst>
           </p:cNvPr>
@@ -4016,133 +3895,47 @@
         </p:nvSpPr>
         <p:spPr>
           <a:xfrm>
-            <a:off x="1084217" y="198924"/>
-            <a:ext cx="2441694" cy="1446550"/>
-          </a:xfrm>
-          <a:prstGeom prst="rect">
-            <a:avLst/>
-          </a:prstGeom>
-          <a:solidFill>
-            <a:srgbClr val="CC3300"/>
-          </a:solidFill>
-        </p:spPr>
-        <p:txBody>
-          <a:bodyPr wrap="none" rtlCol="0">
-            <a:spAutoFit/>
-          </a:bodyPr>
-          <a:lstStyle/>
-          <a:p>
-            <a:r>
-              <a:rPr kumimoji="1" lang="en-US" altLang="ja-JP" sz="8800" dirty="0">
-                <a:solidFill>
-                  <a:schemeClr val="bg1"/>
-                </a:solidFill>
-              </a:rPr>
-              <a:t>PDF</a:t>
-            </a:r>
-            <a:endParaRPr kumimoji="1" lang="ja-JP" altLang="en-US" sz="8800">
-              <a:solidFill>
-                <a:schemeClr val="bg1"/>
-              </a:solidFill>
-            </a:endParaRPr>
-          </a:p>
-        </p:txBody>
-      </p:sp>
-    </p:spTree>
-    <p:extLst>
-      <p:ext uri="{BB962C8B-B14F-4D97-AF65-F5344CB8AC3E}">
-        <p14:creationId xmlns:p14="http://schemas.microsoft.com/office/powerpoint/2010/main" val="2674311831"/>
-      </p:ext>
-    </p:extLst>
-  </p:cSld>
-  <p:clrMapOvr>
-    <a:masterClrMapping/>
-  </p:clrMapOvr>
-</p:sld>
-</file>
-
-<file path=ppt/slides/slide3.xml><?xml version="1.0" encoding="utf-8"?>
-<p:sld xmlns:a="http://schemas.openxmlformats.org/drawingml/2006/main" xmlns:r="http://schemas.openxmlformats.org/officeDocument/2006/relationships" xmlns:p="http://schemas.openxmlformats.org/presentationml/2006/main">
-  <p:cSld>
-    <p:spTree>
-      <p:nvGrpSpPr>
-        <p:cNvPr id="1" name=""/>
-        <p:cNvGrpSpPr/>
-        <p:nvPr/>
-      </p:nvGrpSpPr>
-      <p:grpSpPr>
-        <a:xfrm>
-          <a:off x="0" y="0"/>
-          <a:ext cx="0" cy="0"/>
-          <a:chOff x="0" y="0"/>
-          <a:chExt cx="0" cy="0"/>
-        </a:xfrm>
-      </p:grpSpPr>
-      <p:pic>
-        <p:nvPicPr>
-          <p:cNvPr id="6" name="グラフィックス 5" descr="画像 枠線">
-            <a:extLst>
-              <a:ext uri="{FF2B5EF4-FFF2-40B4-BE49-F238E27FC236}">
-                <a16:creationId xmlns:a16="http://schemas.microsoft.com/office/drawing/2014/main" id="{8F58BEC4-6BB6-19D7-07AE-C59813684A72}"/>
-              </a:ext>
-            </a:extLst>
-          </p:cNvPr>
-          <p:cNvPicPr>
-            <a:picLocks noChangeAspect="1"/>
-          </p:cNvPicPr>
-          <p:nvPr/>
-        </p:nvPicPr>
-        <p:blipFill>
-          <a:blip r:embed="rId2">
-            <a:extLst>
-              <a:ext uri="{28A0092B-C50C-407E-A947-70E740481C1C}">
-                <a14:useLocalDpi xmlns:a14="http://schemas.microsoft.com/office/drawing/2010/main" val="0"/>
-              </a:ext>
-              <a:ext uri="{96DAC541-7B7A-43D3-8B79-37D633B846F1}">
-                <asvg:svgBlip xmlns:asvg="http://schemas.microsoft.com/office/drawing/2016/SVG/main" r:embed="rId3"/>
-              </a:ext>
-            </a:extLst>
-          </a:blip>
-          <a:stretch>
-            <a:fillRect/>
-          </a:stretch>
-        </p:blipFill>
-        <p:spPr>
-          <a:xfrm>
-            <a:off x="3539143" y="2846968"/>
-            <a:ext cx="4421384" cy="4421384"/>
-          </a:xfrm>
-          <a:prstGeom prst="rect">
-            <a:avLst/>
-          </a:prstGeom>
-        </p:spPr>
-      </p:pic>
-      <p:sp>
-        <p:nvSpPr>
-          <p:cNvPr id="10" name="正方形/長方形 9">
-            <a:extLst>
-              <a:ext uri="{FF2B5EF4-FFF2-40B4-BE49-F238E27FC236}">
-                <a16:creationId xmlns:a16="http://schemas.microsoft.com/office/drawing/2014/main" id="{732D78F2-9992-C069-F1C3-DC46EABB96D4}"/>
-              </a:ext>
-            </a:extLst>
-          </p:cNvPr>
-          <p:cNvSpPr/>
-          <p:nvPr/>
-        </p:nvSpPr>
-        <p:spPr>
-          <a:xfrm>
-            <a:off x="1776546" y="2202437"/>
-            <a:ext cx="8013833" cy="1157542"/>
+            <a:off x="164569" y="81280"/>
+            <a:ext cx="1107996" cy="369332"/>
           </a:xfrm>
           <a:prstGeom prst="rect">
             <a:avLst/>
           </a:prstGeom>
           <a:noFill/>
-          <a:ln w="38100">
-            <a:solidFill>
-              <a:schemeClr val="tx2"/>
-            </a:solidFill>
-          </a:ln>
+        </p:spPr>
+        <p:txBody>
+          <a:bodyPr wrap="none" rtlCol="0">
+            <a:spAutoFit/>
+          </a:bodyPr>
+          <a:lstStyle/>
+          <a:p>
+            <a:r>
+              <a:rPr kumimoji="1" lang="ja-JP" altLang="en-US"/>
+              <a:t>住友生命</a:t>
+            </a:r>
+          </a:p>
+        </p:txBody>
+      </p:sp>
+      <p:sp>
+        <p:nvSpPr>
+          <p:cNvPr id="12" name="正方形/長方形 11">
+            <a:extLst>
+              <a:ext uri="{FF2B5EF4-FFF2-40B4-BE49-F238E27FC236}">
+                <a16:creationId xmlns:a16="http://schemas.microsoft.com/office/drawing/2014/main" id="{C22198C8-471E-D71B-03E4-1594F24A5277}"/>
+              </a:ext>
+            </a:extLst>
+          </p:cNvPr>
+          <p:cNvSpPr/>
+          <p:nvPr/>
+        </p:nvSpPr>
+        <p:spPr>
+          <a:xfrm>
+            <a:off x="2133494" y="984194"/>
+            <a:ext cx="1861168" cy="534074"/>
+          </a:xfrm>
+          <a:prstGeom prst="rect">
+            <a:avLst/>
+          </a:prstGeom>
         </p:spPr>
         <p:style>
           <a:lnRef idx="2">
@@ -4166,22 +3959,18 @@
           <a:p>
             <a:pPr algn="ctr"/>
             <a:r>
-              <a:rPr kumimoji="1" lang="ja-JP" altLang="en-US" sz="7200">
-                <a:solidFill>
-                  <a:schemeClr val="tx1"/>
-                </a:solidFill>
-              </a:rPr>
-              <a:t>テキスト</a:t>
-            </a:r>
-          </a:p>
-        </p:txBody>
-      </p:sp>
-      <p:sp>
-        <p:nvSpPr>
-          <p:cNvPr id="12" name="正方形/長方形 11">
-            <a:extLst>
-              <a:ext uri="{FF2B5EF4-FFF2-40B4-BE49-F238E27FC236}">
-                <a16:creationId xmlns:a16="http://schemas.microsoft.com/office/drawing/2014/main" id="{2B1FFE99-EE5F-A070-DE56-0F0229448A4F}"/>
+              <a:rPr kumimoji="1" lang="ja-JP" altLang="en-US"/>
+              <a:t>単独</a:t>
+            </a:r>
+          </a:p>
+        </p:txBody>
+      </p:sp>
+      <p:sp>
+        <p:nvSpPr>
+          <p:cNvPr id="13" name="正方形/長方形 12">
+            <a:extLst>
+              <a:ext uri="{FF2B5EF4-FFF2-40B4-BE49-F238E27FC236}">
+                <a16:creationId xmlns:a16="http://schemas.microsoft.com/office/drawing/2014/main" id="{15CB8E44-1CD8-5DCC-F8E5-18CDFB556C68}"/>
               </a:ext>
             </a:extLst>
           </p:cNvPr>
@@ -4190,18 +3979,12 @@
         </p:nvSpPr>
         <p:spPr>
           <a:xfrm>
-            <a:off x="1084217" y="1711234"/>
-            <a:ext cx="9331237" cy="4947842"/>
+            <a:off x="8134401" y="1036073"/>
+            <a:ext cx="1861168" cy="534074"/>
           </a:xfrm>
           <a:prstGeom prst="rect">
             <a:avLst/>
           </a:prstGeom>
-          <a:noFill/>
-          <a:ln w="38100">
-            <a:solidFill>
-              <a:schemeClr val="tx2"/>
-            </a:solidFill>
-          </a:ln>
         </p:spPr>
         <p:style>
           <a:lnRef idx="2">
@@ -4224,201 +4007,36 @@
           <a:lstStyle/>
           <a:p>
             <a:pPr algn="ctr"/>
-            <a:endParaRPr kumimoji="1" lang="ja-JP" altLang="en-US" sz="7200">
-              <a:solidFill>
-                <a:schemeClr val="tx1"/>
-              </a:solidFill>
-            </a:endParaRPr>
-          </a:p>
-        </p:txBody>
-      </p:sp>
-      <p:sp>
-        <p:nvSpPr>
-          <p:cNvPr id="2" name="テキスト ボックス 1">
-            <a:extLst>
-              <a:ext uri="{FF2B5EF4-FFF2-40B4-BE49-F238E27FC236}">
-                <a16:creationId xmlns:a16="http://schemas.microsoft.com/office/drawing/2014/main" id="{4A446F1B-6DF0-6ED4-25E2-7CACD141CB91}"/>
-              </a:ext>
-            </a:extLst>
-          </p:cNvPr>
-          <p:cNvSpPr txBox="1"/>
+            <a:r>
+              <a:rPr kumimoji="1" lang="ja-JP" altLang="en-US"/>
+              <a:t>連結</a:t>
+            </a:r>
+          </a:p>
+        </p:txBody>
+      </p:sp>
+      <p:sp>
+        <p:nvSpPr>
+          <p:cNvPr id="14" name="正方形/長方形 13">
+            <a:extLst>
+              <a:ext uri="{FF2B5EF4-FFF2-40B4-BE49-F238E27FC236}">
+                <a16:creationId xmlns:a16="http://schemas.microsoft.com/office/drawing/2014/main" id="{8B046392-9EE9-E028-6595-576AD24A6C09}"/>
+              </a:ext>
+            </a:extLst>
+          </p:cNvPr>
+          <p:cNvSpPr/>
           <p:nvPr/>
         </p:nvSpPr>
         <p:spPr>
           <a:xfrm>
-            <a:off x="1084217" y="198924"/>
-            <a:ext cx="2380780" cy="1446550"/>
+            <a:off x="4809200" y="4553569"/>
+            <a:ext cx="3325201" cy="792479"/>
           </a:xfrm>
           <a:prstGeom prst="rect">
             <a:avLst/>
           </a:prstGeom>
           <a:solidFill>
-            <a:schemeClr val="accent6"/>
+            <a:srgbClr val="FFFF00"/>
           </a:solidFill>
-        </p:spPr>
-        <p:txBody>
-          <a:bodyPr wrap="none" rtlCol="0">
-            <a:spAutoFit/>
-          </a:bodyPr>
-          <a:lstStyle/>
-          <a:p>
-            <a:r>
-              <a:rPr kumimoji="1" lang="en-US" altLang="ja-JP" sz="8800" dirty="0">
-                <a:solidFill>
-                  <a:schemeClr val="bg1"/>
-                </a:solidFill>
-              </a:rPr>
-              <a:t>JPG</a:t>
-            </a:r>
-            <a:endParaRPr kumimoji="1" lang="ja-JP" altLang="en-US" sz="8800">
-              <a:solidFill>
-                <a:schemeClr val="bg1"/>
-              </a:solidFill>
-            </a:endParaRPr>
-          </a:p>
-        </p:txBody>
-      </p:sp>
-    </p:spTree>
-    <p:extLst>
-      <p:ext uri="{BB962C8B-B14F-4D97-AF65-F5344CB8AC3E}">
-        <p14:creationId xmlns:p14="http://schemas.microsoft.com/office/powerpoint/2010/main" val="3111780711"/>
-      </p:ext>
-    </p:extLst>
-  </p:cSld>
-  <p:clrMapOvr>
-    <a:masterClrMapping/>
-  </p:clrMapOvr>
-</p:sld>
-</file>
-
-<file path=ppt/slides/slide4.xml><?xml version="1.0" encoding="utf-8"?>
-<p:sld xmlns:a="http://schemas.openxmlformats.org/drawingml/2006/main" xmlns:r="http://schemas.openxmlformats.org/officeDocument/2006/relationships" xmlns:p="http://schemas.openxmlformats.org/presentationml/2006/main">
-  <p:cSld>
-    <p:spTree>
-      <p:nvGrpSpPr>
-        <p:cNvPr id="1" name=""/>
-        <p:cNvGrpSpPr/>
-        <p:nvPr/>
-      </p:nvGrpSpPr>
-      <p:grpSpPr>
-        <a:xfrm>
-          <a:off x="0" y="0"/>
-          <a:ext cx="0" cy="0"/>
-          <a:chOff x="0" y="0"/>
-          <a:chExt cx="0" cy="0"/>
-        </a:xfrm>
-      </p:grpSpPr>
-      <p:pic>
-        <p:nvPicPr>
-          <p:cNvPr id="5" name="グラフィックス 4" descr="紙 枠線">
-            <a:extLst>
-              <a:ext uri="{FF2B5EF4-FFF2-40B4-BE49-F238E27FC236}">
-                <a16:creationId xmlns:a16="http://schemas.microsoft.com/office/drawing/2014/main" id="{3C1E77DC-0260-C5D1-E2E0-58B69DC55D6E}"/>
-              </a:ext>
-            </a:extLst>
-          </p:cNvPr>
-          <p:cNvPicPr>
-            <a:picLocks noChangeAspect="1"/>
-          </p:cNvPicPr>
-          <p:nvPr/>
-        </p:nvPicPr>
-        <p:blipFill>
-          <a:blip r:embed="rId2">
-            <a:extLst>
-              <a:ext uri="{28A0092B-C50C-407E-A947-70E740481C1C}">
-                <a14:useLocalDpi xmlns:a14="http://schemas.microsoft.com/office/drawing/2010/main" val="0"/>
-              </a:ext>
-              <a:ext uri="{96DAC541-7B7A-43D3-8B79-37D633B846F1}">
-                <asvg:svgBlip xmlns:asvg="http://schemas.microsoft.com/office/drawing/2016/SVG/main" r:embed="rId3"/>
-              </a:ext>
-            </a:extLst>
-          </a:blip>
-          <a:stretch>
-            <a:fillRect/>
-          </a:stretch>
-        </p:blipFill>
-        <p:spPr>
-          <a:xfrm>
-            <a:off x="-1046833" y="1145219"/>
-            <a:ext cx="6116715" cy="6116715"/>
-          </a:xfrm>
-          <a:prstGeom prst="rect">
-            <a:avLst/>
-          </a:prstGeom>
-        </p:spPr>
-      </p:pic>
-      <p:sp>
-        <p:nvSpPr>
-          <p:cNvPr id="6" name="テキスト ボックス 5">
-            <a:extLst>
-              <a:ext uri="{FF2B5EF4-FFF2-40B4-BE49-F238E27FC236}">
-                <a16:creationId xmlns:a16="http://schemas.microsoft.com/office/drawing/2014/main" id="{4EC603C9-B17C-7D66-1B36-E6D45FE95CEF}"/>
-              </a:ext>
-            </a:extLst>
-          </p:cNvPr>
-          <p:cNvSpPr txBox="1"/>
-          <p:nvPr/>
-        </p:nvSpPr>
-        <p:spPr>
-          <a:xfrm>
-            <a:off x="142437" y="74909"/>
-            <a:ext cx="2441694" cy="1446550"/>
-          </a:xfrm>
-          <a:prstGeom prst="rect">
-            <a:avLst/>
-          </a:prstGeom>
-          <a:solidFill>
-            <a:srgbClr val="CC3300"/>
-          </a:solidFill>
-        </p:spPr>
-        <p:txBody>
-          <a:bodyPr wrap="none" rtlCol="0">
-            <a:spAutoFit/>
-          </a:bodyPr>
-          <a:lstStyle/>
-          <a:p>
-            <a:r>
-              <a:rPr kumimoji="1" lang="en-US" altLang="ja-JP" sz="8800" dirty="0">
-                <a:solidFill>
-                  <a:schemeClr val="bg1"/>
-                </a:solidFill>
-              </a:rPr>
-              <a:t>PDF</a:t>
-            </a:r>
-            <a:endParaRPr kumimoji="1" lang="ja-JP" altLang="en-US" sz="8800">
-              <a:solidFill>
-                <a:schemeClr val="bg1"/>
-              </a:solidFill>
-            </a:endParaRPr>
-          </a:p>
-        </p:txBody>
-      </p:sp>
-      <p:sp>
-        <p:nvSpPr>
-          <p:cNvPr id="7" name="正方形/長方形 6">
-            <a:extLst>
-              <a:ext uri="{FF2B5EF4-FFF2-40B4-BE49-F238E27FC236}">
-                <a16:creationId xmlns:a16="http://schemas.microsoft.com/office/drawing/2014/main" id="{238E7D68-3DEE-79AB-C856-F066AD7C169D}"/>
-              </a:ext>
-            </a:extLst>
-          </p:cNvPr>
-          <p:cNvSpPr/>
-          <p:nvPr/>
-        </p:nvSpPr>
-        <p:spPr>
-          <a:xfrm>
-            <a:off x="454517" y="3234154"/>
-            <a:ext cx="3114013" cy="1157542"/>
-          </a:xfrm>
-          <a:prstGeom prst="rect">
-            <a:avLst/>
-          </a:prstGeom>
-          <a:noFill/>
-          <a:ln w="38100">
-            <a:solidFill>
-              <a:schemeClr val="tx2"/>
-            </a:solidFill>
-          </a:ln>
         </p:spPr>
         <p:style>
           <a:lnRef idx="2">
@@ -4440,542 +4058,68 @@
           <a:bodyPr rtlCol="0" anchor="ctr"/>
           <a:lstStyle/>
           <a:p>
-            <a:pPr algn="ctr"/>
-            <a:r>
-              <a:rPr kumimoji="1" lang="ja-JP" altLang="en-US" sz="6600">
+            <a:pPr marL="285750" indent="-285750">
+              <a:buFont typeface="Arial" panose="020B0604020202020204" pitchFamily="34" charset="0"/>
+              <a:buChar char="•"/>
+            </a:pPr>
+            <a:r>
+              <a:rPr kumimoji="1" lang="en-US" altLang="ja-JP" dirty="0">
                 <a:solidFill>
                   <a:schemeClr val="tx1"/>
                 </a:solidFill>
               </a:rPr>
-              <a:t>テキスト</a:t>
-            </a:r>
-          </a:p>
-        </p:txBody>
-      </p:sp>
-      <p:pic>
-        <p:nvPicPr>
-          <p:cNvPr id="8" name="グラフィックス 7" descr="画像 枠線">
-            <a:extLst>
-              <a:ext uri="{FF2B5EF4-FFF2-40B4-BE49-F238E27FC236}">
-                <a16:creationId xmlns:a16="http://schemas.microsoft.com/office/drawing/2014/main" id="{0D71BE4A-8D09-A2B7-6515-B1C8F17AC44E}"/>
-              </a:ext>
-            </a:extLst>
-          </p:cNvPr>
-          <p:cNvPicPr>
-            <a:picLocks noChangeAspect="1"/>
-          </p:cNvPicPr>
-          <p:nvPr/>
-        </p:nvPicPr>
-        <p:blipFill>
-          <a:blip r:embed="rId4">
-            <a:extLst>
-              <a:ext uri="{28A0092B-C50C-407E-A947-70E740481C1C}">
-                <a14:useLocalDpi xmlns:a14="http://schemas.microsoft.com/office/drawing/2010/main" val="0"/>
-              </a:ext>
-              <a:ext uri="{96DAC541-7B7A-43D3-8B79-37D633B846F1}">
-                <asvg:svgBlip xmlns:asvg="http://schemas.microsoft.com/office/drawing/2016/SVG/main" r:embed="rId5"/>
-              </a:ext>
-            </a:extLst>
-          </a:blip>
-          <a:stretch>
-            <a:fillRect/>
-          </a:stretch>
-        </p:blipFill>
-        <p:spPr>
-          <a:xfrm>
-            <a:off x="419417" y="3887449"/>
-            <a:ext cx="3149113" cy="3149113"/>
-          </a:xfrm>
-          <a:prstGeom prst="rect">
-            <a:avLst/>
-          </a:prstGeom>
-        </p:spPr>
-      </p:pic>
-      <p:sp>
-        <p:nvSpPr>
-          <p:cNvPr id="9" name="テキスト ボックス 8">
-            <a:extLst>
-              <a:ext uri="{FF2B5EF4-FFF2-40B4-BE49-F238E27FC236}">
-                <a16:creationId xmlns:a16="http://schemas.microsoft.com/office/drawing/2014/main" id="{FE482CAE-D66C-7242-9886-4E978919B477}"/>
-              </a:ext>
-            </a:extLst>
-          </p:cNvPr>
-          <p:cNvSpPr txBox="1"/>
-          <p:nvPr/>
-        </p:nvSpPr>
-        <p:spPr>
-          <a:xfrm>
-            <a:off x="8293633" y="167029"/>
-            <a:ext cx="2380780" cy="1446550"/>
-          </a:xfrm>
-          <a:prstGeom prst="rect">
-            <a:avLst/>
-          </a:prstGeom>
-          <a:solidFill>
-            <a:schemeClr val="accent6"/>
-          </a:solidFill>
-        </p:spPr>
-        <p:txBody>
-          <a:bodyPr wrap="none" rtlCol="0">
-            <a:spAutoFit/>
-          </a:bodyPr>
-          <a:lstStyle/>
-          <a:p>
-            <a:r>
-              <a:rPr kumimoji="1" lang="en-US" altLang="ja-JP" sz="8800" dirty="0">
-                <a:solidFill>
-                  <a:schemeClr val="bg1"/>
-                </a:solidFill>
-              </a:rPr>
-              <a:t>JPG</a:t>
-            </a:r>
-            <a:endParaRPr kumimoji="1" lang="ja-JP" altLang="en-US" sz="8800">
-              <a:solidFill>
-                <a:schemeClr val="bg1"/>
-              </a:solidFill>
-            </a:endParaRPr>
-          </a:p>
-        </p:txBody>
-      </p:sp>
-      <p:pic>
-        <p:nvPicPr>
-          <p:cNvPr id="14" name="グラフィックス 13" descr="紙 枠線">
-            <a:extLst>
-              <a:ext uri="{FF2B5EF4-FFF2-40B4-BE49-F238E27FC236}">
-                <a16:creationId xmlns:a16="http://schemas.microsoft.com/office/drawing/2014/main" id="{0C9117CC-60D0-0685-78D7-96F226009097}"/>
-              </a:ext>
-            </a:extLst>
-          </p:cNvPr>
-          <p:cNvPicPr>
-            <a:picLocks noChangeAspect="1"/>
-          </p:cNvPicPr>
-          <p:nvPr/>
-        </p:nvPicPr>
-        <p:blipFill>
-          <a:blip r:embed="rId2">
-            <a:extLst>
-              <a:ext uri="{28A0092B-C50C-407E-A947-70E740481C1C}">
-                <a14:useLocalDpi xmlns:a14="http://schemas.microsoft.com/office/drawing/2010/main" val="0"/>
-              </a:ext>
-              <a:ext uri="{96DAC541-7B7A-43D3-8B79-37D633B846F1}">
-                <asvg:svgBlip xmlns:asvg="http://schemas.microsoft.com/office/drawing/2016/SVG/main" r:embed="rId3"/>
-              </a:ext>
-            </a:extLst>
-          </a:blip>
-          <a:stretch>
-            <a:fillRect/>
-          </a:stretch>
-        </p:blipFill>
-        <p:spPr>
-          <a:xfrm>
-            <a:off x="7122120" y="1145219"/>
-            <a:ext cx="6116715" cy="6116715"/>
-          </a:xfrm>
-          <a:prstGeom prst="rect">
-            <a:avLst/>
-          </a:prstGeom>
-        </p:spPr>
-      </p:pic>
-      <p:sp>
-        <p:nvSpPr>
-          <p:cNvPr id="15" name="正方形/長方形 14">
-            <a:extLst>
-              <a:ext uri="{FF2B5EF4-FFF2-40B4-BE49-F238E27FC236}">
-                <a16:creationId xmlns:a16="http://schemas.microsoft.com/office/drawing/2014/main" id="{4286C22C-1C97-90C3-8999-2A679AAB0BE2}"/>
-              </a:ext>
-            </a:extLst>
-          </p:cNvPr>
-          <p:cNvSpPr/>
-          <p:nvPr/>
-        </p:nvSpPr>
-        <p:spPr>
-          <a:xfrm>
-            <a:off x="8623470" y="3234154"/>
-            <a:ext cx="3114013" cy="1157542"/>
-          </a:xfrm>
-          <a:prstGeom prst="rect">
-            <a:avLst/>
-          </a:prstGeom>
-          <a:noFill/>
-          <a:ln w="38100">
-            <a:solidFill>
-              <a:schemeClr val="tx2"/>
-            </a:solidFill>
-          </a:ln>
-        </p:spPr>
-        <p:style>
-          <a:lnRef idx="2">
-            <a:schemeClr val="accent1">
-              <a:shade val="15000"/>
-            </a:schemeClr>
-          </a:lnRef>
-          <a:fillRef idx="1">
-            <a:schemeClr val="accent1"/>
-          </a:fillRef>
-          <a:effectRef idx="0">
-            <a:schemeClr val="accent1"/>
-          </a:effectRef>
-          <a:fontRef idx="minor">
-            <a:schemeClr val="lt1"/>
-          </a:fontRef>
-        </p:style>
-        <p:txBody>
-          <a:bodyPr rtlCol="0" anchor="ctr"/>
-          <a:lstStyle/>
-          <a:p>
-            <a:pPr algn="ctr"/>
-            <a:r>
-              <a:rPr kumimoji="1" lang="ja-JP" altLang="en-US" sz="6600">
+              <a:t>Top3</a:t>
+            </a:r>
+            <a:r>
+              <a:rPr kumimoji="1" lang="ja-JP" altLang="en-US">
                 <a:solidFill>
                   <a:schemeClr val="tx1"/>
                 </a:solidFill>
               </a:rPr>
-              <a:t>テキスト</a:t>
-            </a:r>
-          </a:p>
-        </p:txBody>
-      </p:sp>
-      <p:pic>
-        <p:nvPicPr>
-          <p:cNvPr id="16" name="グラフィックス 15" descr="画像 枠線">
-            <a:extLst>
-              <a:ext uri="{FF2B5EF4-FFF2-40B4-BE49-F238E27FC236}">
-                <a16:creationId xmlns:a16="http://schemas.microsoft.com/office/drawing/2014/main" id="{B6E9E49D-CFD2-81BC-6962-0A241FDDAFE9}"/>
-              </a:ext>
-            </a:extLst>
-          </p:cNvPr>
-          <p:cNvPicPr>
-            <a:picLocks noChangeAspect="1"/>
-          </p:cNvPicPr>
-          <p:nvPr/>
-        </p:nvPicPr>
-        <p:blipFill>
-          <a:blip r:embed="rId4">
-            <a:extLst>
-              <a:ext uri="{28A0092B-C50C-407E-A947-70E740481C1C}">
-                <a14:useLocalDpi xmlns:a14="http://schemas.microsoft.com/office/drawing/2010/main" val="0"/>
-              </a:ext>
-              <a:ext uri="{96DAC541-7B7A-43D3-8B79-37D633B846F1}">
-                <asvg:svgBlip xmlns:asvg="http://schemas.microsoft.com/office/drawing/2016/SVG/main" r:embed="rId5"/>
-              </a:ext>
-            </a:extLst>
-          </a:blip>
-          <a:stretch>
-            <a:fillRect/>
-          </a:stretch>
-        </p:blipFill>
-        <p:spPr>
-          <a:xfrm>
-            <a:off x="8588370" y="3887449"/>
-            <a:ext cx="3149113" cy="3149113"/>
-          </a:xfrm>
-          <a:prstGeom prst="rect">
-            <a:avLst/>
-          </a:prstGeom>
-        </p:spPr>
-      </p:pic>
-      <p:sp>
-        <p:nvSpPr>
-          <p:cNvPr id="2" name="テキスト ボックス 1">
-            <a:extLst>
-              <a:ext uri="{FF2B5EF4-FFF2-40B4-BE49-F238E27FC236}">
-                <a16:creationId xmlns:a16="http://schemas.microsoft.com/office/drawing/2014/main" id="{E10FDF3B-4542-098F-9480-23A22A903678}"/>
-              </a:ext>
-            </a:extLst>
-          </p:cNvPr>
-          <p:cNvSpPr txBox="1"/>
-          <p:nvPr/>
-        </p:nvSpPr>
-        <p:spPr>
-          <a:xfrm>
-            <a:off x="4148923" y="167029"/>
-            <a:ext cx="2860527" cy="1446550"/>
-          </a:xfrm>
-          <a:prstGeom prst="rect">
-            <a:avLst/>
-          </a:prstGeom>
-          <a:solidFill>
-            <a:schemeClr val="accent5"/>
-          </a:solidFill>
-        </p:spPr>
-        <p:txBody>
-          <a:bodyPr wrap="none" rtlCol="0">
-            <a:spAutoFit/>
-          </a:bodyPr>
-          <a:lstStyle/>
-          <a:p>
-            <a:r>
-              <a:rPr kumimoji="1" lang="en-US" altLang="ja-JP" sz="8800" dirty="0">
-                <a:solidFill>
-                  <a:schemeClr val="bg1"/>
-                </a:solidFill>
-              </a:rPr>
-              <a:t>Word</a:t>
-            </a:r>
-            <a:endParaRPr kumimoji="1" lang="ja-JP" altLang="en-US" sz="8800">
-              <a:solidFill>
-                <a:schemeClr val="bg1"/>
-              </a:solidFill>
-            </a:endParaRPr>
-          </a:p>
-        </p:txBody>
-      </p:sp>
-      <p:pic>
-        <p:nvPicPr>
-          <p:cNvPr id="3" name="グラフィックス 2" descr="紙 枠線">
-            <a:extLst>
-              <a:ext uri="{FF2B5EF4-FFF2-40B4-BE49-F238E27FC236}">
-                <a16:creationId xmlns:a16="http://schemas.microsoft.com/office/drawing/2014/main" id="{315DDAE0-7331-58AB-F482-170EB16605CC}"/>
-              </a:ext>
-            </a:extLst>
-          </p:cNvPr>
-          <p:cNvPicPr>
-            <a:picLocks noChangeAspect="1"/>
-          </p:cNvPicPr>
-          <p:nvPr/>
-        </p:nvPicPr>
-        <p:blipFill>
-          <a:blip r:embed="rId2">
-            <a:extLst>
-              <a:ext uri="{28A0092B-C50C-407E-A947-70E740481C1C}">
-                <a14:useLocalDpi xmlns:a14="http://schemas.microsoft.com/office/drawing/2010/main" val="0"/>
-              </a:ext>
-              <a:ext uri="{96DAC541-7B7A-43D3-8B79-37D633B846F1}">
-                <asvg:svgBlip xmlns:asvg="http://schemas.microsoft.com/office/drawing/2016/SVG/main" r:embed="rId3"/>
-              </a:ext>
-            </a:extLst>
-          </a:blip>
-          <a:stretch>
-            <a:fillRect/>
-          </a:stretch>
-        </p:blipFill>
-        <p:spPr>
-          <a:xfrm>
-            <a:off x="2977410" y="1145219"/>
-            <a:ext cx="6116715" cy="6116715"/>
-          </a:xfrm>
-          <a:prstGeom prst="rect">
-            <a:avLst/>
-          </a:prstGeom>
-        </p:spPr>
-      </p:pic>
-      <p:sp>
-        <p:nvSpPr>
-          <p:cNvPr id="4" name="正方形/長方形 3">
-            <a:extLst>
-              <a:ext uri="{FF2B5EF4-FFF2-40B4-BE49-F238E27FC236}">
-                <a16:creationId xmlns:a16="http://schemas.microsoft.com/office/drawing/2014/main" id="{E8F84E8B-0BCB-8D07-06C3-EF7E7D474453}"/>
-              </a:ext>
-            </a:extLst>
-          </p:cNvPr>
-          <p:cNvSpPr/>
-          <p:nvPr/>
-        </p:nvSpPr>
-        <p:spPr>
-          <a:xfrm>
-            <a:off x="4478760" y="3234154"/>
-            <a:ext cx="3114013" cy="1157542"/>
-          </a:xfrm>
-          <a:prstGeom prst="rect">
-            <a:avLst/>
-          </a:prstGeom>
-          <a:noFill/>
-          <a:ln w="38100">
-            <a:solidFill>
-              <a:schemeClr val="tx2"/>
-            </a:solidFill>
-          </a:ln>
-        </p:spPr>
-        <p:style>
-          <a:lnRef idx="2">
-            <a:schemeClr val="accent1">
-              <a:shade val="15000"/>
-            </a:schemeClr>
-          </a:lnRef>
-          <a:fillRef idx="1">
-            <a:schemeClr val="accent1"/>
-          </a:fillRef>
-          <a:effectRef idx="0">
-            <a:schemeClr val="accent1"/>
-          </a:effectRef>
-          <a:fontRef idx="minor">
-            <a:schemeClr val="lt1"/>
-          </a:fontRef>
-        </p:style>
-        <p:txBody>
-          <a:bodyPr rtlCol="0" anchor="ctr"/>
-          <a:lstStyle/>
-          <a:p>
-            <a:pPr algn="ctr"/>
-            <a:r>
-              <a:rPr kumimoji="1" lang="ja-JP" altLang="en-US" sz="6600">
+              <a:t>は</a:t>
+            </a:r>
+            <a:r>
+              <a:rPr kumimoji="1" lang="en-US" altLang="ja-JP" dirty="0">
                 <a:solidFill>
                   <a:schemeClr val="tx1"/>
                 </a:solidFill>
               </a:rPr>
-              <a:t>テキスト</a:t>
-            </a:r>
-          </a:p>
-        </p:txBody>
-      </p:sp>
-      <p:pic>
-        <p:nvPicPr>
-          <p:cNvPr id="10" name="グラフィックス 9" descr="画像 枠線">
-            <a:extLst>
-              <a:ext uri="{FF2B5EF4-FFF2-40B4-BE49-F238E27FC236}">
-                <a16:creationId xmlns:a16="http://schemas.microsoft.com/office/drawing/2014/main" id="{42222EDA-F1E0-7095-834E-CFDA206EFDF0}"/>
-              </a:ext>
-            </a:extLst>
-          </p:cNvPr>
-          <p:cNvPicPr>
-            <a:picLocks noChangeAspect="1"/>
-          </p:cNvPicPr>
-          <p:nvPr/>
-        </p:nvPicPr>
-        <p:blipFill>
-          <a:blip r:embed="rId4">
-            <a:extLst>
-              <a:ext uri="{28A0092B-C50C-407E-A947-70E740481C1C}">
-                <a14:useLocalDpi xmlns:a14="http://schemas.microsoft.com/office/drawing/2010/main" val="0"/>
-              </a:ext>
-              <a:ext uri="{96DAC541-7B7A-43D3-8B79-37D633B846F1}">
-                <asvg:svgBlip xmlns:asvg="http://schemas.microsoft.com/office/drawing/2016/SVG/main" r:embed="rId5"/>
-              </a:ext>
-            </a:extLst>
-          </a:blip>
-          <a:stretch>
-            <a:fillRect/>
-          </a:stretch>
-        </p:blipFill>
-        <p:spPr>
-          <a:xfrm>
-            <a:off x="4443660" y="3887449"/>
-            <a:ext cx="3149113" cy="3149113"/>
-          </a:xfrm>
-          <a:prstGeom prst="rect">
-            <a:avLst/>
-          </a:prstGeom>
-        </p:spPr>
-      </p:pic>
+              <a:t> p.37, 38, 41</a:t>
+            </a:r>
+          </a:p>
+          <a:p>
+            <a:pPr marL="285750" indent="-285750">
+              <a:buFont typeface="Arial" panose="020B0604020202020204" pitchFamily="34" charset="0"/>
+              <a:buChar char="•"/>
+            </a:pPr>
+            <a:r>
+              <a:rPr lang="ja-JP" altLang="en-US">
+                <a:solidFill>
+                  <a:schemeClr val="tx1"/>
+                </a:solidFill>
+              </a:rPr>
+              <a:t>図中の表は</a:t>
+            </a:r>
+            <a:r>
+              <a:rPr lang="en-US" altLang="ja-JP" dirty="0">
+                <a:solidFill>
+                  <a:schemeClr val="tx1"/>
+                </a:solidFill>
+              </a:rPr>
+              <a:t> p.21 </a:t>
+            </a:r>
+            <a:endParaRPr kumimoji="1" lang="ja-JP" altLang="en-US">
+              <a:solidFill>
+                <a:schemeClr val="tx1"/>
+              </a:solidFill>
+            </a:endParaRPr>
+          </a:p>
+        </p:txBody>
+      </p:sp>
     </p:spTree>
     <p:extLst>
       <p:ext uri="{BB962C8B-B14F-4D97-AF65-F5344CB8AC3E}">
-        <p14:creationId xmlns:p14="http://schemas.microsoft.com/office/powerpoint/2010/main" val="3782027212"/>
-      </p:ext>
-    </p:extLst>
-  </p:cSld>
-  <p:clrMapOvr>
-    <a:masterClrMapping/>
-  </p:clrMapOvr>
-</p:sld>
-</file>
-
-<file path=ppt/slides/slide5.xml><?xml version="1.0" encoding="utf-8"?>
-<p:sld xmlns:a="http://schemas.openxmlformats.org/drawingml/2006/main" xmlns:r="http://schemas.openxmlformats.org/officeDocument/2006/relationships" xmlns:p="http://schemas.openxmlformats.org/presentationml/2006/main">
-  <p:cSld>
-    <p:spTree>
-      <p:nvGrpSpPr>
-        <p:cNvPr id="1" name=""/>
-        <p:cNvGrpSpPr/>
-        <p:nvPr/>
-      </p:nvGrpSpPr>
-      <p:grpSpPr>
-        <a:xfrm>
-          <a:off x="0" y="0"/>
-          <a:ext cx="0" cy="0"/>
-          <a:chOff x="0" y="0"/>
-          <a:chExt cx="0" cy="0"/>
-        </a:xfrm>
-      </p:grpSpPr>
-      <p:pic>
-        <p:nvPicPr>
-          <p:cNvPr id="4" name="グラフィックス 3" descr="画像 枠線">
-            <a:extLst>
-              <a:ext uri="{FF2B5EF4-FFF2-40B4-BE49-F238E27FC236}">
-                <a16:creationId xmlns:a16="http://schemas.microsoft.com/office/drawing/2014/main" id="{1E2F48E5-F557-3699-6BE1-8C0503B09D4A}"/>
-              </a:ext>
-            </a:extLst>
-          </p:cNvPr>
-          <p:cNvPicPr>
-            <a:picLocks noChangeAspect="1"/>
-          </p:cNvPicPr>
-          <p:nvPr/>
-        </p:nvPicPr>
-        <p:blipFill>
-          <a:blip r:embed="rId2">
-            <a:extLst>
-              <a:ext uri="{28A0092B-C50C-407E-A947-70E740481C1C}">
-                <a14:useLocalDpi xmlns:a14="http://schemas.microsoft.com/office/drawing/2010/main" val="0"/>
-              </a:ext>
-              <a:ext uri="{96DAC541-7B7A-43D3-8B79-37D633B846F1}">
-                <asvg:svgBlip xmlns:asvg="http://schemas.microsoft.com/office/drawing/2016/SVG/main" r:embed="rId3"/>
-              </a:ext>
-            </a:extLst>
-          </a:blip>
-          <a:stretch>
-            <a:fillRect/>
-          </a:stretch>
-        </p:blipFill>
-        <p:spPr>
-          <a:xfrm>
-            <a:off x="1604112" y="958905"/>
-            <a:ext cx="5899095" cy="5899095"/>
-          </a:xfrm>
-          <a:prstGeom prst="rect">
-            <a:avLst/>
-          </a:prstGeom>
-        </p:spPr>
-      </p:pic>
-      <p:sp>
-        <p:nvSpPr>
-          <p:cNvPr id="5" name="テキスト ボックス 4">
-            <a:extLst>
-              <a:ext uri="{FF2B5EF4-FFF2-40B4-BE49-F238E27FC236}">
-                <a16:creationId xmlns:a16="http://schemas.microsoft.com/office/drawing/2014/main" id="{D73DC1C9-F866-C24D-C8A1-26FF9919328C}"/>
-              </a:ext>
-            </a:extLst>
-          </p:cNvPr>
-          <p:cNvSpPr txBox="1"/>
-          <p:nvPr/>
-        </p:nvSpPr>
-        <p:spPr>
-          <a:xfrm>
-            <a:off x="2237900" y="660397"/>
-            <a:ext cx="2380780" cy="1446550"/>
-          </a:xfrm>
-          <a:prstGeom prst="rect">
-            <a:avLst/>
-          </a:prstGeom>
-          <a:solidFill>
-            <a:schemeClr val="accent6"/>
-          </a:solidFill>
-        </p:spPr>
-        <p:txBody>
-          <a:bodyPr wrap="none" rtlCol="0">
-            <a:spAutoFit/>
-          </a:bodyPr>
-          <a:lstStyle/>
-          <a:p>
-            <a:r>
-              <a:rPr kumimoji="1" lang="en-US" altLang="ja-JP" sz="8800" dirty="0">
-                <a:solidFill>
-                  <a:schemeClr val="bg1"/>
-                </a:solidFill>
-              </a:rPr>
-              <a:t>JPG</a:t>
-            </a:r>
-            <a:endParaRPr kumimoji="1" lang="ja-JP" altLang="en-US" sz="8800">
-              <a:solidFill>
-                <a:schemeClr val="bg1"/>
-              </a:solidFill>
-            </a:endParaRPr>
-          </a:p>
-        </p:txBody>
-      </p:sp>
-    </p:spTree>
-    <p:extLst>
-      <p:ext uri="{BB962C8B-B14F-4D97-AF65-F5344CB8AC3E}">
-        <p14:creationId xmlns:p14="http://schemas.microsoft.com/office/powerpoint/2010/main" val="3536692434"/>
+        <p14:creationId xmlns:p14="http://schemas.microsoft.com/office/powerpoint/2010/main" val="3310277130"/>
       </p:ext>
     </p:extLst>
   </p:cSld>

--- a/追加.pptx
+++ b/追加.pptx
@@ -5,7 +5,7 @@
     <p:sldMasterId id="2147483648" r:id="rId1"/>
   </p:sldMasterIdLst>
   <p:sldIdLst>
-    <p:sldId id="297" r:id="rId2"/>
+    <p:sldId id="680" r:id="rId2"/>
   </p:sldIdLst>
   <p:sldSz cx="12192000" cy="6858000"/>
   <p:notesSz cx="6858000" cy="9144000"/>
@@ -259,7 +259,7 @@
           <a:p>
             <a:fld id="{0690133D-3D2A-4570-A105-5906702A947A}" type="datetimeFigureOut">
               <a:rPr kumimoji="1" lang="ja-JP" altLang="en-US" smtClean="0"/>
-              <a:t>2024/7/5</a:t>
+              <a:t>2024/7/17</a:t>
             </a:fld>
             <a:endParaRPr kumimoji="1" lang="ja-JP" altLang="en-US"/>
           </a:p>
@@ -489,7 +489,7 @@
           <a:p>
             <a:fld id="{0690133D-3D2A-4570-A105-5906702A947A}" type="datetimeFigureOut">
               <a:rPr kumimoji="1" lang="ja-JP" altLang="en-US" smtClean="0"/>
-              <a:t>2024/7/5</a:t>
+              <a:t>2024/7/17</a:t>
             </a:fld>
             <a:endParaRPr kumimoji="1" lang="ja-JP" altLang="en-US"/>
           </a:p>
@@ -729,7 +729,7 @@
           <a:p>
             <a:fld id="{0690133D-3D2A-4570-A105-5906702A947A}" type="datetimeFigureOut">
               <a:rPr kumimoji="1" lang="ja-JP" altLang="en-US" smtClean="0"/>
-              <a:t>2024/7/5</a:t>
+              <a:t>2024/7/17</a:t>
             </a:fld>
             <a:endParaRPr kumimoji="1" lang="ja-JP" altLang="en-US"/>
           </a:p>
@@ -959,7 +959,7 @@
           <a:p>
             <a:fld id="{0690133D-3D2A-4570-A105-5906702A947A}" type="datetimeFigureOut">
               <a:rPr kumimoji="1" lang="ja-JP" altLang="en-US" smtClean="0"/>
-              <a:t>2024/7/5</a:t>
+              <a:t>2024/7/17</a:t>
             </a:fld>
             <a:endParaRPr kumimoji="1" lang="ja-JP" altLang="en-US"/>
           </a:p>
@@ -1234,7 +1234,7 @@
           <a:p>
             <a:fld id="{0690133D-3D2A-4570-A105-5906702A947A}" type="datetimeFigureOut">
               <a:rPr kumimoji="1" lang="ja-JP" altLang="en-US" smtClean="0"/>
-              <a:t>2024/7/5</a:t>
+              <a:t>2024/7/17</a:t>
             </a:fld>
             <a:endParaRPr kumimoji="1" lang="ja-JP" altLang="en-US"/>
           </a:p>
@@ -1563,7 +1563,7 @@
           <a:p>
             <a:fld id="{0690133D-3D2A-4570-A105-5906702A947A}" type="datetimeFigureOut">
               <a:rPr kumimoji="1" lang="ja-JP" altLang="en-US" smtClean="0"/>
-              <a:t>2024/7/5</a:t>
+              <a:t>2024/7/17</a:t>
             </a:fld>
             <a:endParaRPr kumimoji="1" lang="ja-JP" altLang="en-US"/>
           </a:p>
@@ -2039,7 +2039,7 @@
           <a:p>
             <a:fld id="{0690133D-3D2A-4570-A105-5906702A947A}" type="datetimeFigureOut">
               <a:rPr kumimoji="1" lang="ja-JP" altLang="en-US" smtClean="0"/>
-              <a:t>2024/7/5</a:t>
+              <a:t>2024/7/17</a:t>
             </a:fld>
             <a:endParaRPr kumimoji="1" lang="ja-JP" altLang="en-US"/>
           </a:p>
@@ -2180,7 +2180,7 @@
           <a:p>
             <a:fld id="{0690133D-3D2A-4570-A105-5906702A947A}" type="datetimeFigureOut">
               <a:rPr kumimoji="1" lang="ja-JP" altLang="en-US" smtClean="0"/>
-              <a:t>2024/7/5</a:t>
+              <a:t>2024/7/17</a:t>
             </a:fld>
             <a:endParaRPr kumimoji="1" lang="ja-JP" altLang="en-US"/>
           </a:p>
@@ -2293,7 +2293,7 @@
           <a:p>
             <a:fld id="{0690133D-3D2A-4570-A105-5906702A947A}" type="datetimeFigureOut">
               <a:rPr kumimoji="1" lang="ja-JP" altLang="en-US" smtClean="0"/>
-              <a:t>2024/7/5</a:t>
+              <a:t>2024/7/17</a:t>
             </a:fld>
             <a:endParaRPr kumimoji="1" lang="ja-JP" altLang="en-US"/>
           </a:p>
@@ -2636,7 +2636,7 @@
           <a:p>
             <a:fld id="{0690133D-3D2A-4570-A105-5906702A947A}" type="datetimeFigureOut">
               <a:rPr kumimoji="1" lang="ja-JP" altLang="en-US" smtClean="0"/>
-              <a:t>2024/7/5</a:t>
+              <a:t>2024/7/17</a:t>
             </a:fld>
             <a:endParaRPr kumimoji="1" lang="ja-JP" altLang="en-US"/>
           </a:p>
@@ -2924,7 +2924,7 @@
           <a:p>
             <a:fld id="{0690133D-3D2A-4570-A105-5906702A947A}" type="datetimeFigureOut">
               <a:rPr kumimoji="1" lang="ja-JP" altLang="en-US" smtClean="0"/>
-              <a:t>2024/7/5</a:t>
+              <a:t>2024/7/17</a:t>
             </a:fld>
             <a:endParaRPr kumimoji="1" lang="ja-JP" altLang="en-US"/>
           </a:p>
@@ -3197,7 +3197,7 @@
           <a:p>
             <a:fld id="{0690133D-3D2A-4570-A105-5906702A947A}" type="datetimeFigureOut">
               <a:rPr kumimoji="1" lang="ja-JP" altLang="en-US" smtClean="0"/>
-              <a:t>2024/7/5</a:t>
+              <a:t>2024/7/17</a:t>
             </a:fld>
             <a:endParaRPr kumimoji="1" lang="ja-JP" altLang="en-US"/>
           </a:p>
@@ -3614,71 +3614,12 @@
           <a:chExt cx="0" cy="0"/>
         </a:xfrm>
       </p:grpSpPr>
-      <p:pic>
-        <p:nvPicPr>
-          <p:cNvPr id="4" name="図 3">
-            <a:extLst>
-              <a:ext uri="{FF2B5EF4-FFF2-40B4-BE49-F238E27FC236}">
-                <a16:creationId xmlns:a16="http://schemas.microsoft.com/office/drawing/2014/main" id="{E18A595B-93E7-A5E1-0BAD-BE2C58153C16}"/>
-              </a:ext>
-            </a:extLst>
-          </p:cNvPr>
-          <p:cNvPicPr>
-            <a:picLocks noChangeAspect="1"/>
-          </p:cNvPicPr>
-          <p:nvPr/>
-        </p:nvPicPr>
-        <p:blipFill rotWithShape="1">
-          <a:blip r:embed="rId2"/>
-          <a:srcRect b="6053"/>
-          <a:stretch/>
-        </p:blipFill>
-        <p:spPr>
-          <a:xfrm>
-            <a:off x="164569" y="540368"/>
-            <a:ext cx="5750466" cy="5965628"/>
-          </a:xfrm>
-          <a:prstGeom prst="rect">
-            <a:avLst/>
-          </a:prstGeom>
-        </p:spPr>
-      </p:pic>
-      <p:pic>
-        <p:nvPicPr>
-          <p:cNvPr id="5" name="図 4">
-            <a:extLst>
-              <a:ext uri="{FF2B5EF4-FFF2-40B4-BE49-F238E27FC236}">
-                <a16:creationId xmlns:a16="http://schemas.microsoft.com/office/drawing/2014/main" id="{0D26FC64-8EE1-42BD-D6B7-E18DAB5DB56C}"/>
-              </a:ext>
-            </a:extLst>
-          </p:cNvPr>
-          <p:cNvPicPr>
-            <a:picLocks noChangeAspect="1"/>
-          </p:cNvPicPr>
-          <p:nvPr/>
-        </p:nvPicPr>
-        <p:blipFill>
-          <a:blip r:embed="rId3"/>
-          <a:stretch>
-            <a:fillRect/>
-          </a:stretch>
-        </p:blipFill>
-        <p:spPr>
-          <a:xfrm>
-            <a:off x="6096000" y="523620"/>
-            <a:ext cx="5808138" cy="6040120"/>
-          </a:xfrm>
-          <a:prstGeom prst="rect">
-            <a:avLst/>
-          </a:prstGeom>
-        </p:spPr>
-      </p:pic>
-      <p:sp>
-        <p:nvSpPr>
-          <p:cNvPr id="6" name="正方形/長方形 5">
-            <a:extLst>
-              <a:ext uri="{FF2B5EF4-FFF2-40B4-BE49-F238E27FC236}">
-                <a16:creationId xmlns:a16="http://schemas.microsoft.com/office/drawing/2014/main" id="{1E812F32-FBC1-28CD-9761-F149C17FD9A5}"/>
+      <p:sp>
+        <p:nvSpPr>
+          <p:cNvPr id="4" name="円/楕円 3">
+            <a:extLst>
+              <a:ext uri="{FF2B5EF4-FFF2-40B4-BE49-F238E27FC236}">
+                <a16:creationId xmlns:a16="http://schemas.microsoft.com/office/drawing/2014/main" id="{BB116CFE-ED44-C850-5D37-C6C8CCB769C0}"/>
               </a:ext>
             </a:extLst>
           </p:cNvPr>
@@ -3687,16 +3628,18 @@
         </p:nvSpPr>
         <p:spPr>
           <a:xfrm>
-            <a:off x="2516591" y="4949807"/>
-            <a:ext cx="968289" cy="264161"/>
-          </a:xfrm>
-          <a:prstGeom prst="rect">
+            <a:off x="1942494" y="1337596"/>
+            <a:ext cx="332621" cy="312212"/>
+          </a:xfrm>
+          <a:prstGeom prst="ellipse">
             <a:avLst/>
           </a:prstGeom>
           <a:noFill/>
           <a:ln w="25400">
             <a:solidFill>
-              <a:schemeClr val="accent6"/>
+              <a:schemeClr val="bg1">
+                <a:lumMod val="50000"/>
+              </a:schemeClr>
             </a:solidFill>
           </a:ln>
         </p:spPr>
@@ -3727,10 +3670,10 @@
       </p:sp>
       <p:sp>
         <p:nvSpPr>
-          <p:cNvPr id="7" name="正方形/長方形 6">
-            <a:extLst>
-              <a:ext uri="{FF2B5EF4-FFF2-40B4-BE49-F238E27FC236}">
-                <a16:creationId xmlns:a16="http://schemas.microsoft.com/office/drawing/2014/main" id="{9DDE323A-0609-7429-5485-2F4401CAA11E}"/>
+          <p:cNvPr id="5" name="ひし形 4">
+            <a:extLst>
+              <a:ext uri="{FF2B5EF4-FFF2-40B4-BE49-F238E27FC236}">
+                <a16:creationId xmlns:a16="http://schemas.microsoft.com/office/drawing/2014/main" id="{5E6D7578-605F-F4FE-4957-39EFCD4AEF47}"/>
               </a:ext>
             </a:extLst>
           </p:cNvPr>
@@ -3739,16 +3682,18 @@
         </p:nvSpPr>
         <p:spPr>
           <a:xfrm>
-            <a:off x="2571841" y="5441443"/>
-            <a:ext cx="968289" cy="264161"/>
-          </a:xfrm>
-          <a:prstGeom prst="rect">
+            <a:off x="4691743" y="1181879"/>
+            <a:ext cx="1208315" cy="623647"/>
+          </a:xfrm>
+          <a:prstGeom prst="diamond">
             <a:avLst/>
           </a:prstGeom>
           <a:noFill/>
           <a:ln w="25400">
             <a:solidFill>
-              <a:schemeClr val="accent6"/>
+              <a:schemeClr val="bg1">
+                <a:lumMod val="50000"/>
+              </a:schemeClr>
             </a:solidFill>
           </a:ln>
         </p:spPr>
@@ -3779,10 +3724,10 @@
       </p:sp>
       <p:sp>
         <p:nvSpPr>
-          <p:cNvPr id="8" name="正方形/長方形 7">
-            <a:extLst>
-              <a:ext uri="{FF2B5EF4-FFF2-40B4-BE49-F238E27FC236}">
-                <a16:creationId xmlns:a16="http://schemas.microsoft.com/office/drawing/2014/main" id="{1F1E5466-9A28-A4E6-BFF9-3FAD040A91A8}"/>
+          <p:cNvPr id="6" name="円/楕円 5">
+            <a:extLst>
+              <a:ext uri="{FF2B5EF4-FFF2-40B4-BE49-F238E27FC236}">
+                <a16:creationId xmlns:a16="http://schemas.microsoft.com/office/drawing/2014/main" id="{7C11BF1C-CB71-A262-08D3-0C24825D0BC7}"/>
               </a:ext>
             </a:extLst>
           </p:cNvPr>
@@ -3791,16 +3736,18 @@
         </p:nvSpPr>
         <p:spPr>
           <a:xfrm>
-            <a:off x="8515924" y="5573523"/>
-            <a:ext cx="968289" cy="264161"/>
-          </a:xfrm>
-          <a:prstGeom prst="rect">
+            <a:off x="8150375" y="1337596"/>
+            <a:ext cx="332621" cy="312212"/>
+          </a:xfrm>
+          <a:prstGeom prst="ellipse">
             <a:avLst/>
           </a:prstGeom>
           <a:noFill/>
           <a:ln w="25400">
             <a:solidFill>
-              <a:schemeClr val="accent6"/>
+              <a:schemeClr val="bg1">
+                <a:lumMod val="50000"/>
+              </a:schemeClr>
             </a:solidFill>
           </a:ln>
         </p:spPr>
@@ -3831,10 +3778,10 @@
       </p:sp>
       <p:sp>
         <p:nvSpPr>
-          <p:cNvPr id="9" name="正方形/長方形 8">
-            <a:extLst>
-              <a:ext uri="{FF2B5EF4-FFF2-40B4-BE49-F238E27FC236}">
-                <a16:creationId xmlns:a16="http://schemas.microsoft.com/office/drawing/2014/main" id="{89DA3E62-567F-5F3D-D026-F0B819C63400}"/>
+          <p:cNvPr id="7" name="円/楕円 6">
+            <a:extLst>
+              <a:ext uri="{FF2B5EF4-FFF2-40B4-BE49-F238E27FC236}">
+                <a16:creationId xmlns:a16="http://schemas.microsoft.com/office/drawing/2014/main" id="{30568D82-DE78-E60E-D2DF-86F691F25CD9}"/>
               </a:ext>
             </a:extLst>
           </p:cNvPr>
@@ -3843,16 +3790,18 @@
         </p:nvSpPr>
         <p:spPr>
           <a:xfrm>
-            <a:off x="8515924" y="5081887"/>
-            <a:ext cx="968289" cy="264161"/>
-          </a:xfrm>
-          <a:prstGeom prst="rect">
+            <a:off x="1942494" y="3000566"/>
+            <a:ext cx="332621" cy="312212"/>
+          </a:xfrm>
+          <a:prstGeom prst="ellipse">
             <a:avLst/>
           </a:prstGeom>
           <a:noFill/>
           <a:ln w="25400">
             <a:solidFill>
-              <a:schemeClr val="accent6"/>
+              <a:schemeClr val="bg1">
+                <a:lumMod val="50000"/>
+              </a:schemeClr>
             </a:solidFill>
           </a:ln>
         </p:spPr>
@@ -3881,61 +3830,174 @@
           </a:p>
         </p:txBody>
       </p:sp>
-      <p:sp>
-        <p:nvSpPr>
-          <p:cNvPr id="11" name="テキスト ボックス 10">
-            <a:extLst>
-              <a:ext uri="{FF2B5EF4-FFF2-40B4-BE49-F238E27FC236}">
-                <a16:creationId xmlns:a16="http://schemas.microsoft.com/office/drawing/2014/main" id="{D5BCDD5B-7804-E4A3-1786-033A299CAD5C}"/>
-              </a:ext>
-            </a:extLst>
-          </p:cNvPr>
-          <p:cNvSpPr txBox="1"/>
+      <p:cxnSp>
+        <p:nvCxnSpPr>
+          <p:cNvPr id="9" name="直線矢印コネクタ 8">
+            <a:extLst>
+              <a:ext uri="{FF2B5EF4-FFF2-40B4-BE49-F238E27FC236}">
+                <a16:creationId xmlns:a16="http://schemas.microsoft.com/office/drawing/2014/main" id="{1F245A68-0BAC-7D80-33E7-70459A76AD32}"/>
+              </a:ext>
+            </a:extLst>
+          </p:cNvPr>
+          <p:cNvCxnSpPr>
+            <a:cxnSpLocks/>
+          </p:cNvCxnSpPr>
           <p:nvPr/>
-        </p:nvSpPr>
-        <p:spPr>
-          <a:xfrm>
-            <a:off x="164569" y="81280"/>
-            <a:ext cx="1107996" cy="369332"/>
-          </a:xfrm>
-          <a:prstGeom prst="rect">
+        </p:nvCxnSpPr>
+        <p:spPr>
+          <a:xfrm flipV="1">
+            <a:off x="5900058" y="1493702"/>
+            <a:ext cx="2250317" cy="1"/>
+          </a:xfrm>
+          <a:prstGeom prst="straightConnector1">
+            <a:avLst/>
+          </a:prstGeom>
+          <a:ln>
+            <a:solidFill>
+              <a:schemeClr val="bg1">
+                <a:lumMod val="50000"/>
+              </a:schemeClr>
+            </a:solidFill>
+            <a:tailEnd type="triangle"/>
+          </a:ln>
+        </p:spPr>
+        <p:style>
+          <a:lnRef idx="1">
+            <a:schemeClr val="accent1"/>
+          </a:lnRef>
+          <a:fillRef idx="0">
+            <a:schemeClr val="accent1"/>
+          </a:fillRef>
+          <a:effectRef idx="0">
+            <a:schemeClr val="accent1"/>
+          </a:effectRef>
+          <a:fontRef idx="minor">
+            <a:schemeClr val="tx1"/>
+          </a:fontRef>
+        </p:style>
+      </p:cxnSp>
+      <p:cxnSp>
+        <p:nvCxnSpPr>
+          <p:cNvPr id="11" name="直線矢印コネクタ 10">
+            <a:extLst>
+              <a:ext uri="{FF2B5EF4-FFF2-40B4-BE49-F238E27FC236}">
+                <a16:creationId xmlns:a16="http://schemas.microsoft.com/office/drawing/2014/main" id="{995D85C9-10AE-7557-FA35-A183405BC17F}"/>
+              </a:ext>
+            </a:extLst>
+          </p:cNvPr>
+          <p:cNvCxnSpPr>
+            <a:cxnSpLocks/>
+          </p:cNvCxnSpPr>
+          <p:nvPr/>
+        </p:nvCxnSpPr>
+        <p:spPr>
+          <a:xfrm>
+            <a:off x="2275115" y="1493702"/>
+            <a:ext cx="2416628" cy="1"/>
+          </a:xfrm>
+          <a:prstGeom prst="straightConnector1">
+            <a:avLst/>
+          </a:prstGeom>
+          <a:ln>
+            <a:solidFill>
+              <a:schemeClr val="bg1">
+                <a:lumMod val="50000"/>
+              </a:schemeClr>
+            </a:solidFill>
+            <a:tailEnd type="triangle"/>
+          </a:ln>
+        </p:spPr>
+        <p:style>
+          <a:lnRef idx="1">
+            <a:schemeClr val="accent1"/>
+          </a:lnRef>
+          <a:fillRef idx="0">
+            <a:schemeClr val="accent1"/>
+          </a:fillRef>
+          <a:effectRef idx="0">
+            <a:schemeClr val="accent1"/>
+          </a:effectRef>
+          <a:fontRef idx="minor">
+            <a:schemeClr val="tx1"/>
+          </a:fontRef>
+        </p:style>
+      </p:cxnSp>
+      <p:cxnSp>
+        <p:nvCxnSpPr>
+          <p:cNvPr id="16" name="直線矢印コネクタ 15">
+            <a:extLst>
+              <a:ext uri="{FF2B5EF4-FFF2-40B4-BE49-F238E27FC236}">
+                <a16:creationId xmlns:a16="http://schemas.microsoft.com/office/drawing/2014/main" id="{81F0FDDB-8A89-CDD9-F7C2-85BA43AB8BBD}"/>
+              </a:ext>
+            </a:extLst>
+          </p:cNvPr>
+          <p:cNvCxnSpPr>
+            <a:cxnSpLocks/>
+            <a:stCxn id="5" idx="2"/>
+            <a:endCxn id="7" idx="7"/>
+          </p:cNvCxnSpPr>
+          <p:nvPr/>
+        </p:nvCxnSpPr>
+        <p:spPr>
+          <a:xfrm flipH="1">
+            <a:off x="2226404" y="1805526"/>
+            <a:ext cx="3069497" cy="1240762"/>
+          </a:xfrm>
+          <a:prstGeom prst="straightConnector1">
+            <a:avLst/>
+          </a:prstGeom>
+          <a:ln>
+            <a:solidFill>
+              <a:schemeClr val="bg1">
+                <a:lumMod val="50000"/>
+              </a:schemeClr>
+            </a:solidFill>
+            <a:tailEnd type="triangle"/>
+          </a:ln>
+        </p:spPr>
+        <p:style>
+          <a:lnRef idx="1">
+            <a:schemeClr val="accent1"/>
+          </a:lnRef>
+          <a:fillRef idx="0">
+            <a:schemeClr val="accent1"/>
+          </a:fillRef>
+          <a:effectRef idx="0">
+            <a:schemeClr val="accent1"/>
+          </a:effectRef>
+          <a:fontRef idx="minor">
+            <a:schemeClr val="tx1"/>
+          </a:fontRef>
+        </p:style>
+      </p:cxnSp>
+      <p:sp>
+        <p:nvSpPr>
+          <p:cNvPr id="21" name="ひし形 20">
+            <a:extLst>
+              <a:ext uri="{FF2B5EF4-FFF2-40B4-BE49-F238E27FC236}">
+                <a16:creationId xmlns:a16="http://schemas.microsoft.com/office/drawing/2014/main" id="{BE810DBC-6D6B-ABA3-02CA-9FBEBF1C7FA7}"/>
+              </a:ext>
+            </a:extLst>
+          </p:cNvPr>
+          <p:cNvSpPr/>
+          <p:nvPr/>
+        </p:nvSpPr>
+        <p:spPr>
+          <a:xfrm>
+            <a:off x="4691743" y="2844848"/>
+            <a:ext cx="1208315" cy="623647"/>
+          </a:xfrm>
+          <a:prstGeom prst="diamond">
             <a:avLst/>
           </a:prstGeom>
           <a:noFill/>
-        </p:spPr>
-        <p:txBody>
-          <a:bodyPr wrap="none" rtlCol="0">
-            <a:spAutoFit/>
-          </a:bodyPr>
-          <a:lstStyle/>
-          <a:p>
-            <a:r>
-              <a:rPr kumimoji="1" lang="ja-JP" altLang="en-US"/>
-              <a:t>住友生命</a:t>
-            </a:r>
-          </a:p>
-        </p:txBody>
-      </p:sp>
-      <p:sp>
-        <p:nvSpPr>
-          <p:cNvPr id="12" name="正方形/長方形 11">
-            <a:extLst>
-              <a:ext uri="{FF2B5EF4-FFF2-40B4-BE49-F238E27FC236}">
-                <a16:creationId xmlns:a16="http://schemas.microsoft.com/office/drawing/2014/main" id="{C22198C8-471E-D71B-03E4-1594F24A5277}"/>
-              </a:ext>
-            </a:extLst>
-          </p:cNvPr>
-          <p:cNvSpPr/>
-          <p:nvPr/>
-        </p:nvSpPr>
-        <p:spPr>
-          <a:xfrm>
-            <a:off x="2133494" y="984194"/>
-            <a:ext cx="1861168" cy="534074"/>
-          </a:xfrm>
-          <a:prstGeom prst="rect">
-            <a:avLst/>
-          </a:prstGeom>
+          <a:ln w="25400">
+            <a:solidFill>
+              <a:schemeClr val="bg1">
+                <a:lumMod val="50000"/>
+              </a:schemeClr>
+            </a:solidFill>
+          </a:ln>
         </p:spPr>
         <p:style>
           <a:lnRef idx="2">
@@ -3958,19 +4020,64 @@
           <a:lstStyle/>
           <a:p>
             <a:pPr algn="ctr"/>
-            <a:r>
-              <a:rPr kumimoji="1" lang="ja-JP" altLang="en-US"/>
-              <a:t>単独</a:t>
-            </a:r>
-          </a:p>
-        </p:txBody>
-      </p:sp>
-      <p:sp>
-        <p:nvSpPr>
-          <p:cNvPr id="13" name="正方形/長方形 12">
-            <a:extLst>
-              <a:ext uri="{FF2B5EF4-FFF2-40B4-BE49-F238E27FC236}">
-                <a16:creationId xmlns:a16="http://schemas.microsoft.com/office/drawing/2014/main" id="{15CB8E44-1CD8-5DCC-F8E5-18CDFB556C68}"/>
+            <a:endParaRPr kumimoji="1" lang="ja-JP" altLang="en-US"/>
+          </a:p>
+        </p:txBody>
+      </p:sp>
+      <p:cxnSp>
+        <p:nvCxnSpPr>
+          <p:cNvPr id="22" name="直線矢印コネクタ 21">
+            <a:extLst>
+              <a:ext uri="{FF2B5EF4-FFF2-40B4-BE49-F238E27FC236}">
+                <a16:creationId xmlns:a16="http://schemas.microsoft.com/office/drawing/2014/main" id="{A41915D4-87F6-2948-9748-C5E9360E96D3}"/>
+              </a:ext>
+            </a:extLst>
+          </p:cNvPr>
+          <p:cNvCxnSpPr>
+            <a:cxnSpLocks/>
+            <a:stCxn id="7" idx="6"/>
+            <a:endCxn id="21" idx="1"/>
+          </p:cNvCxnSpPr>
+          <p:nvPr/>
+        </p:nvCxnSpPr>
+        <p:spPr>
+          <a:xfrm>
+            <a:off x="2275115" y="3156672"/>
+            <a:ext cx="2416628" cy="0"/>
+          </a:xfrm>
+          <a:prstGeom prst="straightConnector1">
+            <a:avLst/>
+          </a:prstGeom>
+          <a:ln>
+            <a:solidFill>
+              <a:schemeClr val="bg1">
+                <a:lumMod val="50000"/>
+              </a:schemeClr>
+            </a:solidFill>
+            <a:tailEnd type="triangle"/>
+          </a:ln>
+        </p:spPr>
+        <p:style>
+          <a:lnRef idx="1">
+            <a:schemeClr val="accent1"/>
+          </a:lnRef>
+          <a:fillRef idx="0">
+            <a:schemeClr val="accent1"/>
+          </a:fillRef>
+          <a:effectRef idx="0">
+            <a:schemeClr val="accent1"/>
+          </a:effectRef>
+          <a:fontRef idx="minor">
+            <a:schemeClr val="tx1"/>
+          </a:fontRef>
+        </p:style>
+      </p:cxnSp>
+      <p:sp>
+        <p:nvSpPr>
+          <p:cNvPr id="26" name="円/楕円 25">
+            <a:extLst>
+              <a:ext uri="{FF2B5EF4-FFF2-40B4-BE49-F238E27FC236}">
+                <a16:creationId xmlns:a16="http://schemas.microsoft.com/office/drawing/2014/main" id="{D0F6DB13-9012-CE67-B45A-047C69FE001C}"/>
               </a:ext>
             </a:extLst>
           </p:cNvPr>
@@ -3979,12 +4086,20 @@
         </p:nvSpPr>
         <p:spPr>
           <a:xfrm>
-            <a:off x="8134401" y="1036073"/>
-            <a:ext cx="1861168" cy="534074"/>
-          </a:xfrm>
-          <a:prstGeom prst="rect">
+            <a:off x="8150375" y="3000565"/>
+            <a:ext cx="332621" cy="312212"/>
+          </a:xfrm>
+          <a:prstGeom prst="ellipse">
             <a:avLst/>
           </a:prstGeom>
+          <a:noFill/>
+          <a:ln w="25400">
+            <a:solidFill>
+              <a:schemeClr val="bg1">
+                <a:lumMod val="50000"/>
+              </a:schemeClr>
+            </a:solidFill>
+          </a:ln>
         </p:spPr>
         <p:style>
           <a:lnRef idx="2">
@@ -4007,36 +4122,630 @@
           <a:lstStyle/>
           <a:p>
             <a:pPr algn="ctr"/>
-            <a:r>
-              <a:rPr kumimoji="1" lang="ja-JP" altLang="en-US"/>
-              <a:t>連結</a:t>
-            </a:r>
-          </a:p>
-        </p:txBody>
-      </p:sp>
-      <p:sp>
-        <p:nvSpPr>
-          <p:cNvPr id="14" name="正方形/長方形 13">
-            <a:extLst>
-              <a:ext uri="{FF2B5EF4-FFF2-40B4-BE49-F238E27FC236}">
-                <a16:creationId xmlns:a16="http://schemas.microsoft.com/office/drawing/2014/main" id="{8B046392-9EE9-E028-6595-576AD24A6C09}"/>
-              </a:ext>
-            </a:extLst>
-          </p:cNvPr>
-          <p:cNvSpPr/>
+            <a:endParaRPr kumimoji="1" lang="ja-JP" altLang="en-US"/>
+          </a:p>
+        </p:txBody>
+      </p:sp>
+      <p:cxnSp>
+        <p:nvCxnSpPr>
+          <p:cNvPr id="27" name="直線矢印コネクタ 26">
+            <a:extLst>
+              <a:ext uri="{FF2B5EF4-FFF2-40B4-BE49-F238E27FC236}">
+                <a16:creationId xmlns:a16="http://schemas.microsoft.com/office/drawing/2014/main" id="{3375368F-E81B-09B3-2285-5087C7CC184E}"/>
+              </a:ext>
+            </a:extLst>
+          </p:cNvPr>
+          <p:cNvCxnSpPr>
+            <a:cxnSpLocks/>
+          </p:cNvCxnSpPr>
           <p:nvPr/>
-        </p:nvSpPr>
-        <p:spPr>
-          <a:xfrm>
-            <a:off x="4809200" y="4553569"/>
-            <a:ext cx="3325201" cy="792479"/>
+        </p:nvCxnSpPr>
+        <p:spPr>
+          <a:xfrm flipV="1">
+            <a:off x="5900058" y="3150468"/>
+            <a:ext cx="2250317" cy="1"/>
+          </a:xfrm>
+          <a:prstGeom prst="straightConnector1">
+            <a:avLst/>
+          </a:prstGeom>
+          <a:ln>
+            <a:solidFill>
+              <a:schemeClr val="bg1">
+                <a:lumMod val="50000"/>
+              </a:schemeClr>
+            </a:solidFill>
+            <a:tailEnd type="triangle"/>
+          </a:ln>
+        </p:spPr>
+        <p:style>
+          <a:lnRef idx="1">
+            <a:schemeClr val="accent1"/>
+          </a:lnRef>
+          <a:fillRef idx="0">
+            <a:schemeClr val="accent1"/>
+          </a:fillRef>
+          <a:effectRef idx="0">
+            <a:schemeClr val="accent1"/>
+          </a:effectRef>
+          <a:fontRef idx="minor">
+            <a:schemeClr val="tx1"/>
+          </a:fontRef>
+        </p:style>
+      </p:cxnSp>
+      <p:sp>
+        <p:nvSpPr>
+          <p:cNvPr id="28" name="テキスト ボックス 27">
+            <a:extLst>
+              <a:ext uri="{FF2B5EF4-FFF2-40B4-BE49-F238E27FC236}">
+                <a16:creationId xmlns:a16="http://schemas.microsoft.com/office/drawing/2014/main" id="{897C8C1D-B489-504B-BB8A-90A844425A37}"/>
+              </a:ext>
+            </a:extLst>
+          </p:cNvPr>
+          <p:cNvSpPr txBox="1"/>
+          <p:nvPr/>
+        </p:nvSpPr>
+        <p:spPr>
+          <a:xfrm>
+            <a:off x="6670190" y="1118176"/>
+            <a:ext cx="543739" cy="369332"/>
           </a:xfrm>
           <a:prstGeom prst="rect">
             <a:avLst/>
           </a:prstGeom>
-          <a:solidFill>
-            <a:srgbClr val="FFFF00"/>
-          </a:solidFill>
+          <a:noFill/>
+        </p:spPr>
+        <p:txBody>
+          <a:bodyPr wrap="none" rtlCol="0">
+            <a:spAutoFit/>
+          </a:bodyPr>
+          <a:lstStyle/>
+          <a:p>
+            <a:r>
+              <a:rPr kumimoji="1" lang="en-US" altLang="ja-JP" dirty="0"/>
+              <a:t>yes</a:t>
+            </a:r>
+            <a:endParaRPr kumimoji="1" lang="ja-JP" altLang="en-US"/>
+          </a:p>
+        </p:txBody>
+      </p:sp>
+      <p:sp>
+        <p:nvSpPr>
+          <p:cNvPr id="29" name="テキスト ボックス 28">
+            <a:extLst>
+              <a:ext uri="{FF2B5EF4-FFF2-40B4-BE49-F238E27FC236}">
+                <a16:creationId xmlns:a16="http://schemas.microsoft.com/office/drawing/2014/main" id="{4AA94DF6-1296-63EB-7005-B086D5611173}"/>
+              </a:ext>
+            </a:extLst>
+          </p:cNvPr>
+          <p:cNvSpPr txBox="1"/>
+          <p:nvPr/>
+        </p:nvSpPr>
+        <p:spPr>
+          <a:xfrm>
+            <a:off x="3280796" y="2117350"/>
+            <a:ext cx="449162" cy="369332"/>
+          </a:xfrm>
+          <a:prstGeom prst="rect">
+            <a:avLst/>
+          </a:prstGeom>
+          <a:noFill/>
+        </p:spPr>
+        <p:txBody>
+          <a:bodyPr wrap="none" rtlCol="0">
+            <a:spAutoFit/>
+          </a:bodyPr>
+          <a:lstStyle/>
+          <a:p>
+            <a:r>
+              <a:rPr kumimoji="1" lang="en-US" altLang="ja-JP" dirty="0"/>
+              <a:t>no</a:t>
+            </a:r>
+            <a:endParaRPr kumimoji="1" lang="ja-JP" altLang="en-US"/>
+          </a:p>
+        </p:txBody>
+      </p:sp>
+      <p:sp>
+        <p:nvSpPr>
+          <p:cNvPr id="30" name="テキスト ボックス 29">
+            <a:extLst>
+              <a:ext uri="{FF2B5EF4-FFF2-40B4-BE49-F238E27FC236}">
+                <a16:creationId xmlns:a16="http://schemas.microsoft.com/office/drawing/2014/main" id="{F365B377-AC9D-9B55-CAE1-8948345DD438}"/>
+              </a:ext>
+            </a:extLst>
+          </p:cNvPr>
+          <p:cNvSpPr txBox="1"/>
+          <p:nvPr/>
+        </p:nvSpPr>
+        <p:spPr>
+          <a:xfrm>
+            <a:off x="6670190" y="2815899"/>
+            <a:ext cx="543739" cy="369332"/>
+          </a:xfrm>
+          <a:prstGeom prst="rect">
+            <a:avLst/>
+          </a:prstGeom>
+          <a:noFill/>
+        </p:spPr>
+        <p:txBody>
+          <a:bodyPr wrap="none" rtlCol="0">
+            <a:spAutoFit/>
+          </a:bodyPr>
+          <a:lstStyle/>
+          <a:p>
+            <a:r>
+              <a:rPr kumimoji="1" lang="en-US" altLang="ja-JP" dirty="0"/>
+              <a:t>yes</a:t>
+            </a:r>
+            <a:endParaRPr kumimoji="1" lang="ja-JP" altLang="en-US"/>
+          </a:p>
+        </p:txBody>
+      </p:sp>
+      <p:sp>
+        <p:nvSpPr>
+          <p:cNvPr id="31" name="テキスト ボックス 30">
+            <a:extLst>
+              <a:ext uri="{FF2B5EF4-FFF2-40B4-BE49-F238E27FC236}">
+                <a16:creationId xmlns:a16="http://schemas.microsoft.com/office/drawing/2014/main" id="{1FA9F018-B2B6-34FF-C8B6-7EC54DE5BF4B}"/>
+              </a:ext>
+            </a:extLst>
+          </p:cNvPr>
+          <p:cNvSpPr txBox="1"/>
+          <p:nvPr/>
+        </p:nvSpPr>
+        <p:spPr>
+          <a:xfrm>
+            <a:off x="1333429" y="1706928"/>
+            <a:ext cx="1569660" cy="369332"/>
+          </a:xfrm>
+          <a:prstGeom prst="rect">
+            <a:avLst/>
+          </a:prstGeom>
+          <a:noFill/>
+        </p:spPr>
+        <p:txBody>
+          <a:bodyPr wrap="none" rtlCol="0">
+            <a:spAutoFit/>
+          </a:bodyPr>
+          <a:lstStyle/>
+          <a:p>
+            <a:pPr algn="ctr"/>
+            <a:r>
+              <a:rPr kumimoji="1" lang="ja-JP" altLang="en-US"/>
+              <a:t>チャンク検索</a:t>
+            </a:r>
+          </a:p>
+        </p:txBody>
+      </p:sp>
+      <p:cxnSp>
+        <p:nvCxnSpPr>
+          <p:cNvPr id="32" name="直線矢印コネクタ 31">
+            <a:extLst>
+              <a:ext uri="{FF2B5EF4-FFF2-40B4-BE49-F238E27FC236}">
+                <a16:creationId xmlns:a16="http://schemas.microsoft.com/office/drawing/2014/main" id="{EB23F3E5-A7C9-7C16-95A9-D7A7AD51D9C5}"/>
+              </a:ext>
+            </a:extLst>
+          </p:cNvPr>
+          <p:cNvCxnSpPr>
+            <a:cxnSpLocks/>
+            <a:endCxn id="4" idx="0"/>
+          </p:cNvCxnSpPr>
+          <p:nvPr/>
+        </p:nvCxnSpPr>
+        <p:spPr>
+          <a:xfrm>
+            <a:off x="2108804" y="903515"/>
+            <a:ext cx="1" cy="434081"/>
+          </a:xfrm>
+          <a:prstGeom prst="straightConnector1">
+            <a:avLst/>
+          </a:prstGeom>
+          <a:ln>
+            <a:solidFill>
+              <a:schemeClr val="bg1">
+                <a:lumMod val="50000"/>
+              </a:schemeClr>
+            </a:solidFill>
+            <a:tailEnd type="triangle"/>
+          </a:ln>
+        </p:spPr>
+        <p:style>
+          <a:lnRef idx="1">
+            <a:schemeClr val="accent1"/>
+          </a:lnRef>
+          <a:fillRef idx="0">
+            <a:schemeClr val="accent1"/>
+          </a:fillRef>
+          <a:effectRef idx="0">
+            <a:schemeClr val="accent1"/>
+          </a:effectRef>
+          <a:fontRef idx="minor">
+            <a:schemeClr val="tx1"/>
+          </a:fontRef>
+        </p:style>
+      </p:cxnSp>
+      <p:sp>
+        <p:nvSpPr>
+          <p:cNvPr id="35" name="テキスト ボックス 34">
+            <a:extLst>
+              <a:ext uri="{FF2B5EF4-FFF2-40B4-BE49-F238E27FC236}">
+                <a16:creationId xmlns:a16="http://schemas.microsoft.com/office/drawing/2014/main" id="{42FB52C0-9798-1B63-2535-35A95A37D908}"/>
+              </a:ext>
+            </a:extLst>
+          </p:cNvPr>
+          <p:cNvSpPr txBox="1"/>
+          <p:nvPr/>
+        </p:nvSpPr>
+        <p:spPr>
+          <a:xfrm>
+            <a:off x="1643610" y="534183"/>
+            <a:ext cx="949299" cy="369332"/>
+          </a:xfrm>
+          <a:prstGeom prst="rect">
+            <a:avLst/>
+          </a:prstGeom>
+          <a:noFill/>
+        </p:spPr>
+        <p:txBody>
+          <a:bodyPr wrap="none" rtlCol="0">
+            <a:spAutoFit/>
+          </a:bodyPr>
+          <a:lstStyle/>
+          <a:p>
+            <a:r>
+              <a:rPr kumimoji="1" lang="en-US" altLang="ja-JP" dirty="0"/>
+              <a:t>ENTRY</a:t>
+            </a:r>
+            <a:endParaRPr kumimoji="1" lang="ja-JP" altLang="en-US"/>
+          </a:p>
+        </p:txBody>
+      </p:sp>
+      <p:sp>
+        <p:nvSpPr>
+          <p:cNvPr id="36" name="テキスト ボックス 35">
+            <a:extLst>
+              <a:ext uri="{FF2B5EF4-FFF2-40B4-BE49-F238E27FC236}">
+                <a16:creationId xmlns:a16="http://schemas.microsoft.com/office/drawing/2014/main" id="{86E8837C-7793-A112-A8E4-BB5EC2A62ED7}"/>
+              </a:ext>
+            </a:extLst>
+          </p:cNvPr>
+          <p:cNvSpPr txBox="1"/>
+          <p:nvPr/>
+        </p:nvSpPr>
+        <p:spPr>
+          <a:xfrm>
+            <a:off x="9602713" y="1309036"/>
+            <a:ext cx="671979" cy="369332"/>
+          </a:xfrm>
+          <a:prstGeom prst="rect">
+            <a:avLst/>
+          </a:prstGeom>
+          <a:noFill/>
+        </p:spPr>
+        <p:txBody>
+          <a:bodyPr wrap="none" rtlCol="0">
+            <a:spAutoFit/>
+          </a:bodyPr>
+          <a:lstStyle/>
+          <a:p>
+            <a:r>
+              <a:rPr kumimoji="1" lang="en-US" altLang="ja-JP" dirty="0"/>
+              <a:t>END</a:t>
+            </a:r>
+            <a:endParaRPr kumimoji="1" lang="ja-JP" altLang="en-US"/>
+          </a:p>
+        </p:txBody>
+      </p:sp>
+      <p:sp>
+        <p:nvSpPr>
+          <p:cNvPr id="39" name="テキスト ボックス 38">
+            <a:extLst>
+              <a:ext uri="{FF2B5EF4-FFF2-40B4-BE49-F238E27FC236}">
+                <a16:creationId xmlns:a16="http://schemas.microsoft.com/office/drawing/2014/main" id="{E2121F1A-A4D7-E536-C853-EB1513E27F25}"/>
+              </a:ext>
+            </a:extLst>
+          </p:cNvPr>
+          <p:cNvSpPr txBox="1"/>
+          <p:nvPr/>
+        </p:nvSpPr>
+        <p:spPr>
+          <a:xfrm>
+            <a:off x="7762692" y="1706928"/>
+            <a:ext cx="1107996" cy="369332"/>
+          </a:xfrm>
+          <a:prstGeom prst="rect">
+            <a:avLst/>
+          </a:prstGeom>
+          <a:noFill/>
+        </p:spPr>
+        <p:txBody>
+          <a:bodyPr wrap="none" rtlCol="0">
+            <a:spAutoFit/>
+          </a:bodyPr>
+          <a:lstStyle/>
+          <a:p>
+            <a:pPr algn="ctr"/>
+            <a:r>
+              <a:rPr kumimoji="1" lang="ja-JP" altLang="en-US"/>
+              <a:t>数値抽出</a:t>
+            </a:r>
+          </a:p>
+        </p:txBody>
+      </p:sp>
+      <p:sp>
+        <p:nvSpPr>
+          <p:cNvPr id="40" name="テキスト ボックス 39">
+            <a:extLst>
+              <a:ext uri="{FF2B5EF4-FFF2-40B4-BE49-F238E27FC236}">
+                <a16:creationId xmlns:a16="http://schemas.microsoft.com/office/drawing/2014/main" id="{34C6DC8F-8159-8967-85EF-D065C9016B41}"/>
+              </a:ext>
+            </a:extLst>
+          </p:cNvPr>
+          <p:cNvSpPr txBox="1"/>
+          <p:nvPr/>
+        </p:nvSpPr>
+        <p:spPr>
+          <a:xfrm>
+            <a:off x="7762692" y="3400449"/>
+            <a:ext cx="1107996" cy="369332"/>
+          </a:xfrm>
+          <a:prstGeom prst="rect">
+            <a:avLst/>
+          </a:prstGeom>
+          <a:noFill/>
+        </p:spPr>
+        <p:txBody>
+          <a:bodyPr wrap="none" rtlCol="0">
+            <a:spAutoFit/>
+          </a:bodyPr>
+          <a:lstStyle/>
+          <a:p>
+            <a:pPr algn="ctr"/>
+            <a:r>
+              <a:rPr kumimoji="1" lang="ja-JP" altLang="en-US"/>
+              <a:t>数値抽出</a:t>
+            </a:r>
+          </a:p>
+        </p:txBody>
+      </p:sp>
+      <p:sp>
+        <p:nvSpPr>
+          <p:cNvPr id="41" name="テキスト ボックス 40">
+            <a:extLst>
+              <a:ext uri="{FF2B5EF4-FFF2-40B4-BE49-F238E27FC236}">
+                <a16:creationId xmlns:a16="http://schemas.microsoft.com/office/drawing/2014/main" id="{4078F7A0-7BB5-231D-BA70-0F6BF5C274FF}"/>
+              </a:ext>
+            </a:extLst>
+          </p:cNvPr>
+          <p:cNvSpPr txBox="1"/>
+          <p:nvPr/>
+        </p:nvSpPr>
+        <p:spPr>
+          <a:xfrm>
+            <a:off x="1333429" y="3390948"/>
+            <a:ext cx="1569660" cy="369332"/>
+          </a:xfrm>
+          <a:prstGeom prst="rect">
+            <a:avLst/>
+          </a:prstGeom>
+          <a:noFill/>
+        </p:spPr>
+        <p:txBody>
+          <a:bodyPr wrap="none" rtlCol="0">
+            <a:spAutoFit/>
+          </a:bodyPr>
+          <a:lstStyle/>
+          <a:p>
+            <a:pPr algn="ctr"/>
+            <a:r>
+              <a:rPr kumimoji="1" lang="ja-JP" altLang="en-US"/>
+              <a:t>テーブル取得</a:t>
+            </a:r>
+          </a:p>
+        </p:txBody>
+      </p:sp>
+      <p:cxnSp>
+        <p:nvCxnSpPr>
+          <p:cNvPr id="42" name="直線矢印コネクタ 41">
+            <a:extLst>
+              <a:ext uri="{FF2B5EF4-FFF2-40B4-BE49-F238E27FC236}">
+                <a16:creationId xmlns:a16="http://schemas.microsoft.com/office/drawing/2014/main" id="{639C5589-53A1-A582-B9C1-6C0C0B8C46DD}"/>
+              </a:ext>
+            </a:extLst>
+          </p:cNvPr>
+          <p:cNvCxnSpPr>
+            <a:cxnSpLocks/>
+          </p:cNvCxnSpPr>
+          <p:nvPr/>
+        </p:nvCxnSpPr>
+        <p:spPr>
+          <a:xfrm>
+            <a:off x="8482996" y="1489244"/>
+            <a:ext cx="1119717" cy="0"/>
+          </a:xfrm>
+          <a:prstGeom prst="straightConnector1">
+            <a:avLst/>
+          </a:prstGeom>
+          <a:ln>
+            <a:solidFill>
+              <a:schemeClr val="bg1">
+                <a:lumMod val="50000"/>
+              </a:schemeClr>
+            </a:solidFill>
+            <a:tailEnd type="triangle"/>
+          </a:ln>
+        </p:spPr>
+        <p:style>
+          <a:lnRef idx="1">
+            <a:schemeClr val="accent1"/>
+          </a:lnRef>
+          <a:fillRef idx="0">
+            <a:schemeClr val="accent1"/>
+          </a:fillRef>
+          <a:effectRef idx="0">
+            <a:schemeClr val="accent1"/>
+          </a:effectRef>
+          <a:fontRef idx="minor">
+            <a:schemeClr val="tx1"/>
+          </a:fontRef>
+        </p:style>
+      </p:cxnSp>
+      <p:sp>
+        <p:nvSpPr>
+          <p:cNvPr id="48" name="テキスト ボックス 47">
+            <a:extLst>
+              <a:ext uri="{FF2B5EF4-FFF2-40B4-BE49-F238E27FC236}">
+                <a16:creationId xmlns:a16="http://schemas.microsoft.com/office/drawing/2014/main" id="{0EB5C23A-F1DA-ECDA-ED13-E6BF4A55E8B9}"/>
+              </a:ext>
+            </a:extLst>
+          </p:cNvPr>
+          <p:cNvSpPr txBox="1"/>
+          <p:nvPr/>
+        </p:nvSpPr>
+        <p:spPr>
+          <a:xfrm>
+            <a:off x="9602713" y="2970260"/>
+            <a:ext cx="671979" cy="369332"/>
+          </a:xfrm>
+          <a:prstGeom prst="rect">
+            <a:avLst/>
+          </a:prstGeom>
+          <a:noFill/>
+        </p:spPr>
+        <p:txBody>
+          <a:bodyPr wrap="none" rtlCol="0">
+            <a:spAutoFit/>
+          </a:bodyPr>
+          <a:lstStyle/>
+          <a:p>
+            <a:r>
+              <a:rPr kumimoji="1" lang="en-US" altLang="ja-JP" dirty="0"/>
+              <a:t>END</a:t>
+            </a:r>
+            <a:endParaRPr kumimoji="1" lang="ja-JP" altLang="en-US"/>
+          </a:p>
+        </p:txBody>
+      </p:sp>
+      <p:cxnSp>
+        <p:nvCxnSpPr>
+          <p:cNvPr id="49" name="直線矢印コネクタ 48">
+            <a:extLst>
+              <a:ext uri="{FF2B5EF4-FFF2-40B4-BE49-F238E27FC236}">
+                <a16:creationId xmlns:a16="http://schemas.microsoft.com/office/drawing/2014/main" id="{03CC89A0-ED79-B276-0A3C-A395EB2608DB}"/>
+              </a:ext>
+            </a:extLst>
+          </p:cNvPr>
+          <p:cNvCxnSpPr>
+            <a:cxnSpLocks/>
+          </p:cNvCxnSpPr>
+          <p:nvPr/>
+        </p:nvCxnSpPr>
+        <p:spPr>
+          <a:xfrm>
+            <a:off x="8482996" y="3150468"/>
+            <a:ext cx="1119717" cy="0"/>
+          </a:xfrm>
+          <a:prstGeom prst="straightConnector1">
+            <a:avLst/>
+          </a:prstGeom>
+          <a:ln>
+            <a:solidFill>
+              <a:schemeClr val="bg1">
+                <a:lumMod val="50000"/>
+              </a:schemeClr>
+            </a:solidFill>
+            <a:tailEnd type="triangle"/>
+          </a:ln>
+        </p:spPr>
+        <p:style>
+          <a:lnRef idx="1">
+            <a:schemeClr val="accent1"/>
+          </a:lnRef>
+          <a:fillRef idx="0">
+            <a:schemeClr val="accent1"/>
+          </a:fillRef>
+          <a:effectRef idx="0">
+            <a:schemeClr val="accent1"/>
+          </a:effectRef>
+          <a:fontRef idx="minor">
+            <a:schemeClr val="tx1"/>
+          </a:fontRef>
+        </p:style>
+      </p:cxnSp>
+      <p:cxnSp>
+        <p:nvCxnSpPr>
+          <p:cNvPr id="50" name="直線矢印コネクタ 49">
+            <a:extLst>
+              <a:ext uri="{FF2B5EF4-FFF2-40B4-BE49-F238E27FC236}">
+                <a16:creationId xmlns:a16="http://schemas.microsoft.com/office/drawing/2014/main" id="{09CB5FFF-5E3B-4B9A-14F7-21B2C096ACB4}"/>
+              </a:ext>
+            </a:extLst>
+          </p:cNvPr>
+          <p:cNvCxnSpPr>
+            <a:cxnSpLocks/>
+            <a:endCxn id="53" idx="7"/>
+          </p:cNvCxnSpPr>
+          <p:nvPr/>
+        </p:nvCxnSpPr>
+        <p:spPr>
+          <a:xfrm flipH="1">
+            <a:off x="2226404" y="3465229"/>
+            <a:ext cx="3069497" cy="1231722"/>
+          </a:xfrm>
+          <a:prstGeom prst="straightConnector1">
+            <a:avLst/>
+          </a:prstGeom>
+          <a:ln>
+            <a:solidFill>
+              <a:schemeClr val="bg1">
+                <a:lumMod val="50000"/>
+              </a:schemeClr>
+            </a:solidFill>
+            <a:tailEnd type="triangle"/>
+          </a:ln>
+        </p:spPr>
+        <p:style>
+          <a:lnRef idx="1">
+            <a:schemeClr val="accent1"/>
+          </a:lnRef>
+          <a:fillRef idx="0">
+            <a:schemeClr val="accent1"/>
+          </a:fillRef>
+          <a:effectRef idx="0">
+            <a:schemeClr val="accent1"/>
+          </a:effectRef>
+          <a:fontRef idx="minor">
+            <a:schemeClr val="tx1"/>
+          </a:fontRef>
+        </p:style>
+      </p:cxnSp>
+      <p:sp>
+        <p:nvSpPr>
+          <p:cNvPr id="53" name="円/楕円 52">
+            <a:extLst>
+              <a:ext uri="{FF2B5EF4-FFF2-40B4-BE49-F238E27FC236}">
+                <a16:creationId xmlns:a16="http://schemas.microsoft.com/office/drawing/2014/main" id="{FC85C6D7-19AB-3600-C51C-CAF5C239527C}"/>
+              </a:ext>
+            </a:extLst>
+          </p:cNvPr>
+          <p:cNvSpPr/>
+          <p:nvPr/>
+        </p:nvSpPr>
+        <p:spPr>
+          <a:xfrm>
+            <a:off x="1942494" y="4651229"/>
+            <a:ext cx="332621" cy="312212"/>
+          </a:xfrm>
+          <a:prstGeom prst="ellipse">
+            <a:avLst/>
+          </a:prstGeom>
+          <a:noFill/>
+          <a:ln w="25400">
+            <a:solidFill>
+              <a:schemeClr val="bg1">
+                <a:lumMod val="50000"/>
+              </a:schemeClr>
+            </a:solidFill>
+          </a:ln>
         </p:spPr>
         <p:style>
           <a:lnRef idx="2">
@@ -4058,68 +4767,666 @@
           <a:bodyPr rtlCol="0" anchor="ctr"/>
           <a:lstStyle/>
           <a:p>
-            <a:pPr marL="285750" indent="-285750">
-              <a:buFont typeface="Arial" panose="020B0604020202020204" pitchFamily="34" charset="0"/>
-              <a:buChar char="•"/>
-            </a:pPr>
-            <a:r>
-              <a:rPr kumimoji="1" lang="en-US" altLang="ja-JP" dirty="0">
-                <a:solidFill>
-                  <a:schemeClr val="tx1"/>
-                </a:solidFill>
-              </a:rPr>
-              <a:t>Top3</a:t>
-            </a:r>
-            <a:r>
-              <a:rPr kumimoji="1" lang="ja-JP" altLang="en-US">
-                <a:solidFill>
-                  <a:schemeClr val="tx1"/>
-                </a:solidFill>
-              </a:rPr>
-              <a:t>は</a:t>
-            </a:r>
-            <a:r>
-              <a:rPr kumimoji="1" lang="en-US" altLang="ja-JP" dirty="0">
-                <a:solidFill>
-                  <a:schemeClr val="tx1"/>
-                </a:solidFill>
-              </a:rPr>
-              <a:t> p.37, 38, 41</a:t>
-            </a:r>
-          </a:p>
-          <a:p>
-            <a:pPr marL="285750" indent="-285750">
-              <a:buFont typeface="Arial" panose="020B0604020202020204" pitchFamily="34" charset="0"/>
-              <a:buChar char="•"/>
-            </a:pPr>
-            <a:r>
-              <a:rPr lang="ja-JP" altLang="en-US">
-                <a:solidFill>
-                  <a:schemeClr val="tx1"/>
-                </a:solidFill>
-              </a:rPr>
-              <a:t>図中の表は</a:t>
-            </a:r>
-            <a:r>
-              <a:rPr lang="en-US" altLang="ja-JP" dirty="0">
-                <a:solidFill>
-                  <a:schemeClr val="tx1"/>
-                </a:solidFill>
-              </a:rPr>
-              <a:t> p.21 </a:t>
-            </a:r>
-            <a:endParaRPr kumimoji="1" lang="ja-JP" altLang="en-US">
-              <a:solidFill>
-                <a:schemeClr val="tx1"/>
-              </a:solidFill>
-            </a:endParaRPr>
-          </a:p>
-        </p:txBody>
-      </p:sp>
+            <a:pPr algn="ctr"/>
+            <a:endParaRPr kumimoji="1" lang="ja-JP" altLang="en-US"/>
+          </a:p>
+        </p:txBody>
+      </p:sp>
+      <p:sp>
+        <p:nvSpPr>
+          <p:cNvPr id="55" name="テキスト ボックス 54">
+            <a:extLst>
+              <a:ext uri="{FF2B5EF4-FFF2-40B4-BE49-F238E27FC236}">
+                <a16:creationId xmlns:a16="http://schemas.microsoft.com/office/drawing/2014/main" id="{417F35BF-17F0-2A4F-AB30-11E189738256}"/>
+              </a:ext>
+            </a:extLst>
+          </p:cNvPr>
+          <p:cNvSpPr txBox="1"/>
+          <p:nvPr/>
+        </p:nvSpPr>
+        <p:spPr>
+          <a:xfrm>
+            <a:off x="3348254" y="3711758"/>
+            <a:ext cx="449162" cy="369332"/>
+          </a:xfrm>
+          <a:prstGeom prst="rect">
+            <a:avLst/>
+          </a:prstGeom>
+          <a:noFill/>
+        </p:spPr>
+        <p:txBody>
+          <a:bodyPr wrap="none" rtlCol="0">
+            <a:spAutoFit/>
+          </a:bodyPr>
+          <a:lstStyle/>
+          <a:p>
+            <a:r>
+              <a:rPr kumimoji="1" lang="en-US" altLang="ja-JP" dirty="0"/>
+              <a:t>no</a:t>
+            </a:r>
+            <a:endParaRPr kumimoji="1" lang="ja-JP" altLang="en-US"/>
+          </a:p>
+        </p:txBody>
+      </p:sp>
+      <p:sp>
+        <p:nvSpPr>
+          <p:cNvPr id="56" name="テキスト ボックス 55">
+            <a:extLst>
+              <a:ext uri="{FF2B5EF4-FFF2-40B4-BE49-F238E27FC236}">
+                <a16:creationId xmlns:a16="http://schemas.microsoft.com/office/drawing/2014/main" id="{320CE5E4-22F2-B3EA-1240-27E0E99B8C18}"/>
+              </a:ext>
+            </a:extLst>
+          </p:cNvPr>
+          <p:cNvSpPr txBox="1"/>
+          <p:nvPr/>
+        </p:nvSpPr>
+        <p:spPr>
+          <a:xfrm>
+            <a:off x="1802308" y="5014615"/>
+            <a:ext cx="631904" cy="369332"/>
+          </a:xfrm>
+          <a:prstGeom prst="rect">
+            <a:avLst/>
+          </a:prstGeom>
+          <a:noFill/>
+        </p:spPr>
+        <p:txBody>
+          <a:bodyPr wrap="none" rtlCol="0">
+            <a:spAutoFit/>
+          </a:bodyPr>
+          <a:lstStyle/>
+          <a:p>
+            <a:pPr algn="ctr"/>
+            <a:r>
+              <a:rPr kumimoji="1" lang="en-US" altLang="ja-JP" dirty="0"/>
+              <a:t>XXX</a:t>
+            </a:r>
+            <a:endParaRPr kumimoji="1" lang="ja-JP" altLang="en-US"/>
+          </a:p>
+        </p:txBody>
+      </p:sp>
+      <p:sp>
+        <p:nvSpPr>
+          <p:cNvPr id="58" name="ひし形 57">
+            <a:extLst>
+              <a:ext uri="{FF2B5EF4-FFF2-40B4-BE49-F238E27FC236}">
+                <a16:creationId xmlns:a16="http://schemas.microsoft.com/office/drawing/2014/main" id="{A9998EAA-923E-1685-DCBE-F1709994C5C6}"/>
+              </a:ext>
+            </a:extLst>
+          </p:cNvPr>
+          <p:cNvSpPr/>
+          <p:nvPr/>
+        </p:nvSpPr>
+        <p:spPr>
+          <a:xfrm>
+            <a:off x="4691743" y="4492245"/>
+            <a:ext cx="1208315" cy="623647"/>
+          </a:xfrm>
+          <a:prstGeom prst="diamond">
+            <a:avLst/>
+          </a:prstGeom>
+          <a:noFill/>
+          <a:ln w="25400">
+            <a:solidFill>
+              <a:schemeClr val="bg1">
+                <a:lumMod val="50000"/>
+              </a:schemeClr>
+            </a:solidFill>
+          </a:ln>
+        </p:spPr>
+        <p:style>
+          <a:lnRef idx="2">
+            <a:schemeClr val="accent1">
+              <a:shade val="15000"/>
+            </a:schemeClr>
+          </a:lnRef>
+          <a:fillRef idx="1">
+            <a:schemeClr val="accent1"/>
+          </a:fillRef>
+          <a:effectRef idx="0">
+            <a:schemeClr val="accent1"/>
+          </a:effectRef>
+          <a:fontRef idx="minor">
+            <a:schemeClr val="lt1"/>
+          </a:fontRef>
+        </p:style>
+        <p:txBody>
+          <a:bodyPr rtlCol="0" anchor="ctr"/>
+          <a:lstStyle/>
+          <a:p>
+            <a:pPr algn="ctr"/>
+            <a:endParaRPr kumimoji="1" lang="ja-JP" altLang="en-US"/>
+          </a:p>
+        </p:txBody>
+      </p:sp>
+      <p:cxnSp>
+        <p:nvCxnSpPr>
+          <p:cNvPr id="59" name="直線矢印コネクタ 58">
+            <a:extLst>
+              <a:ext uri="{FF2B5EF4-FFF2-40B4-BE49-F238E27FC236}">
+                <a16:creationId xmlns:a16="http://schemas.microsoft.com/office/drawing/2014/main" id="{BCD838AF-51AE-77E3-5A6C-DD8D06EDD067}"/>
+              </a:ext>
+            </a:extLst>
+          </p:cNvPr>
+          <p:cNvCxnSpPr>
+            <a:cxnSpLocks/>
+          </p:cNvCxnSpPr>
+          <p:nvPr/>
+        </p:nvCxnSpPr>
+        <p:spPr>
+          <a:xfrm>
+            <a:off x="2275115" y="4803882"/>
+            <a:ext cx="2416628" cy="0"/>
+          </a:xfrm>
+          <a:prstGeom prst="straightConnector1">
+            <a:avLst/>
+          </a:prstGeom>
+          <a:ln>
+            <a:solidFill>
+              <a:schemeClr val="bg1">
+                <a:lumMod val="50000"/>
+              </a:schemeClr>
+            </a:solidFill>
+            <a:tailEnd type="triangle"/>
+          </a:ln>
+        </p:spPr>
+        <p:style>
+          <a:lnRef idx="1">
+            <a:schemeClr val="accent1"/>
+          </a:lnRef>
+          <a:fillRef idx="0">
+            <a:schemeClr val="accent1"/>
+          </a:fillRef>
+          <a:effectRef idx="0">
+            <a:schemeClr val="accent1"/>
+          </a:effectRef>
+          <a:fontRef idx="minor">
+            <a:schemeClr val="tx1"/>
+          </a:fontRef>
+        </p:style>
+      </p:cxnSp>
+      <p:sp>
+        <p:nvSpPr>
+          <p:cNvPr id="60" name="円/楕円 59">
+            <a:extLst>
+              <a:ext uri="{FF2B5EF4-FFF2-40B4-BE49-F238E27FC236}">
+                <a16:creationId xmlns:a16="http://schemas.microsoft.com/office/drawing/2014/main" id="{6D8680F5-16C7-BDBD-5F60-695F40AD7784}"/>
+              </a:ext>
+            </a:extLst>
+          </p:cNvPr>
+          <p:cNvSpPr/>
+          <p:nvPr/>
+        </p:nvSpPr>
+        <p:spPr>
+          <a:xfrm>
+            <a:off x="8150375" y="4653978"/>
+            <a:ext cx="332621" cy="312212"/>
+          </a:xfrm>
+          <a:prstGeom prst="ellipse">
+            <a:avLst/>
+          </a:prstGeom>
+          <a:noFill/>
+          <a:ln w="25400">
+            <a:solidFill>
+              <a:schemeClr val="bg1">
+                <a:lumMod val="50000"/>
+              </a:schemeClr>
+            </a:solidFill>
+          </a:ln>
+        </p:spPr>
+        <p:style>
+          <a:lnRef idx="2">
+            <a:schemeClr val="accent1">
+              <a:shade val="15000"/>
+            </a:schemeClr>
+          </a:lnRef>
+          <a:fillRef idx="1">
+            <a:schemeClr val="accent1"/>
+          </a:fillRef>
+          <a:effectRef idx="0">
+            <a:schemeClr val="accent1"/>
+          </a:effectRef>
+          <a:fontRef idx="minor">
+            <a:schemeClr val="lt1"/>
+          </a:fontRef>
+        </p:style>
+        <p:txBody>
+          <a:bodyPr rtlCol="0" anchor="ctr"/>
+          <a:lstStyle/>
+          <a:p>
+            <a:pPr algn="ctr"/>
+            <a:endParaRPr kumimoji="1" lang="ja-JP" altLang="en-US"/>
+          </a:p>
+        </p:txBody>
+      </p:sp>
+      <p:cxnSp>
+        <p:nvCxnSpPr>
+          <p:cNvPr id="61" name="直線矢印コネクタ 60">
+            <a:extLst>
+              <a:ext uri="{FF2B5EF4-FFF2-40B4-BE49-F238E27FC236}">
+                <a16:creationId xmlns:a16="http://schemas.microsoft.com/office/drawing/2014/main" id="{56D23796-71E8-F254-4F03-18B9EB6584FC}"/>
+              </a:ext>
+            </a:extLst>
+          </p:cNvPr>
+          <p:cNvCxnSpPr>
+            <a:cxnSpLocks/>
+          </p:cNvCxnSpPr>
+          <p:nvPr/>
+        </p:nvCxnSpPr>
+        <p:spPr>
+          <a:xfrm flipV="1">
+            <a:off x="5900058" y="4803881"/>
+            <a:ext cx="2250317" cy="1"/>
+          </a:xfrm>
+          <a:prstGeom prst="straightConnector1">
+            <a:avLst/>
+          </a:prstGeom>
+          <a:ln>
+            <a:solidFill>
+              <a:schemeClr val="bg1">
+                <a:lumMod val="50000"/>
+              </a:schemeClr>
+            </a:solidFill>
+            <a:tailEnd type="triangle"/>
+          </a:ln>
+        </p:spPr>
+        <p:style>
+          <a:lnRef idx="1">
+            <a:schemeClr val="accent1"/>
+          </a:lnRef>
+          <a:fillRef idx="0">
+            <a:schemeClr val="accent1"/>
+          </a:fillRef>
+          <a:effectRef idx="0">
+            <a:schemeClr val="accent1"/>
+          </a:effectRef>
+          <a:fontRef idx="minor">
+            <a:schemeClr val="tx1"/>
+          </a:fontRef>
+        </p:style>
+      </p:cxnSp>
+      <p:sp>
+        <p:nvSpPr>
+          <p:cNvPr id="62" name="テキスト ボックス 61">
+            <a:extLst>
+              <a:ext uri="{FF2B5EF4-FFF2-40B4-BE49-F238E27FC236}">
+                <a16:creationId xmlns:a16="http://schemas.microsoft.com/office/drawing/2014/main" id="{780D9ACD-2261-DEE2-74F4-E36216AA5615}"/>
+              </a:ext>
+            </a:extLst>
+          </p:cNvPr>
+          <p:cNvSpPr txBox="1"/>
+          <p:nvPr/>
+        </p:nvSpPr>
+        <p:spPr>
+          <a:xfrm>
+            <a:off x="6670190" y="4469312"/>
+            <a:ext cx="543739" cy="369332"/>
+          </a:xfrm>
+          <a:prstGeom prst="rect">
+            <a:avLst/>
+          </a:prstGeom>
+          <a:noFill/>
+        </p:spPr>
+        <p:txBody>
+          <a:bodyPr wrap="none" rtlCol="0">
+            <a:spAutoFit/>
+          </a:bodyPr>
+          <a:lstStyle/>
+          <a:p>
+            <a:r>
+              <a:rPr kumimoji="1" lang="en-US" altLang="ja-JP" dirty="0"/>
+              <a:t>yes</a:t>
+            </a:r>
+            <a:endParaRPr kumimoji="1" lang="ja-JP" altLang="en-US"/>
+          </a:p>
+        </p:txBody>
+      </p:sp>
+      <p:sp>
+        <p:nvSpPr>
+          <p:cNvPr id="63" name="テキスト ボックス 62">
+            <a:extLst>
+              <a:ext uri="{FF2B5EF4-FFF2-40B4-BE49-F238E27FC236}">
+                <a16:creationId xmlns:a16="http://schemas.microsoft.com/office/drawing/2014/main" id="{9C763A7A-75E4-199F-8CB6-82229C84A08C}"/>
+              </a:ext>
+            </a:extLst>
+          </p:cNvPr>
+          <p:cNvSpPr txBox="1"/>
+          <p:nvPr/>
+        </p:nvSpPr>
+        <p:spPr>
+          <a:xfrm>
+            <a:off x="7762692" y="5053862"/>
+            <a:ext cx="1107996" cy="369332"/>
+          </a:xfrm>
+          <a:prstGeom prst="rect">
+            <a:avLst/>
+          </a:prstGeom>
+          <a:noFill/>
+        </p:spPr>
+        <p:txBody>
+          <a:bodyPr wrap="none" rtlCol="0">
+            <a:spAutoFit/>
+          </a:bodyPr>
+          <a:lstStyle/>
+          <a:p>
+            <a:pPr algn="ctr"/>
+            <a:r>
+              <a:rPr kumimoji="1" lang="ja-JP" altLang="en-US"/>
+              <a:t>数値抽出</a:t>
+            </a:r>
+          </a:p>
+        </p:txBody>
+      </p:sp>
+      <p:sp>
+        <p:nvSpPr>
+          <p:cNvPr id="64" name="テキスト ボックス 63">
+            <a:extLst>
+              <a:ext uri="{FF2B5EF4-FFF2-40B4-BE49-F238E27FC236}">
+                <a16:creationId xmlns:a16="http://schemas.microsoft.com/office/drawing/2014/main" id="{22F774FE-113A-F585-C57B-AF81964BA0E0}"/>
+              </a:ext>
+            </a:extLst>
+          </p:cNvPr>
+          <p:cNvSpPr txBox="1"/>
+          <p:nvPr/>
+        </p:nvSpPr>
+        <p:spPr>
+          <a:xfrm>
+            <a:off x="6581927" y="5731737"/>
+            <a:ext cx="671979" cy="369332"/>
+          </a:xfrm>
+          <a:prstGeom prst="rect">
+            <a:avLst/>
+          </a:prstGeom>
+          <a:noFill/>
+        </p:spPr>
+        <p:txBody>
+          <a:bodyPr wrap="none" rtlCol="0">
+            <a:spAutoFit/>
+          </a:bodyPr>
+          <a:lstStyle/>
+          <a:p>
+            <a:r>
+              <a:rPr kumimoji="1" lang="en-US" altLang="ja-JP" dirty="0"/>
+              <a:t>END</a:t>
+            </a:r>
+            <a:endParaRPr kumimoji="1" lang="ja-JP" altLang="en-US"/>
+          </a:p>
+        </p:txBody>
+      </p:sp>
+      <p:cxnSp>
+        <p:nvCxnSpPr>
+          <p:cNvPr id="65" name="直線矢印コネクタ 64">
+            <a:extLst>
+              <a:ext uri="{FF2B5EF4-FFF2-40B4-BE49-F238E27FC236}">
+                <a16:creationId xmlns:a16="http://schemas.microsoft.com/office/drawing/2014/main" id="{4D3D68C9-3D74-D5C6-FAFC-3348AB774E18}"/>
+              </a:ext>
+            </a:extLst>
+          </p:cNvPr>
+          <p:cNvCxnSpPr>
+            <a:cxnSpLocks/>
+          </p:cNvCxnSpPr>
+          <p:nvPr/>
+        </p:nvCxnSpPr>
+        <p:spPr>
+          <a:xfrm>
+            <a:off x="5462210" y="5911945"/>
+            <a:ext cx="1119717" cy="0"/>
+          </a:xfrm>
+          <a:prstGeom prst="straightConnector1">
+            <a:avLst/>
+          </a:prstGeom>
+          <a:ln>
+            <a:solidFill>
+              <a:schemeClr val="bg1">
+                <a:lumMod val="50000"/>
+              </a:schemeClr>
+            </a:solidFill>
+            <a:tailEnd type="triangle"/>
+          </a:ln>
+        </p:spPr>
+        <p:style>
+          <a:lnRef idx="1">
+            <a:schemeClr val="accent1"/>
+          </a:lnRef>
+          <a:fillRef idx="0">
+            <a:schemeClr val="accent1"/>
+          </a:fillRef>
+          <a:effectRef idx="0">
+            <a:schemeClr val="accent1"/>
+          </a:effectRef>
+          <a:fontRef idx="minor">
+            <a:schemeClr val="tx1"/>
+          </a:fontRef>
+        </p:style>
+      </p:cxnSp>
+      <p:cxnSp>
+        <p:nvCxnSpPr>
+          <p:cNvPr id="66" name="直線矢印コネクタ 65">
+            <a:extLst>
+              <a:ext uri="{FF2B5EF4-FFF2-40B4-BE49-F238E27FC236}">
+                <a16:creationId xmlns:a16="http://schemas.microsoft.com/office/drawing/2014/main" id="{88F1C346-22D1-C99A-14D7-DA5CF5A85E64}"/>
+              </a:ext>
+            </a:extLst>
+          </p:cNvPr>
+          <p:cNvCxnSpPr>
+            <a:cxnSpLocks/>
+            <a:stCxn id="58" idx="2"/>
+          </p:cNvCxnSpPr>
+          <p:nvPr/>
+        </p:nvCxnSpPr>
+        <p:spPr>
+          <a:xfrm>
+            <a:off x="5295901" y="5115892"/>
+            <a:ext cx="0" cy="604809"/>
+          </a:xfrm>
+          <a:prstGeom prst="straightConnector1">
+            <a:avLst/>
+          </a:prstGeom>
+          <a:ln>
+            <a:solidFill>
+              <a:schemeClr val="bg1">
+                <a:lumMod val="50000"/>
+              </a:schemeClr>
+            </a:solidFill>
+            <a:tailEnd type="triangle"/>
+          </a:ln>
+        </p:spPr>
+        <p:style>
+          <a:lnRef idx="1">
+            <a:schemeClr val="accent1"/>
+          </a:lnRef>
+          <a:fillRef idx="0">
+            <a:schemeClr val="accent1"/>
+          </a:fillRef>
+          <a:effectRef idx="0">
+            <a:schemeClr val="accent1"/>
+          </a:effectRef>
+          <a:fontRef idx="minor">
+            <a:schemeClr val="tx1"/>
+          </a:fontRef>
+        </p:style>
+      </p:cxnSp>
+      <p:sp>
+        <p:nvSpPr>
+          <p:cNvPr id="69" name="テキスト ボックス 68">
+            <a:extLst>
+              <a:ext uri="{FF2B5EF4-FFF2-40B4-BE49-F238E27FC236}">
+                <a16:creationId xmlns:a16="http://schemas.microsoft.com/office/drawing/2014/main" id="{01BC52C2-C0C6-46E4-CB35-361218DD4593}"/>
+              </a:ext>
+            </a:extLst>
+          </p:cNvPr>
+          <p:cNvSpPr txBox="1"/>
+          <p:nvPr/>
+        </p:nvSpPr>
+        <p:spPr>
+          <a:xfrm>
+            <a:off x="4793197" y="6167030"/>
+            <a:ext cx="1005403" cy="369332"/>
+          </a:xfrm>
+          <a:prstGeom prst="rect">
+            <a:avLst/>
+          </a:prstGeom>
+          <a:noFill/>
+        </p:spPr>
+        <p:txBody>
+          <a:bodyPr wrap="none" rtlCol="0">
+            <a:spAutoFit/>
+          </a:bodyPr>
+          <a:lstStyle/>
+          <a:p>
+            <a:pPr algn="ctr"/>
+            <a:r>
+              <a:rPr lang="en-US" altLang="ja-JP" dirty="0"/>
+              <a:t>0</a:t>
+            </a:r>
+            <a:r>
+              <a:rPr lang="ja-JP" altLang="en-US"/>
+              <a:t>を返す</a:t>
+            </a:r>
+            <a:endParaRPr kumimoji="1" lang="ja-JP" altLang="en-US"/>
+          </a:p>
+        </p:txBody>
+      </p:sp>
+      <p:sp>
+        <p:nvSpPr>
+          <p:cNvPr id="70" name="円/楕円 69">
+            <a:extLst>
+              <a:ext uri="{FF2B5EF4-FFF2-40B4-BE49-F238E27FC236}">
+                <a16:creationId xmlns:a16="http://schemas.microsoft.com/office/drawing/2014/main" id="{ADA28AC3-F46B-6000-28B8-A840D0240A74}"/>
+              </a:ext>
+            </a:extLst>
+          </p:cNvPr>
+          <p:cNvSpPr/>
+          <p:nvPr/>
+        </p:nvSpPr>
+        <p:spPr>
+          <a:xfrm>
+            <a:off x="5129589" y="5746887"/>
+            <a:ext cx="332621" cy="312212"/>
+          </a:xfrm>
+          <a:prstGeom prst="ellipse">
+            <a:avLst/>
+          </a:prstGeom>
+          <a:noFill/>
+          <a:ln w="25400">
+            <a:solidFill>
+              <a:schemeClr val="bg1">
+                <a:lumMod val="50000"/>
+              </a:schemeClr>
+            </a:solidFill>
+          </a:ln>
+        </p:spPr>
+        <p:style>
+          <a:lnRef idx="2">
+            <a:schemeClr val="accent1">
+              <a:shade val="15000"/>
+            </a:schemeClr>
+          </a:lnRef>
+          <a:fillRef idx="1">
+            <a:schemeClr val="accent1"/>
+          </a:fillRef>
+          <a:effectRef idx="0">
+            <a:schemeClr val="accent1"/>
+          </a:effectRef>
+          <a:fontRef idx="minor">
+            <a:schemeClr val="lt1"/>
+          </a:fontRef>
+        </p:style>
+        <p:txBody>
+          <a:bodyPr rtlCol="0" anchor="ctr"/>
+          <a:lstStyle/>
+          <a:p>
+            <a:pPr algn="ctr"/>
+            <a:endParaRPr kumimoji="1" lang="ja-JP" altLang="en-US"/>
+          </a:p>
+        </p:txBody>
+      </p:sp>
+      <p:sp>
+        <p:nvSpPr>
+          <p:cNvPr id="71" name="テキスト ボックス 70">
+            <a:extLst>
+              <a:ext uri="{FF2B5EF4-FFF2-40B4-BE49-F238E27FC236}">
+                <a16:creationId xmlns:a16="http://schemas.microsoft.com/office/drawing/2014/main" id="{1BFD354A-5DAB-4C57-E398-F557E62C0DD2}"/>
+              </a:ext>
+            </a:extLst>
+          </p:cNvPr>
+          <p:cNvSpPr txBox="1"/>
+          <p:nvPr/>
+        </p:nvSpPr>
+        <p:spPr>
+          <a:xfrm>
+            <a:off x="9602713" y="4623673"/>
+            <a:ext cx="671979" cy="369332"/>
+          </a:xfrm>
+          <a:prstGeom prst="rect">
+            <a:avLst/>
+          </a:prstGeom>
+          <a:noFill/>
+        </p:spPr>
+        <p:txBody>
+          <a:bodyPr wrap="none" rtlCol="0">
+            <a:spAutoFit/>
+          </a:bodyPr>
+          <a:lstStyle/>
+          <a:p>
+            <a:r>
+              <a:rPr kumimoji="1" lang="en-US" altLang="ja-JP" dirty="0"/>
+              <a:t>END</a:t>
+            </a:r>
+            <a:endParaRPr kumimoji="1" lang="ja-JP" altLang="en-US"/>
+          </a:p>
+        </p:txBody>
+      </p:sp>
+      <p:cxnSp>
+        <p:nvCxnSpPr>
+          <p:cNvPr id="72" name="直線矢印コネクタ 71">
+            <a:extLst>
+              <a:ext uri="{FF2B5EF4-FFF2-40B4-BE49-F238E27FC236}">
+                <a16:creationId xmlns:a16="http://schemas.microsoft.com/office/drawing/2014/main" id="{5EB7EEF1-13C3-B1AF-6D1E-AC0E09BB0C32}"/>
+              </a:ext>
+            </a:extLst>
+          </p:cNvPr>
+          <p:cNvCxnSpPr>
+            <a:cxnSpLocks/>
+          </p:cNvCxnSpPr>
+          <p:nvPr/>
+        </p:nvCxnSpPr>
+        <p:spPr>
+          <a:xfrm>
+            <a:off x="8482996" y="4803881"/>
+            <a:ext cx="1119717" cy="0"/>
+          </a:xfrm>
+          <a:prstGeom prst="straightConnector1">
+            <a:avLst/>
+          </a:prstGeom>
+          <a:ln>
+            <a:solidFill>
+              <a:schemeClr val="bg1">
+                <a:lumMod val="50000"/>
+              </a:schemeClr>
+            </a:solidFill>
+            <a:tailEnd type="triangle"/>
+          </a:ln>
+        </p:spPr>
+        <p:style>
+          <a:lnRef idx="1">
+            <a:schemeClr val="accent1"/>
+          </a:lnRef>
+          <a:fillRef idx="0">
+            <a:schemeClr val="accent1"/>
+          </a:fillRef>
+          <a:effectRef idx="0">
+            <a:schemeClr val="accent1"/>
+          </a:effectRef>
+          <a:fontRef idx="minor">
+            <a:schemeClr val="tx1"/>
+          </a:fontRef>
+        </p:style>
+      </p:cxnSp>
     </p:spTree>
     <p:extLst>
       <p:ext uri="{BB962C8B-B14F-4D97-AF65-F5344CB8AC3E}">
-        <p14:creationId xmlns:p14="http://schemas.microsoft.com/office/powerpoint/2010/main" val="3310277130"/>
+        <p14:creationId xmlns:p14="http://schemas.microsoft.com/office/powerpoint/2010/main" val="1791344178"/>
       </p:ext>
     </p:extLst>
   </p:cSld>

--- a/追加.pptx
+++ b/追加.pptx
@@ -5,7 +5,10 @@
     <p:sldMasterId id="2147483648" r:id="rId1"/>
   </p:sldMasterIdLst>
   <p:sldIdLst>
-    <p:sldId id="680" r:id="rId2"/>
+    <p:sldId id="724" r:id="rId2"/>
+    <p:sldId id="723" r:id="rId3"/>
+    <p:sldId id="726" r:id="rId4"/>
+    <p:sldId id="727" r:id="rId5"/>
   </p:sldIdLst>
   <p:sldSz cx="12192000" cy="6858000"/>
   <p:notesSz cx="6858000" cy="9144000"/>
@@ -259,7 +262,7 @@
           <a:p>
             <a:fld id="{0690133D-3D2A-4570-A105-5906702A947A}" type="datetimeFigureOut">
               <a:rPr kumimoji="1" lang="ja-JP" altLang="en-US" smtClean="0"/>
-              <a:t>2024/7/17</a:t>
+              <a:t>2024/7/29</a:t>
             </a:fld>
             <a:endParaRPr kumimoji="1" lang="ja-JP" altLang="en-US"/>
           </a:p>
@@ -489,7 +492,7 @@
           <a:p>
             <a:fld id="{0690133D-3D2A-4570-A105-5906702A947A}" type="datetimeFigureOut">
               <a:rPr kumimoji="1" lang="ja-JP" altLang="en-US" smtClean="0"/>
-              <a:t>2024/7/17</a:t>
+              <a:t>2024/7/29</a:t>
             </a:fld>
             <a:endParaRPr kumimoji="1" lang="ja-JP" altLang="en-US"/>
           </a:p>
@@ -729,7 +732,7 @@
           <a:p>
             <a:fld id="{0690133D-3D2A-4570-A105-5906702A947A}" type="datetimeFigureOut">
               <a:rPr kumimoji="1" lang="ja-JP" altLang="en-US" smtClean="0"/>
-              <a:t>2024/7/17</a:t>
+              <a:t>2024/7/29</a:t>
             </a:fld>
             <a:endParaRPr kumimoji="1" lang="ja-JP" altLang="en-US"/>
           </a:p>
@@ -959,7 +962,7 @@
           <a:p>
             <a:fld id="{0690133D-3D2A-4570-A105-5906702A947A}" type="datetimeFigureOut">
               <a:rPr kumimoji="1" lang="ja-JP" altLang="en-US" smtClean="0"/>
-              <a:t>2024/7/17</a:t>
+              <a:t>2024/7/29</a:t>
             </a:fld>
             <a:endParaRPr kumimoji="1" lang="ja-JP" altLang="en-US"/>
           </a:p>
@@ -1234,7 +1237,7 @@
           <a:p>
             <a:fld id="{0690133D-3D2A-4570-A105-5906702A947A}" type="datetimeFigureOut">
               <a:rPr kumimoji="1" lang="ja-JP" altLang="en-US" smtClean="0"/>
-              <a:t>2024/7/17</a:t>
+              <a:t>2024/7/29</a:t>
             </a:fld>
             <a:endParaRPr kumimoji="1" lang="ja-JP" altLang="en-US"/>
           </a:p>
@@ -1563,7 +1566,7 @@
           <a:p>
             <a:fld id="{0690133D-3D2A-4570-A105-5906702A947A}" type="datetimeFigureOut">
               <a:rPr kumimoji="1" lang="ja-JP" altLang="en-US" smtClean="0"/>
-              <a:t>2024/7/17</a:t>
+              <a:t>2024/7/29</a:t>
             </a:fld>
             <a:endParaRPr kumimoji="1" lang="ja-JP" altLang="en-US"/>
           </a:p>
@@ -2039,7 +2042,7 @@
           <a:p>
             <a:fld id="{0690133D-3D2A-4570-A105-5906702A947A}" type="datetimeFigureOut">
               <a:rPr kumimoji="1" lang="ja-JP" altLang="en-US" smtClean="0"/>
-              <a:t>2024/7/17</a:t>
+              <a:t>2024/7/29</a:t>
             </a:fld>
             <a:endParaRPr kumimoji="1" lang="ja-JP" altLang="en-US"/>
           </a:p>
@@ -2180,7 +2183,7 @@
           <a:p>
             <a:fld id="{0690133D-3D2A-4570-A105-5906702A947A}" type="datetimeFigureOut">
               <a:rPr kumimoji="1" lang="ja-JP" altLang="en-US" smtClean="0"/>
-              <a:t>2024/7/17</a:t>
+              <a:t>2024/7/29</a:t>
             </a:fld>
             <a:endParaRPr kumimoji="1" lang="ja-JP" altLang="en-US"/>
           </a:p>
@@ -2293,7 +2296,7 @@
           <a:p>
             <a:fld id="{0690133D-3D2A-4570-A105-5906702A947A}" type="datetimeFigureOut">
               <a:rPr kumimoji="1" lang="ja-JP" altLang="en-US" smtClean="0"/>
-              <a:t>2024/7/17</a:t>
+              <a:t>2024/7/29</a:t>
             </a:fld>
             <a:endParaRPr kumimoji="1" lang="ja-JP" altLang="en-US"/>
           </a:p>
@@ -2636,7 +2639,7 @@
           <a:p>
             <a:fld id="{0690133D-3D2A-4570-A105-5906702A947A}" type="datetimeFigureOut">
               <a:rPr kumimoji="1" lang="ja-JP" altLang="en-US" smtClean="0"/>
-              <a:t>2024/7/17</a:t>
+              <a:t>2024/7/29</a:t>
             </a:fld>
             <a:endParaRPr kumimoji="1" lang="ja-JP" altLang="en-US"/>
           </a:p>
@@ -2924,7 +2927,7 @@
           <a:p>
             <a:fld id="{0690133D-3D2A-4570-A105-5906702A947A}" type="datetimeFigureOut">
               <a:rPr kumimoji="1" lang="ja-JP" altLang="en-US" smtClean="0"/>
-              <a:t>2024/7/17</a:t>
+              <a:t>2024/7/29</a:t>
             </a:fld>
             <a:endParaRPr kumimoji="1" lang="ja-JP" altLang="en-US"/>
           </a:p>
@@ -3197,7 +3200,7 @@
           <a:p>
             <a:fld id="{0690133D-3D2A-4570-A105-5906702A947A}" type="datetimeFigureOut">
               <a:rPr kumimoji="1" lang="ja-JP" altLang="en-US" smtClean="0"/>
-              <a:t>2024/7/17</a:t>
+              <a:t>2024/7/29</a:t>
             </a:fld>
             <a:endParaRPr kumimoji="1" lang="ja-JP" altLang="en-US"/>
           </a:p>
@@ -3614,34 +3617,104 @@
           <a:chExt cx="0" cy="0"/>
         </a:xfrm>
       </p:grpSpPr>
-      <p:sp>
-        <p:nvSpPr>
-          <p:cNvPr id="4" name="円/楕円 3">
-            <a:extLst>
-              <a:ext uri="{FF2B5EF4-FFF2-40B4-BE49-F238E27FC236}">
-                <a16:creationId xmlns:a16="http://schemas.microsoft.com/office/drawing/2014/main" id="{BB116CFE-ED44-C850-5D37-C6C8CCB769C0}"/>
-              </a:ext>
-            </a:extLst>
-          </p:cNvPr>
-          <p:cNvSpPr/>
+      <p:pic>
+        <p:nvPicPr>
+          <p:cNvPr id="4" name="図 3">
+            <a:extLst>
+              <a:ext uri="{FF2B5EF4-FFF2-40B4-BE49-F238E27FC236}">
+                <a16:creationId xmlns:a16="http://schemas.microsoft.com/office/drawing/2014/main" id="{FDF3F29E-60C9-1417-ABDB-B5B759A7510A}"/>
+              </a:ext>
+            </a:extLst>
+          </p:cNvPr>
+          <p:cNvPicPr>
+            <a:picLocks noChangeAspect="1"/>
+          </p:cNvPicPr>
           <p:nvPr/>
-        </p:nvSpPr>
+        </p:nvPicPr>
+        <p:blipFill>
+          <a:blip r:embed="rId2"/>
+          <a:stretch>
+            <a:fillRect/>
+          </a:stretch>
+        </p:blipFill>
         <p:spPr>
           <a:xfrm>
-            <a:off x="1942494" y="1337596"/>
-            <a:ext cx="332621" cy="312212"/>
+            <a:off x="1724745" y="1913467"/>
+            <a:ext cx="8525375" cy="4400193"/>
           </a:xfrm>
-          <a:prstGeom prst="ellipse">
+          <a:prstGeom prst="rect">
+            <a:avLst/>
+          </a:prstGeom>
+        </p:spPr>
+      </p:pic>
+      <p:sp>
+        <p:nvSpPr>
+          <p:cNvPr id="5" name="テキスト ボックス 4">
+            <a:extLst>
+              <a:ext uri="{FF2B5EF4-FFF2-40B4-BE49-F238E27FC236}">
+                <a16:creationId xmlns:a16="http://schemas.microsoft.com/office/drawing/2014/main" id="{6BE5A94C-BE4A-98BA-682D-7EB2CAA381B7}"/>
+              </a:ext>
+            </a:extLst>
+          </p:cNvPr>
+          <p:cNvSpPr txBox="1"/>
+          <p:nvPr/>
+        </p:nvSpPr>
+        <p:spPr>
+          <a:xfrm>
+            <a:off x="242761" y="173383"/>
+            <a:ext cx="3671198" cy="369332"/>
+          </a:xfrm>
+          <a:prstGeom prst="rect">
             <a:avLst/>
           </a:prstGeom>
           <a:noFill/>
-          <a:ln w="25400">
-            <a:solidFill>
-              <a:schemeClr val="bg1">
-                <a:lumMod val="50000"/>
-              </a:schemeClr>
-            </a:solidFill>
-          </a:ln>
+        </p:spPr>
+        <p:txBody>
+          <a:bodyPr wrap="none" rtlCol="0">
+            <a:spAutoFit/>
+          </a:bodyPr>
+          <a:lstStyle/>
+          <a:p>
+            <a:r>
+              <a:rPr kumimoji="1" lang="ja-JP" altLang="en-US"/>
+              <a:t>投資行動</a:t>
+            </a:r>
+            <a:r>
+              <a:rPr kumimoji="1" lang="en-US" altLang="ja-JP" dirty="0"/>
+              <a:t>/</a:t>
+            </a:r>
+            <a:r>
+              <a:rPr lang="en-US" altLang="ja-JP" dirty="0"/>
+              <a:t>key1/</a:t>
+            </a:r>
+            <a:r>
+              <a:rPr lang="ja-JP" altLang="en-US"/>
+              <a:t>第一フロンティア</a:t>
+            </a:r>
+            <a:endParaRPr kumimoji="1" lang="ja-JP" altLang="en-US"/>
+          </a:p>
+        </p:txBody>
+      </p:sp>
+      <p:sp>
+        <p:nvSpPr>
+          <p:cNvPr id="6" name="正方形/長方形 5">
+            <a:extLst>
+              <a:ext uri="{FF2B5EF4-FFF2-40B4-BE49-F238E27FC236}">
+                <a16:creationId xmlns:a16="http://schemas.microsoft.com/office/drawing/2014/main" id="{7B87C575-5225-8282-AA4C-A7DF77917FB0}"/>
+              </a:ext>
+            </a:extLst>
+          </p:cNvPr>
+          <p:cNvSpPr/>
+          <p:nvPr/>
+        </p:nvSpPr>
+        <p:spPr>
+          <a:xfrm>
+            <a:off x="5987433" y="671305"/>
+            <a:ext cx="2929316" cy="903496"/>
+          </a:xfrm>
+          <a:prstGeom prst="rect">
+            <a:avLst/>
+          </a:prstGeom>
         </p:spPr>
         <p:style>
           <a:lnRef idx="2">
@@ -3664,16 +3737,139 @@
           <a:lstStyle/>
           <a:p>
             <a:pPr algn="ctr"/>
-            <a:endParaRPr kumimoji="1" lang="ja-JP" altLang="en-US"/>
-          </a:p>
-        </p:txBody>
-      </p:sp>
-      <p:sp>
-        <p:nvSpPr>
-          <p:cNvPr id="5" name="ひし形 4">
-            <a:extLst>
-              <a:ext uri="{FF2B5EF4-FFF2-40B4-BE49-F238E27FC236}">
-                <a16:creationId xmlns:a16="http://schemas.microsoft.com/office/drawing/2014/main" id="{5E6D7578-605F-F4FE-4957-39EFCD4AEF47}"/>
+            <a:r>
+              <a:rPr kumimoji="1" lang="ja-JP" altLang="en-US"/>
+              <a:t>表の下部が入っていない</a:t>
+            </a:r>
+          </a:p>
+        </p:txBody>
+      </p:sp>
+    </p:spTree>
+    <p:extLst>
+      <p:ext uri="{BB962C8B-B14F-4D97-AF65-F5344CB8AC3E}">
+        <p14:creationId xmlns:p14="http://schemas.microsoft.com/office/powerpoint/2010/main" val="1065863376"/>
+      </p:ext>
+    </p:extLst>
+  </p:cSld>
+  <p:clrMapOvr>
+    <a:masterClrMapping/>
+  </p:clrMapOvr>
+</p:sld>
+</file>
+
+<file path=ppt/slides/slide2.xml><?xml version="1.0" encoding="utf-8"?>
+<p:sld xmlns:a="http://schemas.openxmlformats.org/drawingml/2006/main" xmlns:r="http://schemas.openxmlformats.org/officeDocument/2006/relationships" xmlns:p="http://schemas.openxmlformats.org/presentationml/2006/main">
+  <p:cSld>
+    <p:spTree>
+      <p:nvGrpSpPr>
+        <p:cNvPr id="1" name=""/>
+        <p:cNvGrpSpPr/>
+        <p:nvPr/>
+      </p:nvGrpSpPr>
+      <p:grpSpPr>
+        <a:xfrm>
+          <a:off x="0" y="0"/>
+          <a:ext cx="0" cy="0"/>
+          <a:chOff x="0" y="0"/>
+          <a:chExt cx="0" cy="0"/>
+        </a:xfrm>
+      </p:grpSpPr>
+      <p:pic>
+        <p:nvPicPr>
+          <p:cNvPr id="4" name="図 3">
+            <a:extLst>
+              <a:ext uri="{FF2B5EF4-FFF2-40B4-BE49-F238E27FC236}">
+                <a16:creationId xmlns:a16="http://schemas.microsoft.com/office/drawing/2014/main" id="{4C4E5E35-A792-856F-2544-49DC492F251B}"/>
+              </a:ext>
+            </a:extLst>
+          </p:cNvPr>
+          <p:cNvPicPr>
+            <a:picLocks noChangeAspect="1"/>
+          </p:cNvPicPr>
+          <p:nvPr/>
+        </p:nvPicPr>
+        <p:blipFill>
+          <a:blip r:embed="rId2"/>
+          <a:stretch>
+            <a:fillRect/>
+          </a:stretch>
+        </p:blipFill>
+        <p:spPr>
+          <a:xfrm>
+            <a:off x="242761" y="703672"/>
+            <a:ext cx="5828937" cy="2676776"/>
+          </a:xfrm>
+          <a:prstGeom prst="rect">
+            <a:avLst/>
+          </a:prstGeom>
+        </p:spPr>
+      </p:pic>
+      <p:pic>
+        <p:nvPicPr>
+          <p:cNvPr id="5" name="図 4">
+            <a:extLst>
+              <a:ext uri="{FF2B5EF4-FFF2-40B4-BE49-F238E27FC236}">
+                <a16:creationId xmlns:a16="http://schemas.microsoft.com/office/drawing/2014/main" id="{E28BE922-6F07-B98E-98F1-D778F7282B0A}"/>
+              </a:ext>
+            </a:extLst>
+          </p:cNvPr>
+          <p:cNvPicPr>
+            <a:picLocks noChangeAspect="1"/>
+          </p:cNvPicPr>
+          <p:nvPr/>
+        </p:nvPicPr>
+        <p:blipFill>
+          <a:blip r:embed="rId3"/>
+          <a:stretch>
+            <a:fillRect/>
+          </a:stretch>
+        </p:blipFill>
+        <p:spPr>
+          <a:xfrm>
+            <a:off x="242761" y="3553207"/>
+            <a:ext cx="5864517" cy="3050697"/>
+          </a:xfrm>
+          <a:prstGeom prst="rect">
+            <a:avLst/>
+          </a:prstGeom>
+        </p:spPr>
+      </p:pic>
+      <p:pic>
+        <p:nvPicPr>
+          <p:cNvPr id="6" name="図 5">
+            <a:extLst>
+              <a:ext uri="{FF2B5EF4-FFF2-40B4-BE49-F238E27FC236}">
+                <a16:creationId xmlns:a16="http://schemas.microsoft.com/office/drawing/2014/main" id="{2A779BE0-6196-23D3-EF7E-4FDF808B0AD5}"/>
+              </a:ext>
+            </a:extLst>
+          </p:cNvPr>
+          <p:cNvPicPr>
+            <a:picLocks noChangeAspect="1"/>
+          </p:cNvPicPr>
+          <p:nvPr/>
+        </p:nvPicPr>
+        <p:blipFill>
+          <a:blip r:embed="rId4"/>
+          <a:stretch>
+            <a:fillRect/>
+          </a:stretch>
+        </p:blipFill>
+        <p:spPr>
+          <a:xfrm>
+            <a:off x="4280689" y="2042060"/>
+            <a:ext cx="7772400" cy="759047"/>
+          </a:xfrm>
+          <a:prstGeom prst="rect">
+            <a:avLst/>
+          </a:prstGeom>
+        </p:spPr>
+      </p:pic>
+      <p:sp>
+        <p:nvSpPr>
+          <p:cNvPr id="7" name="正方形/長方形 6">
+            <a:extLst>
+              <a:ext uri="{FF2B5EF4-FFF2-40B4-BE49-F238E27FC236}">
+                <a16:creationId xmlns:a16="http://schemas.microsoft.com/office/drawing/2014/main" id="{77A62E91-EC4F-17C4-110B-B7F87F92F44C}"/>
               </a:ext>
             </a:extLst>
           </p:cNvPr>
@@ -3682,20 +3878,12 @@
         </p:nvSpPr>
         <p:spPr>
           <a:xfrm>
-            <a:off x="4691743" y="1181879"/>
-            <a:ext cx="1208315" cy="623647"/>
+            <a:off x="7104134" y="703672"/>
+            <a:ext cx="2929316" cy="1100517"/>
           </a:xfrm>
-          <a:prstGeom prst="diamond">
+          <a:prstGeom prst="rect">
             <a:avLst/>
           </a:prstGeom>
-          <a:noFill/>
-          <a:ln w="25400">
-            <a:solidFill>
-              <a:schemeClr val="bg1">
-                <a:lumMod val="50000"/>
-              </a:schemeClr>
-            </a:solidFill>
-          </a:ln>
         </p:spPr>
         <p:style>
           <a:lnRef idx="2">
@@ -3718,476 +3906,29 @@
           <a:lstStyle/>
           <a:p>
             <a:pPr algn="ctr"/>
-            <a:endParaRPr kumimoji="1" lang="ja-JP" altLang="en-US"/>
-          </a:p>
-        </p:txBody>
-      </p:sp>
-      <p:sp>
-        <p:nvSpPr>
-          <p:cNvPr id="6" name="円/楕円 5">
-            <a:extLst>
-              <a:ext uri="{FF2B5EF4-FFF2-40B4-BE49-F238E27FC236}">
-                <a16:creationId xmlns:a16="http://schemas.microsoft.com/office/drawing/2014/main" id="{7C11BF1C-CB71-A262-08D3-0C24825D0BC7}"/>
-              </a:ext>
-            </a:extLst>
-          </p:cNvPr>
-          <p:cNvSpPr/>
+            <a:r>
+              <a:rPr kumimoji="1" lang="ja-JP" altLang="en-US"/>
+              <a:t>表の下部が入っていない</a:t>
+            </a:r>
+          </a:p>
+        </p:txBody>
+      </p:sp>
+      <p:sp>
+        <p:nvSpPr>
+          <p:cNvPr id="8" name="テキスト ボックス 7">
+            <a:extLst>
+              <a:ext uri="{FF2B5EF4-FFF2-40B4-BE49-F238E27FC236}">
+                <a16:creationId xmlns:a16="http://schemas.microsoft.com/office/drawing/2014/main" id="{0F281CDB-1E12-D569-BA21-4FCC1A803BCD}"/>
+              </a:ext>
+            </a:extLst>
+          </p:cNvPr>
+          <p:cNvSpPr txBox="1"/>
           <p:nvPr/>
         </p:nvSpPr>
         <p:spPr>
           <a:xfrm>
-            <a:off x="8150375" y="1337596"/>
-            <a:ext cx="332621" cy="312212"/>
-          </a:xfrm>
-          <a:prstGeom prst="ellipse">
-            <a:avLst/>
-          </a:prstGeom>
-          <a:noFill/>
-          <a:ln w="25400">
-            <a:solidFill>
-              <a:schemeClr val="bg1">
-                <a:lumMod val="50000"/>
-              </a:schemeClr>
-            </a:solidFill>
-          </a:ln>
-        </p:spPr>
-        <p:style>
-          <a:lnRef idx="2">
-            <a:schemeClr val="accent1">
-              <a:shade val="15000"/>
-            </a:schemeClr>
-          </a:lnRef>
-          <a:fillRef idx="1">
-            <a:schemeClr val="accent1"/>
-          </a:fillRef>
-          <a:effectRef idx="0">
-            <a:schemeClr val="accent1"/>
-          </a:effectRef>
-          <a:fontRef idx="minor">
-            <a:schemeClr val="lt1"/>
-          </a:fontRef>
-        </p:style>
-        <p:txBody>
-          <a:bodyPr rtlCol="0" anchor="ctr"/>
-          <a:lstStyle/>
-          <a:p>
-            <a:pPr algn="ctr"/>
-            <a:endParaRPr kumimoji="1" lang="ja-JP" altLang="en-US"/>
-          </a:p>
-        </p:txBody>
-      </p:sp>
-      <p:sp>
-        <p:nvSpPr>
-          <p:cNvPr id="7" name="円/楕円 6">
-            <a:extLst>
-              <a:ext uri="{FF2B5EF4-FFF2-40B4-BE49-F238E27FC236}">
-                <a16:creationId xmlns:a16="http://schemas.microsoft.com/office/drawing/2014/main" id="{30568D82-DE78-E60E-D2DF-86F691F25CD9}"/>
-              </a:ext>
-            </a:extLst>
-          </p:cNvPr>
-          <p:cNvSpPr/>
-          <p:nvPr/>
-        </p:nvSpPr>
-        <p:spPr>
-          <a:xfrm>
-            <a:off x="1942494" y="3000566"/>
-            <a:ext cx="332621" cy="312212"/>
-          </a:xfrm>
-          <a:prstGeom prst="ellipse">
-            <a:avLst/>
-          </a:prstGeom>
-          <a:noFill/>
-          <a:ln w="25400">
-            <a:solidFill>
-              <a:schemeClr val="bg1">
-                <a:lumMod val="50000"/>
-              </a:schemeClr>
-            </a:solidFill>
-          </a:ln>
-        </p:spPr>
-        <p:style>
-          <a:lnRef idx="2">
-            <a:schemeClr val="accent1">
-              <a:shade val="15000"/>
-            </a:schemeClr>
-          </a:lnRef>
-          <a:fillRef idx="1">
-            <a:schemeClr val="accent1"/>
-          </a:fillRef>
-          <a:effectRef idx="0">
-            <a:schemeClr val="accent1"/>
-          </a:effectRef>
-          <a:fontRef idx="minor">
-            <a:schemeClr val="lt1"/>
-          </a:fontRef>
-        </p:style>
-        <p:txBody>
-          <a:bodyPr rtlCol="0" anchor="ctr"/>
-          <a:lstStyle/>
-          <a:p>
-            <a:pPr algn="ctr"/>
-            <a:endParaRPr kumimoji="1" lang="ja-JP" altLang="en-US"/>
-          </a:p>
-        </p:txBody>
-      </p:sp>
-      <p:cxnSp>
-        <p:nvCxnSpPr>
-          <p:cNvPr id="9" name="直線矢印コネクタ 8">
-            <a:extLst>
-              <a:ext uri="{FF2B5EF4-FFF2-40B4-BE49-F238E27FC236}">
-                <a16:creationId xmlns:a16="http://schemas.microsoft.com/office/drawing/2014/main" id="{1F245A68-0BAC-7D80-33E7-70459A76AD32}"/>
-              </a:ext>
-            </a:extLst>
-          </p:cNvPr>
-          <p:cNvCxnSpPr>
-            <a:cxnSpLocks/>
-          </p:cNvCxnSpPr>
-          <p:nvPr/>
-        </p:nvCxnSpPr>
-        <p:spPr>
-          <a:xfrm flipV="1">
-            <a:off x="5900058" y="1493702"/>
-            <a:ext cx="2250317" cy="1"/>
-          </a:xfrm>
-          <a:prstGeom prst="straightConnector1">
-            <a:avLst/>
-          </a:prstGeom>
-          <a:ln>
-            <a:solidFill>
-              <a:schemeClr val="bg1">
-                <a:lumMod val="50000"/>
-              </a:schemeClr>
-            </a:solidFill>
-            <a:tailEnd type="triangle"/>
-          </a:ln>
-        </p:spPr>
-        <p:style>
-          <a:lnRef idx="1">
-            <a:schemeClr val="accent1"/>
-          </a:lnRef>
-          <a:fillRef idx="0">
-            <a:schemeClr val="accent1"/>
-          </a:fillRef>
-          <a:effectRef idx="0">
-            <a:schemeClr val="accent1"/>
-          </a:effectRef>
-          <a:fontRef idx="minor">
-            <a:schemeClr val="tx1"/>
-          </a:fontRef>
-        </p:style>
-      </p:cxnSp>
-      <p:cxnSp>
-        <p:nvCxnSpPr>
-          <p:cNvPr id="11" name="直線矢印コネクタ 10">
-            <a:extLst>
-              <a:ext uri="{FF2B5EF4-FFF2-40B4-BE49-F238E27FC236}">
-                <a16:creationId xmlns:a16="http://schemas.microsoft.com/office/drawing/2014/main" id="{995D85C9-10AE-7557-FA35-A183405BC17F}"/>
-              </a:ext>
-            </a:extLst>
-          </p:cNvPr>
-          <p:cNvCxnSpPr>
-            <a:cxnSpLocks/>
-          </p:cNvCxnSpPr>
-          <p:nvPr/>
-        </p:nvCxnSpPr>
-        <p:spPr>
-          <a:xfrm>
-            <a:off x="2275115" y="1493702"/>
-            <a:ext cx="2416628" cy="1"/>
-          </a:xfrm>
-          <a:prstGeom prst="straightConnector1">
-            <a:avLst/>
-          </a:prstGeom>
-          <a:ln>
-            <a:solidFill>
-              <a:schemeClr val="bg1">
-                <a:lumMod val="50000"/>
-              </a:schemeClr>
-            </a:solidFill>
-            <a:tailEnd type="triangle"/>
-          </a:ln>
-        </p:spPr>
-        <p:style>
-          <a:lnRef idx="1">
-            <a:schemeClr val="accent1"/>
-          </a:lnRef>
-          <a:fillRef idx="0">
-            <a:schemeClr val="accent1"/>
-          </a:fillRef>
-          <a:effectRef idx="0">
-            <a:schemeClr val="accent1"/>
-          </a:effectRef>
-          <a:fontRef idx="minor">
-            <a:schemeClr val="tx1"/>
-          </a:fontRef>
-        </p:style>
-      </p:cxnSp>
-      <p:cxnSp>
-        <p:nvCxnSpPr>
-          <p:cNvPr id="16" name="直線矢印コネクタ 15">
-            <a:extLst>
-              <a:ext uri="{FF2B5EF4-FFF2-40B4-BE49-F238E27FC236}">
-                <a16:creationId xmlns:a16="http://schemas.microsoft.com/office/drawing/2014/main" id="{81F0FDDB-8A89-CDD9-F7C2-85BA43AB8BBD}"/>
-              </a:ext>
-            </a:extLst>
-          </p:cNvPr>
-          <p:cNvCxnSpPr>
-            <a:cxnSpLocks/>
-            <a:stCxn id="5" idx="2"/>
-            <a:endCxn id="7" idx="7"/>
-          </p:cNvCxnSpPr>
-          <p:nvPr/>
-        </p:nvCxnSpPr>
-        <p:spPr>
-          <a:xfrm flipH="1">
-            <a:off x="2226404" y="1805526"/>
-            <a:ext cx="3069497" cy="1240762"/>
-          </a:xfrm>
-          <a:prstGeom prst="straightConnector1">
-            <a:avLst/>
-          </a:prstGeom>
-          <a:ln>
-            <a:solidFill>
-              <a:schemeClr val="bg1">
-                <a:lumMod val="50000"/>
-              </a:schemeClr>
-            </a:solidFill>
-            <a:tailEnd type="triangle"/>
-          </a:ln>
-        </p:spPr>
-        <p:style>
-          <a:lnRef idx="1">
-            <a:schemeClr val="accent1"/>
-          </a:lnRef>
-          <a:fillRef idx="0">
-            <a:schemeClr val="accent1"/>
-          </a:fillRef>
-          <a:effectRef idx="0">
-            <a:schemeClr val="accent1"/>
-          </a:effectRef>
-          <a:fontRef idx="minor">
-            <a:schemeClr val="tx1"/>
-          </a:fontRef>
-        </p:style>
-      </p:cxnSp>
-      <p:sp>
-        <p:nvSpPr>
-          <p:cNvPr id="21" name="ひし形 20">
-            <a:extLst>
-              <a:ext uri="{FF2B5EF4-FFF2-40B4-BE49-F238E27FC236}">
-                <a16:creationId xmlns:a16="http://schemas.microsoft.com/office/drawing/2014/main" id="{BE810DBC-6D6B-ABA3-02CA-9FBEBF1C7FA7}"/>
-              </a:ext>
-            </a:extLst>
-          </p:cNvPr>
-          <p:cNvSpPr/>
-          <p:nvPr/>
-        </p:nvSpPr>
-        <p:spPr>
-          <a:xfrm>
-            <a:off x="4691743" y="2844848"/>
-            <a:ext cx="1208315" cy="623647"/>
-          </a:xfrm>
-          <a:prstGeom prst="diamond">
-            <a:avLst/>
-          </a:prstGeom>
-          <a:noFill/>
-          <a:ln w="25400">
-            <a:solidFill>
-              <a:schemeClr val="bg1">
-                <a:lumMod val="50000"/>
-              </a:schemeClr>
-            </a:solidFill>
-          </a:ln>
-        </p:spPr>
-        <p:style>
-          <a:lnRef idx="2">
-            <a:schemeClr val="accent1">
-              <a:shade val="15000"/>
-            </a:schemeClr>
-          </a:lnRef>
-          <a:fillRef idx="1">
-            <a:schemeClr val="accent1"/>
-          </a:fillRef>
-          <a:effectRef idx="0">
-            <a:schemeClr val="accent1"/>
-          </a:effectRef>
-          <a:fontRef idx="minor">
-            <a:schemeClr val="lt1"/>
-          </a:fontRef>
-        </p:style>
-        <p:txBody>
-          <a:bodyPr rtlCol="0" anchor="ctr"/>
-          <a:lstStyle/>
-          <a:p>
-            <a:pPr algn="ctr"/>
-            <a:endParaRPr kumimoji="1" lang="ja-JP" altLang="en-US"/>
-          </a:p>
-        </p:txBody>
-      </p:sp>
-      <p:cxnSp>
-        <p:nvCxnSpPr>
-          <p:cNvPr id="22" name="直線矢印コネクタ 21">
-            <a:extLst>
-              <a:ext uri="{FF2B5EF4-FFF2-40B4-BE49-F238E27FC236}">
-                <a16:creationId xmlns:a16="http://schemas.microsoft.com/office/drawing/2014/main" id="{A41915D4-87F6-2948-9748-C5E9360E96D3}"/>
-              </a:ext>
-            </a:extLst>
-          </p:cNvPr>
-          <p:cNvCxnSpPr>
-            <a:cxnSpLocks/>
-            <a:stCxn id="7" idx="6"/>
-            <a:endCxn id="21" idx="1"/>
-          </p:cNvCxnSpPr>
-          <p:nvPr/>
-        </p:nvCxnSpPr>
-        <p:spPr>
-          <a:xfrm>
-            <a:off x="2275115" y="3156672"/>
-            <a:ext cx="2416628" cy="0"/>
-          </a:xfrm>
-          <a:prstGeom prst="straightConnector1">
-            <a:avLst/>
-          </a:prstGeom>
-          <a:ln>
-            <a:solidFill>
-              <a:schemeClr val="bg1">
-                <a:lumMod val="50000"/>
-              </a:schemeClr>
-            </a:solidFill>
-            <a:tailEnd type="triangle"/>
-          </a:ln>
-        </p:spPr>
-        <p:style>
-          <a:lnRef idx="1">
-            <a:schemeClr val="accent1"/>
-          </a:lnRef>
-          <a:fillRef idx="0">
-            <a:schemeClr val="accent1"/>
-          </a:fillRef>
-          <a:effectRef idx="0">
-            <a:schemeClr val="accent1"/>
-          </a:effectRef>
-          <a:fontRef idx="minor">
-            <a:schemeClr val="tx1"/>
-          </a:fontRef>
-        </p:style>
-      </p:cxnSp>
-      <p:sp>
-        <p:nvSpPr>
-          <p:cNvPr id="26" name="円/楕円 25">
-            <a:extLst>
-              <a:ext uri="{FF2B5EF4-FFF2-40B4-BE49-F238E27FC236}">
-                <a16:creationId xmlns:a16="http://schemas.microsoft.com/office/drawing/2014/main" id="{D0F6DB13-9012-CE67-B45A-047C69FE001C}"/>
-              </a:ext>
-            </a:extLst>
-          </p:cNvPr>
-          <p:cNvSpPr/>
-          <p:nvPr/>
-        </p:nvSpPr>
-        <p:spPr>
-          <a:xfrm>
-            <a:off x="8150375" y="3000565"/>
-            <a:ext cx="332621" cy="312212"/>
-          </a:xfrm>
-          <a:prstGeom prst="ellipse">
-            <a:avLst/>
-          </a:prstGeom>
-          <a:noFill/>
-          <a:ln w="25400">
-            <a:solidFill>
-              <a:schemeClr val="bg1">
-                <a:lumMod val="50000"/>
-              </a:schemeClr>
-            </a:solidFill>
-          </a:ln>
-        </p:spPr>
-        <p:style>
-          <a:lnRef idx="2">
-            <a:schemeClr val="accent1">
-              <a:shade val="15000"/>
-            </a:schemeClr>
-          </a:lnRef>
-          <a:fillRef idx="1">
-            <a:schemeClr val="accent1"/>
-          </a:fillRef>
-          <a:effectRef idx="0">
-            <a:schemeClr val="accent1"/>
-          </a:effectRef>
-          <a:fontRef idx="minor">
-            <a:schemeClr val="lt1"/>
-          </a:fontRef>
-        </p:style>
-        <p:txBody>
-          <a:bodyPr rtlCol="0" anchor="ctr"/>
-          <a:lstStyle/>
-          <a:p>
-            <a:pPr algn="ctr"/>
-            <a:endParaRPr kumimoji="1" lang="ja-JP" altLang="en-US"/>
-          </a:p>
-        </p:txBody>
-      </p:sp>
-      <p:cxnSp>
-        <p:nvCxnSpPr>
-          <p:cNvPr id="27" name="直線矢印コネクタ 26">
-            <a:extLst>
-              <a:ext uri="{FF2B5EF4-FFF2-40B4-BE49-F238E27FC236}">
-                <a16:creationId xmlns:a16="http://schemas.microsoft.com/office/drawing/2014/main" id="{3375368F-E81B-09B3-2285-5087C7CC184E}"/>
-              </a:ext>
-            </a:extLst>
-          </p:cNvPr>
-          <p:cNvCxnSpPr>
-            <a:cxnSpLocks/>
-          </p:cNvCxnSpPr>
-          <p:nvPr/>
-        </p:nvCxnSpPr>
-        <p:spPr>
-          <a:xfrm flipV="1">
-            <a:off x="5900058" y="3150468"/>
-            <a:ext cx="2250317" cy="1"/>
-          </a:xfrm>
-          <a:prstGeom prst="straightConnector1">
-            <a:avLst/>
-          </a:prstGeom>
-          <a:ln>
-            <a:solidFill>
-              <a:schemeClr val="bg1">
-                <a:lumMod val="50000"/>
-              </a:schemeClr>
-            </a:solidFill>
-            <a:tailEnd type="triangle"/>
-          </a:ln>
-        </p:spPr>
-        <p:style>
-          <a:lnRef idx="1">
-            <a:schemeClr val="accent1"/>
-          </a:lnRef>
-          <a:fillRef idx="0">
-            <a:schemeClr val="accent1"/>
-          </a:fillRef>
-          <a:effectRef idx="0">
-            <a:schemeClr val="accent1"/>
-          </a:effectRef>
-          <a:fontRef idx="minor">
-            <a:schemeClr val="tx1"/>
-          </a:fontRef>
-        </p:style>
-      </p:cxnSp>
-      <p:sp>
-        <p:nvSpPr>
-          <p:cNvPr id="28" name="テキスト ボックス 27">
-            <a:extLst>
-              <a:ext uri="{FF2B5EF4-FFF2-40B4-BE49-F238E27FC236}">
-                <a16:creationId xmlns:a16="http://schemas.microsoft.com/office/drawing/2014/main" id="{897C8C1D-B489-504B-BB8A-90A844425A37}"/>
-              </a:ext>
-            </a:extLst>
-          </p:cNvPr>
-          <p:cNvSpPr txBox="1"/>
-          <p:nvPr/>
-        </p:nvSpPr>
-        <p:spPr>
-          <a:xfrm>
-            <a:off x="6670190" y="1118176"/>
-            <a:ext cx="543739" cy="369332"/>
+            <a:off x="242761" y="173383"/>
+            <a:ext cx="3671198" cy="369332"/>
           </a:xfrm>
           <a:prstGeom prst="rect">
             <a:avLst/>
@@ -4201,19 +3942,121 @@
           <a:lstStyle/>
           <a:p>
             <a:r>
+              <a:rPr kumimoji="1" lang="ja-JP" altLang="en-US"/>
+              <a:t>投資行動</a:t>
+            </a:r>
+            <a:r>
               <a:rPr kumimoji="1" lang="en-US" altLang="ja-JP" dirty="0"/>
-              <a:t>yes</a:t>
+              <a:t>/</a:t>
+            </a:r>
+            <a:r>
+              <a:rPr lang="en-US" altLang="ja-JP" dirty="0"/>
+              <a:t>key2/</a:t>
+            </a:r>
+            <a:r>
+              <a:rPr lang="ja-JP" altLang="en-US"/>
+              <a:t>第一フロンティア</a:t>
             </a:r>
             <a:endParaRPr kumimoji="1" lang="ja-JP" altLang="en-US"/>
           </a:p>
         </p:txBody>
       </p:sp>
-      <p:sp>
-        <p:nvSpPr>
-          <p:cNvPr id="29" name="テキスト ボックス 28">
-            <a:extLst>
-              <a:ext uri="{FF2B5EF4-FFF2-40B4-BE49-F238E27FC236}">
-                <a16:creationId xmlns:a16="http://schemas.microsoft.com/office/drawing/2014/main" id="{4AA94DF6-1296-63EB-7005-B086D5611173}"/>
+    </p:spTree>
+    <p:extLst>
+      <p:ext uri="{BB962C8B-B14F-4D97-AF65-F5344CB8AC3E}">
+        <p14:creationId xmlns:p14="http://schemas.microsoft.com/office/powerpoint/2010/main" val="2744612077"/>
+      </p:ext>
+    </p:extLst>
+  </p:cSld>
+  <p:clrMapOvr>
+    <a:masterClrMapping/>
+  </p:clrMapOvr>
+</p:sld>
+</file>
+
+<file path=ppt/slides/slide3.xml><?xml version="1.0" encoding="utf-8"?>
+<p:sld xmlns:a="http://schemas.openxmlformats.org/drawingml/2006/main" xmlns:r="http://schemas.openxmlformats.org/officeDocument/2006/relationships" xmlns:p="http://schemas.openxmlformats.org/presentationml/2006/main">
+  <p:cSld>
+    <p:spTree>
+      <p:nvGrpSpPr>
+        <p:cNvPr id="1" name=""/>
+        <p:cNvGrpSpPr/>
+        <p:nvPr/>
+      </p:nvGrpSpPr>
+      <p:grpSpPr>
+        <a:xfrm>
+          <a:off x="0" y="0"/>
+          <a:ext cx="0" cy="0"/>
+          <a:chOff x="0" y="0"/>
+          <a:chExt cx="0" cy="0"/>
+        </a:xfrm>
+      </p:grpSpPr>
+      <p:pic>
+        <p:nvPicPr>
+          <p:cNvPr id="4" name="図 3">
+            <a:extLst>
+              <a:ext uri="{FF2B5EF4-FFF2-40B4-BE49-F238E27FC236}">
+                <a16:creationId xmlns:a16="http://schemas.microsoft.com/office/drawing/2014/main" id="{C5E29980-967B-5F08-26C8-EC4CC0EE8698}"/>
+              </a:ext>
+            </a:extLst>
+          </p:cNvPr>
+          <p:cNvPicPr>
+            <a:picLocks noChangeAspect="1"/>
+          </p:cNvPicPr>
+          <p:nvPr/>
+        </p:nvPicPr>
+        <p:blipFill>
+          <a:blip r:embed="rId2"/>
+          <a:stretch>
+            <a:fillRect/>
+          </a:stretch>
+        </p:blipFill>
+        <p:spPr>
+          <a:xfrm>
+            <a:off x="525443" y="1505714"/>
+            <a:ext cx="4906329" cy="5178903"/>
+          </a:xfrm>
+          <a:prstGeom prst="rect">
+            <a:avLst/>
+          </a:prstGeom>
+        </p:spPr>
+      </p:pic>
+      <p:pic>
+        <p:nvPicPr>
+          <p:cNvPr id="5" name="図 4">
+            <a:extLst>
+              <a:ext uri="{FF2B5EF4-FFF2-40B4-BE49-F238E27FC236}">
+                <a16:creationId xmlns:a16="http://schemas.microsoft.com/office/drawing/2014/main" id="{8525631D-CD37-41CD-B18A-6ED8100794BB}"/>
+              </a:ext>
+            </a:extLst>
+          </p:cNvPr>
+          <p:cNvPicPr>
+            <a:picLocks noChangeAspect="1"/>
+          </p:cNvPicPr>
+          <p:nvPr/>
+        </p:nvPicPr>
+        <p:blipFill>
+          <a:blip r:embed="rId3"/>
+          <a:stretch>
+            <a:fillRect/>
+          </a:stretch>
+        </p:blipFill>
+        <p:spPr>
+          <a:xfrm>
+            <a:off x="6340941" y="339865"/>
+            <a:ext cx="4983008" cy="2834778"/>
+          </a:xfrm>
+          <a:prstGeom prst="rect">
+            <a:avLst/>
+          </a:prstGeom>
+        </p:spPr>
+      </p:pic>
+      <p:sp>
+        <p:nvSpPr>
+          <p:cNvPr id="6" name="テキスト ボックス 5">
+            <a:extLst>
+              <a:ext uri="{FF2B5EF4-FFF2-40B4-BE49-F238E27FC236}">
+                <a16:creationId xmlns:a16="http://schemas.microsoft.com/office/drawing/2014/main" id="{516E63F8-3CA7-9444-6290-9F6816E6C292}"/>
               </a:ext>
             </a:extLst>
           </p:cNvPr>
@@ -4222,8 +4065,8 @@
         </p:nvSpPr>
         <p:spPr>
           <a:xfrm>
-            <a:off x="3280796" y="2117350"/>
-            <a:ext cx="449162" cy="369332"/>
+            <a:off x="242761" y="173383"/>
+            <a:ext cx="4030270" cy="369332"/>
           </a:xfrm>
           <a:prstGeom prst="rect">
             <a:avLst/>
@@ -4237,19 +4080,61 @@
           <a:lstStyle/>
           <a:p>
             <a:r>
+              <a:rPr kumimoji="1" lang="ja-JP" altLang="en-US"/>
+              <a:t>投資行動</a:t>
+            </a:r>
+            <a:r>
               <a:rPr kumimoji="1" lang="en-US" altLang="ja-JP" dirty="0"/>
-              <a:t>no</a:t>
+              <a:t>/</a:t>
+            </a:r>
+            <a:r>
+              <a:rPr lang="en-US" altLang="ja-JP" dirty="0"/>
+              <a:t>key22/</a:t>
+            </a:r>
+            <a:r>
+              <a:rPr lang="ja-JP" altLang="en-US"/>
+              <a:t>住友生命の交換資料</a:t>
             </a:r>
             <a:endParaRPr kumimoji="1" lang="ja-JP" altLang="en-US"/>
           </a:p>
         </p:txBody>
       </p:sp>
-      <p:sp>
-        <p:nvSpPr>
-          <p:cNvPr id="30" name="テキスト ボックス 29">
-            <a:extLst>
-              <a:ext uri="{FF2B5EF4-FFF2-40B4-BE49-F238E27FC236}">
-                <a16:creationId xmlns:a16="http://schemas.microsoft.com/office/drawing/2014/main" id="{F365B377-AC9D-9B55-CAE1-8948345DD438}"/>
+      <p:pic>
+        <p:nvPicPr>
+          <p:cNvPr id="7" name="図 6">
+            <a:extLst>
+              <a:ext uri="{FF2B5EF4-FFF2-40B4-BE49-F238E27FC236}">
+                <a16:creationId xmlns:a16="http://schemas.microsoft.com/office/drawing/2014/main" id="{85597DA6-8171-0B94-3410-4B77938A87FA}"/>
+              </a:ext>
+            </a:extLst>
+          </p:cNvPr>
+          <p:cNvPicPr>
+            <a:picLocks noChangeAspect="1"/>
+          </p:cNvPicPr>
+          <p:nvPr/>
+        </p:nvPicPr>
+        <p:blipFill>
+          <a:blip r:embed="rId4"/>
+          <a:stretch>
+            <a:fillRect/>
+          </a:stretch>
+        </p:blipFill>
+        <p:spPr>
+          <a:xfrm>
+            <a:off x="4675776" y="3394274"/>
+            <a:ext cx="6871559" cy="3251364"/>
+          </a:xfrm>
+          <a:prstGeom prst="rect">
+            <a:avLst/>
+          </a:prstGeom>
+        </p:spPr>
+      </p:pic>
+      <p:sp>
+        <p:nvSpPr>
+          <p:cNvPr id="8" name="テキスト ボックス 7">
+            <a:extLst>
+              <a:ext uri="{FF2B5EF4-FFF2-40B4-BE49-F238E27FC236}">
+                <a16:creationId xmlns:a16="http://schemas.microsoft.com/office/drawing/2014/main" id="{67D6B287-0BB9-5EFA-2784-24179551140C}"/>
               </a:ext>
             </a:extLst>
           </p:cNvPr>
@@ -4258,8 +4143,8 @@
         </p:nvSpPr>
         <p:spPr>
           <a:xfrm>
-            <a:off x="6670190" y="2815899"/>
-            <a:ext cx="543739" cy="369332"/>
+            <a:off x="868051" y="701049"/>
+            <a:ext cx="4815742" cy="646331"/>
           </a:xfrm>
           <a:prstGeom prst="rect">
             <a:avLst/>
@@ -4273,19 +4158,110 @@
           <a:lstStyle/>
           <a:p>
             <a:r>
+              <a:rPr lang="ja-JP" altLang="en-US"/>
+              <a:t>正解値の</a:t>
+            </a:r>
+            <a:r>
+              <a:rPr lang="en-US" altLang="ja-JP" dirty="0"/>
+              <a:t>89065</a:t>
+            </a:r>
+            <a:r>
+              <a:rPr lang="ja-JP" altLang="en-US"/>
+              <a:t>が交換資料中にない</a:t>
+            </a:r>
+            <a:endParaRPr lang="en-US" altLang="ja-JP" dirty="0"/>
+          </a:p>
+          <a:p>
+            <a:r>
               <a:rPr kumimoji="1" lang="en-US" altLang="ja-JP" dirty="0"/>
-              <a:t>yes</a:t>
+              <a:t>(</a:t>
+            </a:r>
+            <a:r>
+              <a:rPr kumimoji="1" lang="ja-JP" altLang="en-US"/>
+              <a:t>交換資料から取得する値について</a:t>
+            </a:r>
+            <a:r>
+              <a:rPr kumimoji="1" lang="en-US" altLang="ja-JP" dirty="0"/>
+              <a:t>.xlsx </a:t>
+            </a:r>
+            <a:r>
+              <a:rPr kumimoji="1" lang="ja-JP" altLang="en-US"/>
+              <a:t>参照</a:t>
+            </a:r>
+            <a:r>
+              <a:rPr kumimoji="1" lang="en-US" altLang="ja-JP" dirty="0"/>
+              <a:t>)</a:t>
             </a:r>
             <a:endParaRPr kumimoji="1" lang="ja-JP" altLang="en-US"/>
           </a:p>
         </p:txBody>
       </p:sp>
-      <p:sp>
-        <p:nvSpPr>
-          <p:cNvPr id="31" name="テキスト ボックス 30">
-            <a:extLst>
-              <a:ext uri="{FF2B5EF4-FFF2-40B4-BE49-F238E27FC236}">
-                <a16:creationId xmlns:a16="http://schemas.microsoft.com/office/drawing/2014/main" id="{1FA9F018-B2B6-34FF-C8B6-7EC54DE5BF4B}"/>
+    </p:spTree>
+    <p:extLst>
+      <p:ext uri="{BB962C8B-B14F-4D97-AF65-F5344CB8AC3E}">
+        <p14:creationId xmlns:p14="http://schemas.microsoft.com/office/powerpoint/2010/main" val="1698037241"/>
+      </p:ext>
+    </p:extLst>
+  </p:cSld>
+  <p:clrMapOvr>
+    <a:masterClrMapping/>
+  </p:clrMapOvr>
+</p:sld>
+</file>
+
+<file path=ppt/slides/slide4.xml><?xml version="1.0" encoding="utf-8"?>
+<p:sld xmlns:a="http://schemas.openxmlformats.org/drawingml/2006/main" xmlns:r="http://schemas.openxmlformats.org/officeDocument/2006/relationships" xmlns:p="http://schemas.openxmlformats.org/presentationml/2006/main">
+  <p:cSld>
+    <p:spTree>
+      <p:nvGrpSpPr>
+        <p:cNvPr id="1" name=""/>
+        <p:cNvGrpSpPr/>
+        <p:nvPr/>
+      </p:nvGrpSpPr>
+      <p:grpSpPr>
+        <a:xfrm>
+          <a:off x="0" y="0"/>
+          <a:ext cx="0" cy="0"/>
+          <a:chOff x="0" y="0"/>
+          <a:chExt cx="0" cy="0"/>
+        </a:xfrm>
+      </p:grpSpPr>
+      <p:pic>
+        <p:nvPicPr>
+          <p:cNvPr id="4" name="図 3">
+            <a:extLst>
+              <a:ext uri="{FF2B5EF4-FFF2-40B4-BE49-F238E27FC236}">
+                <a16:creationId xmlns:a16="http://schemas.microsoft.com/office/drawing/2014/main" id="{2111252A-C706-7E97-EA34-724D15BF9147}"/>
+              </a:ext>
+            </a:extLst>
+          </p:cNvPr>
+          <p:cNvPicPr>
+            <a:picLocks noChangeAspect="1"/>
+          </p:cNvPicPr>
+          <p:nvPr/>
+        </p:nvPicPr>
+        <p:blipFill>
+          <a:blip r:embed="rId2"/>
+          <a:stretch>
+            <a:fillRect/>
+          </a:stretch>
+        </p:blipFill>
+        <p:spPr>
+          <a:xfrm>
+            <a:off x="491066" y="2731535"/>
+            <a:ext cx="9558868" cy="3750234"/>
+          </a:xfrm>
+          <a:prstGeom prst="rect">
+            <a:avLst/>
+          </a:prstGeom>
+        </p:spPr>
+      </p:pic>
+      <p:sp>
+        <p:nvSpPr>
+          <p:cNvPr id="5" name="テキスト ボックス 4">
+            <a:extLst>
+              <a:ext uri="{FF2B5EF4-FFF2-40B4-BE49-F238E27FC236}">
+                <a16:creationId xmlns:a16="http://schemas.microsoft.com/office/drawing/2014/main" id="{59E81A07-161F-5997-3EA8-9FE461F1C36E}"/>
               </a:ext>
             </a:extLst>
           </p:cNvPr>
@@ -4294,8 +4270,8 @@
         </p:nvSpPr>
         <p:spPr>
           <a:xfrm>
-            <a:off x="1333429" y="1706928"/>
-            <a:ext cx="1569660" cy="369332"/>
+            <a:off x="242761" y="173383"/>
+            <a:ext cx="1840568" cy="369332"/>
           </a:xfrm>
           <a:prstGeom prst="rect">
             <a:avLst/>
@@ -4308,77 +4284,38 @@
           </a:bodyPr>
           <a:lstStyle/>
           <a:p>
-            <a:pPr algn="ctr"/>
-            <a:r>
-              <a:rPr kumimoji="1" lang="ja-JP" altLang="en-US"/>
-              <a:t>チャンク検索</a:t>
-            </a:r>
-          </a:p>
-        </p:txBody>
-      </p:sp>
-      <p:cxnSp>
-        <p:nvCxnSpPr>
-          <p:cNvPr id="32" name="直線矢印コネクタ 31">
-            <a:extLst>
-              <a:ext uri="{FF2B5EF4-FFF2-40B4-BE49-F238E27FC236}">
-                <a16:creationId xmlns:a16="http://schemas.microsoft.com/office/drawing/2014/main" id="{EB23F3E5-A7C9-7C16-95A9-D7A7AD51D9C5}"/>
-              </a:ext>
-            </a:extLst>
-          </p:cNvPr>
-          <p:cNvCxnSpPr>
-            <a:cxnSpLocks/>
-            <a:endCxn id="4" idx="0"/>
-          </p:cNvCxnSpPr>
+            <a:r>
+              <a:rPr kumimoji="1" lang="ja-JP" altLang="en-US"/>
+              <a:t>主要損益</a:t>
+            </a:r>
+            <a:r>
+              <a:rPr kumimoji="1" lang="en-US" altLang="ja-JP" dirty="0"/>
+              <a:t>/</a:t>
+            </a:r>
+            <a:r>
+              <a:rPr lang="en-US" altLang="ja-JP" dirty="0"/>
+              <a:t>key21</a:t>
+            </a:r>
+            <a:endParaRPr kumimoji="1" lang="ja-JP" altLang="en-US"/>
+          </a:p>
+        </p:txBody>
+      </p:sp>
+      <p:sp>
+        <p:nvSpPr>
+          <p:cNvPr id="6" name="テキスト ボックス 5">
+            <a:extLst>
+              <a:ext uri="{FF2B5EF4-FFF2-40B4-BE49-F238E27FC236}">
+                <a16:creationId xmlns:a16="http://schemas.microsoft.com/office/drawing/2014/main" id="{5517EA2F-F73D-1D8C-374B-90277D38308A}"/>
+              </a:ext>
+            </a:extLst>
+          </p:cNvPr>
+          <p:cNvSpPr txBox="1"/>
           <p:nvPr/>
-        </p:nvCxnSpPr>
+        </p:nvSpPr>
         <p:spPr>
           <a:xfrm>
-            <a:off x="2108804" y="903515"/>
-            <a:ext cx="1" cy="434081"/>
-          </a:xfrm>
-          <a:prstGeom prst="straightConnector1">
-            <a:avLst/>
-          </a:prstGeom>
-          <a:ln>
-            <a:solidFill>
-              <a:schemeClr val="bg1">
-                <a:lumMod val="50000"/>
-              </a:schemeClr>
-            </a:solidFill>
-            <a:tailEnd type="triangle"/>
-          </a:ln>
-        </p:spPr>
-        <p:style>
-          <a:lnRef idx="1">
-            <a:schemeClr val="accent1"/>
-          </a:lnRef>
-          <a:fillRef idx="0">
-            <a:schemeClr val="accent1"/>
-          </a:fillRef>
-          <a:effectRef idx="0">
-            <a:schemeClr val="accent1"/>
-          </a:effectRef>
-          <a:fontRef idx="minor">
-            <a:schemeClr val="tx1"/>
-          </a:fontRef>
-        </p:style>
-      </p:cxnSp>
-      <p:sp>
-        <p:nvSpPr>
-          <p:cNvPr id="35" name="テキスト ボックス 34">
-            <a:extLst>
-              <a:ext uri="{FF2B5EF4-FFF2-40B4-BE49-F238E27FC236}">
-                <a16:creationId xmlns:a16="http://schemas.microsoft.com/office/drawing/2014/main" id="{42FB52C0-9798-1B63-2535-35A95A37D908}"/>
-              </a:ext>
-            </a:extLst>
-          </p:cNvPr>
-          <p:cNvSpPr txBox="1"/>
-          <p:nvPr/>
-        </p:nvSpPr>
-        <p:spPr>
-          <a:xfrm>
-            <a:off x="1643610" y="534183"/>
-            <a:ext cx="949299" cy="369332"/>
+            <a:off x="491066" y="792174"/>
+            <a:ext cx="3647152" cy="369332"/>
           </a:xfrm>
           <a:prstGeom prst="rect">
             <a:avLst/>
@@ -4392,1041 +4329,103 @@
           <a:lstStyle/>
           <a:p>
             <a:r>
-              <a:rPr kumimoji="1" lang="en-US" altLang="ja-JP" dirty="0"/>
-              <a:t>ENTRY</a:t>
+              <a:rPr lang="ja-JP" altLang="en-US"/>
+              <a:t>表の取得値が一つ隣にずれるやつ</a:t>
             </a:r>
             <a:endParaRPr kumimoji="1" lang="ja-JP" altLang="en-US"/>
           </a:p>
         </p:txBody>
       </p:sp>
-      <p:sp>
-        <p:nvSpPr>
-          <p:cNvPr id="36" name="テキスト ボックス 35">
-            <a:extLst>
-              <a:ext uri="{FF2B5EF4-FFF2-40B4-BE49-F238E27FC236}">
-                <a16:creationId xmlns:a16="http://schemas.microsoft.com/office/drawing/2014/main" id="{86E8837C-7793-A112-A8E4-BB5EC2A62ED7}"/>
-              </a:ext>
-            </a:extLst>
-          </p:cNvPr>
-          <p:cNvSpPr txBox="1"/>
+      <p:grpSp>
+        <p:nvGrpSpPr>
+          <p:cNvPr id="7" name="グループ化 6">
+            <a:extLst>
+              <a:ext uri="{FF2B5EF4-FFF2-40B4-BE49-F238E27FC236}">
+                <a16:creationId xmlns:a16="http://schemas.microsoft.com/office/drawing/2014/main" id="{20CD39EA-C66F-7FA3-8D37-36DF5CA48677}"/>
+              </a:ext>
+            </a:extLst>
+          </p:cNvPr>
+          <p:cNvGrpSpPr/>
           <p:nvPr/>
-        </p:nvSpPr>
-        <p:spPr>
+        </p:nvGrpSpPr>
+        <p:grpSpPr>
           <a:xfrm>
-            <a:off x="9602713" y="1309036"/>
-            <a:ext cx="671979" cy="369332"/>
+            <a:off x="4542934" y="376231"/>
+            <a:ext cx="7021699" cy="4867955"/>
+            <a:chOff x="1853749" y="422096"/>
+            <a:chExt cx="8770643" cy="5922059"/>
           </a:xfrm>
-          <a:prstGeom prst="rect">
-            <a:avLst/>
-          </a:prstGeom>
-          <a:noFill/>
-        </p:spPr>
-        <p:txBody>
-          <a:bodyPr wrap="none" rtlCol="0">
-            <a:spAutoFit/>
-          </a:bodyPr>
-          <a:lstStyle/>
-          <a:p>
-            <a:r>
-              <a:rPr kumimoji="1" lang="en-US" altLang="ja-JP" dirty="0"/>
-              <a:t>END</a:t>
-            </a:r>
-            <a:endParaRPr kumimoji="1" lang="ja-JP" altLang="en-US"/>
-          </a:p>
-        </p:txBody>
-      </p:sp>
-      <p:sp>
-        <p:nvSpPr>
-          <p:cNvPr id="39" name="テキスト ボックス 38">
-            <a:extLst>
-              <a:ext uri="{FF2B5EF4-FFF2-40B4-BE49-F238E27FC236}">
-                <a16:creationId xmlns:a16="http://schemas.microsoft.com/office/drawing/2014/main" id="{E2121F1A-A4D7-E536-C853-EB1513E27F25}"/>
-              </a:ext>
-            </a:extLst>
-          </p:cNvPr>
-          <p:cNvSpPr txBox="1"/>
-          <p:nvPr/>
-        </p:nvSpPr>
-        <p:spPr>
-          <a:xfrm>
-            <a:off x="7762692" y="1706928"/>
-            <a:ext cx="1107996" cy="369332"/>
-          </a:xfrm>
-          <a:prstGeom prst="rect">
-            <a:avLst/>
-          </a:prstGeom>
-          <a:noFill/>
-        </p:spPr>
-        <p:txBody>
-          <a:bodyPr wrap="none" rtlCol="0">
-            <a:spAutoFit/>
-          </a:bodyPr>
-          <a:lstStyle/>
-          <a:p>
-            <a:pPr algn="ctr"/>
-            <a:r>
-              <a:rPr kumimoji="1" lang="ja-JP" altLang="en-US"/>
-              <a:t>数値抽出</a:t>
-            </a:r>
-          </a:p>
-        </p:txBody>
-      </p:sp>
-      <p:sp>
-        <p:nvSpPr>
-          <p:cNvPr id="40" name="テキスト ボックス 39">
-            <a:extLst>
-              <a:ext uri="{FF2B5EF4-FFF2-40B4-BE49-F238E27FC236}">
-                <a16:creationId xmlns:a16="http://schemas.microsoft.com/office/drawing/2014/main" id="{34C6DC8F-8159-8967-85EF-D065C9016B41}"/>
-              </a:ext>
-            </a:extLst>
-          </p:cNvPr>
-          <p:cNvSpPr txBox="1"/>
-          <p:nvPr/>
-        </p:nvSpPr>
-        <p:spPr>
-          <a:xfrm>
-            <a:off x="7762692" y="3400449"/>
-            <a:ext cx="1107996" cy="369332"/>
-          </a:xfrm>
-          <a:prstGeom prst="rect">
-            <a:avLst/>
-          </a:prstGeom>
-          <a:noFill/>
-        </p:spPr>
-        <p:txBody>
-          <a:bodyPr wrap="none" rtlCol="0">
-            <a:spAutoFit/>
-          </a:bodyPr>
-          <a:lstStyle/>
-          <a:p>
-            <a:pPr algn="ctr"/>
-            <a:r>
-              <a:rPr kumimoji="1" lang="ja-JP" altLang="en-US"/>
-              <a:t>数値抽出</a:t>
-            </a:r>
-          </a:p>
-        </p:txBody>
-      </p:sp>
-      <p:sp>
-        <p:nvSpPr>
-          <p:cNvPr id="41" name="テキスト ボックス 40">
-            <a:extLst>
-              <a:ext uri="{FF2B5EF4-FFF2-40B4-BE49-F238E27FC236}">
-                <a16:creationId xmlns:a16="http://schemas.microsoft.com/office/drawing/2014/main" id="{4078F7A0-7BB5-231D-BA70-0F6BF5C274FF}"/>
-              </a:ext>
-            </a:extLst>
-          </p:cNvPr>
-          <p:cNvSpPr txBox="1"/>
-          <p:nvPr/>
-        </p:nvSpPr>
-        <p:spPr>
-          <a:xfrm>
-            <a:off x="1333429" y="3390948"/>
-            <a:ext cx="1569660" cy="369332"/>
-          </a:xfrm>
-          <a:prstGeom prst="rect">
-            <a:avLst/>
-          </a:prstGeom>
-          <a:noFill/>
-        </p:spPr>
-        <p:txBody>
-          <a:bodyPr wrap="none" rtlCol="0">
-            <a:spAutoFit/>
-          </a:bodyPr>
-          <a:lstStyle/>
-          <a:p>
-            <a:pPr algn="ctr"/>
-            <a:r>
-              <a:rPr kumimoji="1" lang="ja-JP" altLang="en-US"/>
-              <a:t>テーブル取得</a:t>
-            </a:r>
-          </a:p>
-        </p:txBody>
-      </p:sp>
-      <p:cxnSp>
-        <p:nvCxnSpPr>
-          <p:cNvPr id="42" name="直線矢印コネクタ 41">
-            <a:extLst>
-              <a:ext uri="{FF2B5EF4-FFF2-40B4-BE49-F238E27FC236}">
-                <a16:creationId xmlns:a16="http://schemas.microsoft.com/office/drawing/2014/main" id="{639C5589-53A1-A582-B9C1-6C0C0B8C46DD}"/>
-              </a:ext>
-            </a:extLst>
-          </p:cNvPr>
-          <p:cNvCxnSpPr>
-            <a:cxnSpLocks/>
-          </p:cNvCxnSpPr>
-          <p:nvPr/>
-        </p:nvCxnSpPr>
-        <p:spPr>
-          <a:xfrm>
-            <a:off x="8482996" y="1489244"/>
-            <a:ext cx="1119717" cy="0"/>
-          </a:xfrm>
-          <a:prstGeom prst="straightConnector1">
-            <a:avLst/>
-          </a:prstGeom>
-          <a:ln>
-            <a:solidFill>
-              <a:schemeClr val="bg1">
-                <a:lumMod val="50000"/>
-              </a:schemeClr>
-            </a:solidFill>
-            <a:tailEnd type="triangle"/>
-          </a:ln>
-        </p:spPr>
-        <p:style>
-          <a:lnRef idx="1">
-            <a:schemeClr val="accent1"/>
-          </a:lnRef>
-          <a:fillRef idx="0">
-            <a:schemeClr val="accent1"/>
-          </a:fillRef>
-          <a:effectRef idx="0">
-            <a:schemeClr val="accent1"/>
-          </a:effectRef>
-          <a:fontRef idx="minor">
-            <a:schemeClr val="tx1"/>
-          </a:fontRef>
-        </p:style>
-      </p:cxnSp>
-      <p:sp>
-        <p:nvSpPr>
-          <p:cNvPr id="48" name="テキスト ボックス 47">
-            <a:extLst>
-              <a:ext uri="{FF2B5EF4-FFF2-40B4-BE49-F238E27FC236}">
-                <a16:creationId xmlns:a16="http://schemas.microsoft.com/office/drawing/2014/main" id="{0EB5C23A-F1DA-ECDA-ED13-E6BF4A55E8B9}"/>
-              </a:ext>
-            </a:extLst>
-          </p:cNvPr>
-          <p:cNvSpPr txBox="1"/>
-          <p:nvPr/>
-        </p:nvSpPr>
-        <p:spPr>
-          <a:xfrm>
-            <a:off x="9602713" y="2970260"/>
-            <a:ext cx="671979" cy="369332"/>
-          </a:xfrm>
-          <a:prstGeom prst="rect">
-            <a:avLst/>
-          </a:prstGeom>
-          <a:noFill/>
-        </p:spPr>
-        <p:txBody>
-          <a:bodyPr wrap="none" rtlCol="0">
-            <a:spAutoFit/>
-          </a:bodyPr>
-          <a:lstStyle/>
-          <a:p>
-            <a:r>
-              <a:rPr kumimoji="1" lang="en-US" altLang="ja-JP" dirty="0"/>
-              <a:t>END</a:t>
-            </a:r>
-            <a:endParaRPr kumimoji="1" lang="ja-JP" altLang="en-US"/>
-          </a:p>
-        </p:txBody>
-      </p:sp>
-      <p:cxnSp>
-        <p:nvCxnSpPr>
-          <p:cNvPr id="49" name="直線矢印コネクタ 48">
-            <a:extLst>
-              <a:ext uri="{FF2B5EF4-FFF2-40B4-BE49-F238E27FC236}">
-                <a16:creationId xmlns:a16="http://schemas.microsoft.com/office/drawing/2014/main" id="{03CC89A0-ED79-B276-0A3C-A395EB2608DB}"/>
-              </a:ext>
-            </a:extLst>
-          </p:cNvPr>
-          <p:cNvCxnSpPr>
-            <a:cxnSpLocks/>
-          </p:cNvCxnSpPr>
-          <p:nvPr/>
-        </p:nvCxnSpPr>
-        <p:spPr>
-          <a:xfrm>
-            <a:off x="8482996" y="3150468"/>
-            <a:ext cx="1119717" cy="0"/>
-          </a:xfrm>
-          <a:prstGeom prst="straightConnector1">
-            <a:avLst/>
-          </a:prstGeom>
-          <a:ln>
-            <a:solidFill>
-              <a:schemeClr val="bg1">
-                <a:lumMod val="50000"/>
-              </a:schemeClr>
-            </a:solidFill>
-            <a:tailEnd type="triangle"/>
-          </a:ln>
-        </p:spPr>
-        <p:style>
-          <a:lnRef idx="1">
-            <a:schemeClr val="accent1"/>
-          </a:lnRef>
-          <a:fillRef idx="0">
-            <a:schemeClr val="accent1"/>
-          </a:fillRef>
-          <a:effectRef idx="0">
-            <a:schemeClr val="accent1"/>
-          </a:effectRef>
-          <a:fontRef idx="minor">
-            <a:schemeClr val="tx1"/>
-          </a:fontRef>
-        </p:style>
-      </p:cxnSp>
-      <p:cxnSp>
-        <p:nvCxnSpPr>
-          <p:cNvPr id="50" name="直線矢印コネクタ 49">
-            <a:extLst>
-              <a:ext uri="{FF2B5EF4-FFF2-40B4-BE49-F238E27FC236}">
-                <a16:creationId xmlns:a16="http://schemas.microsoft.com/office/drawing/2014/main" id="{09CB5FFF-5E3B-4B9A-14F7-21B2C096ACB4}"/>
-              </a:ext>
-            </a:extLst>
-          </p:cNvPr>
-          <p:cNvCxnSpPr>
-            <a:cxnSpLocks/>
-            <a:endCxn id="53" idx="7"/>
-          </p:cNvCxnSpPr>
-          <p:nvPr/>
-        </p:nvCxnSpPr>
-        <p:spPr>
-          <a:xfrm flipH="1">
-            <a:off x="2226404" y="3465229"/>
-            <a:ext cx="3069497" cy="1231722"/>
-          </a:xfrm>
-          <a:prstGeom prst="straightConnector1">
-            <a:avLst/>
-          </a:prstGeom>
-          <a:ln>
-            <a:solidFill>
-              <a:schemeClr val="bg1">
-                <a:lumMod val="50000"/>
-              </a:schemeClr>
-            </a:solidFill>
-            <a:tailEnd type="triangle"/>
-          </a:ln>
-        </p:spPr>
-        <p:style>
-          <a:lnRef idx="1">
-            <a:schemeClr val="accent1"/>
-          </a:lnRef>
-          <a:fillRef idx="0">
-            <a:schemeClr val="accent1"/>
-          </a:fillRef>
-          <a:effectRef idx="0">
-            <a:schemeClr val="accent1"/>
-          </a:effectRef>
-          <a:fontRef idx="minor">
-            <a:schemeClr val="tx1"/>
-          </a:fontRef>
-        </p:style>
-      </p:cxnSp>
-      <p:sp>
-        <p:nvSpPr>
-          <p:cNvPr id="53" name="円/楕円 52">
-            <a:extLst>
-              <a:ext uri="{FF2B5EF4-FFF2-40B4-BE49-F238E27FC236}">
-                <a16:creationId xmlns:a16="http://schemas.microsoft.com/office/drawing/2014/main" id="{FC85C6D7-19AB-3600-C51C-CAF5C239527C}"/>
-              </a:ext>
-            </a:extLst>
-          </p:cNvPr>
-          <p:cNvSpPr/>
-          <p:nvPr/>
-        </p:nvSpPr>
-        <p:spPr>
-          <a:xfrm>
-            <a:off x="1942494" y="4651229"/>
-            <a:ext cx="332621" cy="312212"/>
-          </a:xfrm>
-          <a:prstGeom prst="ellipse">
-            <a:avLst/>
-          </a:prstGeom>
-          <a:noFill/>
-          <a:ln w="25400">
-            <a:solidFill>
-              <a:schemeClr val="bg1">
-                <a:lumMod val="50000"/>
-              </a:schemeClr>
-            </a:solidFill>
-          </a:ln>
-        </p:spPr>
-        <p:style>
-          <a:lnRef idx="2">
-            <a:schemeClr val="accent1">
-              <a:shade val="15000"/>
-            </a:schemeClr>
-          </a:lnRef>
-          <a:fillRef idx="1">
-            <a:schemeClr val="accent1"/>
-          </a:fillRef>
-          <a:effectRef idx="0">
-            <a:schemeClr val="accent1"/>
-          </a:effectRef>
-          <a:fontRef idx="minor">
-            <a:schemeClr val="lt1"/>
-          </a:fontRef>
-        </p:style>
-        <p:txBody>
-          <a:bodyPr rtlCol="0" anchor="ctr"/>
-          <a:lstStyle/>
-          <a:p>
-            <a:pPr algn="ctr"/>
-            <a:endParaRPr kumimoji="1" lang="ja-JP" altLang="en-US"/>
-          </a:p>
-        </p:txBody>
-      </p:sp>
-      <p:sp>
-        <p:nvSpPr>
-          <p:cNvPr id="55" name="テキスト ボックス 54">
-            <a:extLst>
-              <a:ext uri="{FF2B5EF4-FFF2-40B4-BE49-F238E27FC236}">
-                <a16:creationId xmlns:a16="http://schemas.microsoft.com/office/drawing/2014/main" id="{417F35BF-17F0-2A4F-AB30-11E189738256}"/>
-              </a:ext>
-            </a:extLst>
-          </p:cNvPr>
-          <p:cNvSpPr txBox="1"/>
-          <p:nvPr/>
-        </p:nvSpPr>
-        <p:spPr>
-          <a:xfrm>
-            <a:off x="3348254" y="3711758"/>
-            <a:ext cx="449162" cy="369332"/>
-          </a:xfrm>
-          <a:prstGeom prst="rect">
-            <a:avLst/>
-          </a:prstGeom>
-          <a:noFill/>
-        </p:spPr>
-        <p:txBody>
-          <a:bodyPr wrap="none" rtlCol="0">
-            <a:spAutoFit/>
-          </a:bodyPr>
-          <a:lstStyle/>
-          <a:p>
-            <a:r>
-              <a:rPr kumimoji="1" lang="en-US" altLang="ja-JP" dirty="0"/>
-              <a:t>no</a:t>
-            </a:r>
-            <a:endParaRPr kumimoji="1" lang="ja-JP" altLang="en-US"/>
-          </a:p>
-        </p:txBody>
-      </p:sp>
-      <p:sp>
-        <p:nvSpPr>
-          <p:cNvPr id="56" name="テキスト ボックス 55">
-            <a:extLst>
-              <a:ext uri="{FF2B5EF4-FFF2-40B4-BE49-F238E27FC236}">
-                <a16:creationId xmlns:a16="http://schemas.microsoft.com/office/drawing/2014/main" id="{320CE5E4-22F2-B3EA-1240-27E0E99B8C18}"/>
-              </a:ext>
-            </a:extLst>
-          </p:cNvPr>
-          <p:cNvSpPr txBox="1"/>
-          <p:nvPr/>
-        </p:nvSpPr>
-        <p:spPr>
-          <a:xfrm>
-            <a:off x="1802308" y="5014615"/>
-            <a:ext cx="631904" cy="369332"/>
-          </a:xfrm>
-          <a:prstGeom prst="rect">
-            <a:avLst/>
-          </a:prstGeom>
-          <a:noFill/>
-        </p:spPr>
-        <p:txBody>
-          <a:bodyPr wrap="none" rtlCol="0">
-            <a:spAutoFit/>
-          </a:bodyPr>
-          <a:lstStyle/>
-          <a:p>
-            <a:pPr algn="ctr"/>
-            <a:r>
-              <a:rPr kumimoji="1" lang="en-US" altLang="ja-JP" dirty="0"/>
-              <a:t>XXX</a:t>
-            </a:r>
-            <a:endParaRPr kumimoji="1" lang="ja-JP" altLang="en-US"/>
-          </a:p>
-        </p:txBody>
-      </p:sp>
-      <p:sp>
-        <p:nvSpPr>
-          <p:cNvPr id="58" name="ひし形 57">
-            <a:extLst>
-              <a:ext uri="{FF2B5EF4-FFF2-40B4-BE49-F238E27FC236}">
-                <a16:creationId xmlns:a16="http://schemas.microsoft.com/office/drawing/2014/main" id="{A9998EAA-923E-1685-DCBE-F1709994C5C6}"/>
-              </a:ext>
-            </a:extLst>
-          </p:cNvPr>
-          <p:cNvSpPr/>
-          <p:nvPr/>
-        </p:nvSpPr>
-        <p:spPr>
-          <a:xfrm>
-            <a:off x="4691743" y="4492245"/>
-            <a:ext cx="1208315" cy="623647"/>
-          </a:xfrm>
-          <a:prstGeom prst="diamond">
-            <a:avLst/>
-          </a:prstGeom>
-          <a:noFill/>
-          <a:ln w="25400">
-            <a:solidFill>
-              <a:schemeClr val="bg1">
-                <a:lumMod val="50000"/>
-              </a:schemeClr>
-            </a:solidFill>
-          </a:ln>
-        </p:spPr>
-        <p:style>
-          <a:lnRef idx="2">
-            <a:schemeClr val="accent1">
-              <a:shade val="15000"/>
-            </a:schemeClr>
-          </a:lnRef>
-          <a:fillRef idx="1">
-            <a:schemeClr val="accent1"/>
-          </a:fillRef>
-          <a:effectRef idx="0">
-            <a:schemeClr val="accent1"/>
-          </a:effectRef>
-          <a:fontRef idx="minor">
-            <a:schemeClr val="lt1"/>
-          </a:fontRef>
-        </p:style>
-        <p:txBody>
-          <a:bodyPr rtlCol="0" anchor="ctr"/>
-          <a:lstStyle/>
-          <a:p>
-            <a:pPr algn="ctr"/>
-            <a:endParaRPr kumimoji="1" lang="ja-JP" altLang="en-US"/>
-          </a:p>
-        </p:txBody>
-      </p:sp>
-      <p:cxnSp>
-        <p:nvCxnSpPr>
-          <p:cNvPr id="59" name="直線矢印コネクタ 58">
-            <a:extLst>
-              <a:ext uri="{FF2B5EF4-FFF2-40B4-BE49-F238E27FC236}">
-                <a16:creationId xmlns:a16="http://schemas.microsoft.com/office/drawing/2014/main" id="{BCD838AF-51AE-77E3-5A6C-DD8D06EDD067}"/>
-              </a:ext>
-            </a:extLst>
-          </p:cNvPr>
-          <p:cNvCxnSpPr>
-            <a:cxnSpLocks/>
-          </p:cNvCxnSpPr>
-          <p:nvPr/>
-        </p:nvCxnSpPr>
-        <p:spPr>
-          <a:xfrm>
-            <a:off x="2275115" y="4803882"/>
-            <a:ext cx="2416628" cy="0"/>
-          </a:xfrm>
-          <a:prstGeom prst="straightConnector1">
-            <a:avLst/>
-          </a:prstGeom>
-          <a:ln>
-            <a:solidFill>
-              <a:schemeClr val="bg1">
-                <a:lumMod val="50000"/>
-              </a:schemeClr>
-            </a:solidFill>
-            <a:tailEnd type="triangle"/>
-          </a:ln>
-        </p:spPr>
-        <p:style>
-          <a:lnRef idx="1">
-            <a:schemeClr val="accent1"/>
-          </a:lnRef>
-          <a:fillRef idx="0">
-            <a:schemeClr val="accent1"/>
-          </a:fillRef>
-          <a:effectRef idx="0">
-            <a:schemeClr val="accent1"/>
-          </a:effectRef>
-          <a:fontRef idx="minor">
-            <a:schemeClr val="tx1"/>
-          </a:fontRef>
-        </p:style>
-      </p:cxnSp>
-      <p:sp>
-        <p:nvSpPr>
-          <p:cNvPr id="60" name="円/楕円 59">
-            <a:extLst>
-              <a:ext uri="{FF2B5EF4-FFF2-40B4-BE49-F238E27FC236}">
-                <a16:creationId xmlns:a16="http://schemas.microsoft.com/office/drawing/2014/main" id="{6D8680F5-16C7-BDBD-5F60-695F40AD7784}"/>
-              </a:ext>
-            </a:extLst>
-          </p:cNvPr>
-          <p:cNvSpPr/>
-          <p:nvPr/>
-        </p:nvSpPr>
-        <p:spPr>
-          <a:xfrm>
-            <a:off x="8150375" y="4653978"/>
-            <a:ext cx="332621" cy="312212"/>
-          </a:xfrm>
-          <a:prstGeom prst="ellipse">
-            <a:avLst/>
-          </a:prstGeom>
-          <a:noFill/>
-          <a:ln w="25400">
-            <a:solidFill>
-              <a:schemeClr val="bg1">
-                <a:lumMod val="50000"/>
-              </a:schemeClr>
-            </a:solidFill>
-          </a:ln>
-        </p:spPr>
-        <p:style>
-          <a:lnRef idx="2">
-            <a:schemeClr val="accent1">
-              <a:shade val="15000"/>
-            </a:schemeClr>
-          </a:lnRef>
-          <a:fillRef idx="1">
-            <a:schemeClr val="accent1"/>
-          </a:fillRef>
-          <a:effectRef idx="0">
-            <a:schemeClr val="accent1"/>
-          </a:effectRef>
-          <a:fontRef idx="minor">
-            <a:schemeClr val="lt1"/>
-          </a:fontRef>
-        </p:style>
-        <p:txBody>
-          <a:bodyPr rtlCol="0" anchor="ctr"/>
-          <a:lstStyle/>
-          <a:p>
-            <a:pPr algn="ctr"/>
-            <a:endParaRPr kumimoji="1" lang="ja-JP" altLang="en-US"/>
-          </a:p>
-        </p:txBody>
-      </p:sp>
-      <p:cxnSp>
-        <p:nvCxnSpPr>
-          <p:cNvPr id="61" name="直線矢印コネクタ 60">
-            <a:extLst>
-              <a:ext uri="{FF2B5EF4-FFF2-40B4-BE49-F238E27FC236}">
-                <a16:creationId xmlns:a16="http://schemas.microsoft.com/office/drawing/2014/main" id="{56D23796-71E8-F254-4F03-18B9EB6584FC}"/>
-              </a:ext>
-            </a:extLst>
-          </p:cNvPr>
-          <p:cNvCxnSpPr>
-            <a:cxnSpLocks/>
-          </p:cNvCxnSpPr>
-          <p:nvPr/>
-        </p:nvCxnSpPr>
-        <p:spPr>
-          <a:xfrm flipV="1">
-            <a:off x="5900058" y="4803881"/>
-            <a:ext cx="2250317" cy="1"/>
-          </a:xfrm>
-          <a:prstGeom prst="straightConnector1">
-            <a:avLst/>
-          </a:prstGeom>
-          <a:ln>
-            <a:solidFill>
-              <a:schemeClr val="bg1">
-                <a:lumMod val="50000"/>
-              </a:schemeClr>
-            </a:solidFill>
-            <a:tailEnd type="triangle"/>
-          </a:ln>
-        </p:spPr>
-        <p:style>
-          <a:lnRef idx="1">
-            <a:schemeClr val="accent1"/>
-          </a:lnRef>
-          <a:fillRef idx="0">
-            <a:schemeClr val="accent1"/>
-          </a:fillRef>
-          <a:effectRef idx="0">
-            <a:schemeClr val="accent1"/>
-          </a:effectRef>
-          <a:fontRef idx="minor">
-            <a:schemeClr val="tx1"/>
-          </a:fontRef>
-        </p:style>
-      </p:cxnSp>
-      <p:sp>
-        <p:nvSpPr>
-          <p:cNvPr id="62" name="テキスト ボックス 61">
-            <a:extLst>
-              <a:ext uri="{FF2B5EF4-FFF2-40B4-BE49-F238E27FC236}">
-                <a16:creationId xmlns:a16="http://schemas.microsoft.com/office/drawing/2014/main" id="{780D9ACD-2261-DEE2-74F4-E36216AA5615}"/>
-              </a:ext>
-            </a:extLst>
-          </p:cNvPr>
-          <p:cNvSpPr txBox="1"/>
-          <p:nvPr/>
-        </p:nvSpPr>
-        <p:spPr>
-          <a:xfrm>
-            <a:off x="6670190" y="4469312"/>
-            <a:ext cx="543739" cy="369332"/>
-          </a:xfrm>
-          <a:prstGeom prst="rect">
-            <a:avLst/>
-          </a:prstGeom>
-          <a:noFill/>
-        </p:spPr>
-        <p:txBody>
-          <a:bodyPr wrap="none" rtlCol="0">
-            <a:spAutoFit/>
-          </a:bodyPr>
-          <a:lstStyle/>
-          <a:p>
-            <a:r>
-              <a:rPr kumimoji="1" lang="en-US" altLang="ja-JP" dirty="0"/>
-              <a:t>yes</a:t>
-            </a:r>
-            <a:endParaRPr kumimoji="1" lang="ja-JP" altLang="en-US"/>
-          </a:p>
-        </p:txBody>
-      </p:sp>
-      <p:sp>
-        <p:nvSpPr>
-          <p:cNvPr id="63" name="テキスト ボックス 62">
-            <a:extLst>
-              <a:ext uri="{FF2B5EF4-FFF2-40B4-BE49-F238E27FC236}">
-                <a16:creationId xmlns:a16="http://schemas.microsoft.com/office/drawing/2014/main" id="{9C763A7A-75E4-199F-8CB6-82229C84A08C}"/>
-              </a:ext>
-            </a:extLst>
-          </p:cNvPr>
-          <p:cNvSpPr txBox="1"/>
-          <p:nvPr/>
-        </p:nvSpPr>
-        <p:spPr>
-          <a:xfrm>
-            <a:off x="7762692" y="5053862"/>
-            <a:ext cx="1107996" cy="369332"/>
-          </a:xfrm>
-          <a:prstGeom prst="rect">
-            <a:avLst/>
-          </a:prstGeom>
-          <a:noFill/>
-        </p:spPr>
-        <p:txBody>
-          <a:bodyPr wrap="none" rtlCol="0">
-            <a:spAutoFit/>
-          </a:bodyPr>
-          <a:lstStyle/>
-          <a:p>
-            <a:pPr algn="ctr"/>
-            <a:r>
-              <a:rPr kumimoji="1" lang="ja-JP" altLang="en-US"/>
-              <a:t>数値抽出</a:t>
-            </a:r>
-          </a:p>
-        </p:txBody>
-      </p:sp>
-      <p:sp>
-        <p:nvSpPr>
-          <p:cNvPr id="64" name="テキスト ボックス 63">
-            <a:extLst>
-              <a:ext uri="{FF2B5EF4-FFF2-40B4-BE49-F238E27FC236}">
-                <a16:creationId xmlns:a16="http://schemas.microsoft.com/office/drawing/2014/main" id="{22F774FE-113A-F585-C57B-AF81964BA0E0}"/>
-              </a:ext>
-            </a:extLst>
-          </p:cNvPr>
-          <p:cNvSpPr txBox="1"/>
-          <p:nvPr/>
-        </p:nvSpPr>
-        <p:spPr>
-          <a:xfrm>
-            <a:off x="6581927" y="5731737"/>
-            <a:ext cx="671979" cy="369332"/>
-          </a:xfrm>
-          <a:prstGeom prst="rect">
-            <a:avLst/>
-          </a:prstGeom>
-          <a:noFill/>
-        </p:spPr>
-        <p:txBody>
-          <a:bodyPr wrap="none" rtlCol="0">
-            <a:spAutoFit/>
-          </a:bodyPr>
-          <a:lstStyle/>
-          <a:p>
-            <a:r>
-              <a:rPr kumimoji="1" lang="en-US" altLang="ja-JP" dirty="0"/>
-              <a:t>END</a:t>
-            </a:r>
-            <a:endParaRPr kumimoji="1" lang="ja-JP" altLang="en-US"/>
-          </a:p>
-        </p:txBody>
-      </p:sp>
-      <p:cxnSp>
-        <p:nvCxnSpPr>
-          <p:cNvPr id="65" name="直線矢印コネクタ 64">
-            <a:extLst>
-              <a:ext uri="{FF2B5EF4-FFF2-40B4-BE49-F238E27FC236}">
-                <a16:creationId xmlns:a16="http://schemas.microsoft.com/office/drawing/2014/main" id="{4D3D68C9-3D74-D5C6-FAFC-3348AB774E18}"/>
-              </a:ext>
-            </a:extLst>
-          </p:cNvPr>
-          <p:cNvCxnSpPr>
-            <a:cxnSpLocks/>
-          </p:cNvCxnSpPr>
-          <p:nvPr/>
-        </p:nvCxnSpPr>
-        <p:spPr>
-          <a:xfrm>
-            <a:off x="5462210" y="5911945"/>
-            <a:ext cx="1119717" cy="0"/>
-          </a:xfrm>
-          <a:prstGeom prst="straightConnector1">
-            <a:avLst/>
-          </a:prstGeom>
-          <a:ln>
-            <a:solidFill>
-              <a:schemeClr val="bg1">
-                <a:lumMod val="50000"/>
-              </a:schemeClr>
-            </a:solidFill>
-            <a:tailEnd type="triangle"/>
-          </a:ln>
-        </p:spPr>
-        <p:style>
-          <a:lnRef idx="1">
-            <a:schemeClr val="accent1"/>
-          </a:lnRef>
-          <a:fillRef idx="0">
-            <a:schemeClr val="accent1"/>
-          </a:fillRef>
-          <a:effectRef idx="0">
-            <a:schemeClr val="accent1"/>
-          </a:effectRef>
-          <a:fontRef idx="minor">
-            <a:schemeClr val="tx1"/>
-          </a:fontRef>
-        </p:style>
-      </p:cxnSp>
-      <p:cxnSp>
-        <p:nvCxnSpPr>
-          <p:cNvPr id="66" name="直線矢印コネクタ 65">
-            <a:extLst>
-              <a:ext uri="{FF2B5EF4-FFF2-40B4-BE49-F238E27FC236}">
-                <a16:creationId xmlns:a16="http://schemas.microsoft.com/office/drawing/2014/main" id="{88F1C346-22D1-C99A-14D7-DA5CF5A85E64}"/>
-              </a:ext>
-            </a:extLst>
-          </p:cNvPr>
-          <p:cNvCxnSpPr>
-            <a:cxnSpLocks/>
-            <a:stCxn id="58" idx="2"/>
-          </p:cNvCxnSpPr>
-          <p:nvPr/>
-        </p:nvCxnSpPr>
-        <p:spPr>
-          <a:xfrm>
-            <a:off x="5295901" y="5115892"/>
-            <a:ext cx="0" cy="604809"/>
-          </a:xfrm>
-          <a:prstGeom prst="straightConnector1">
-            <a:avLst/>
-          </a:prstGeom>
-          <a:ln>
-            <a:solidFill>
-              <a:schemeClr val="bg1">
-                <a:lumMod val="50000"/>
-              </a:schemeClr>
-            </a:solidFill>
-            <a:tailEnd type="triangle"/>
-          </a:ln>
-        </p:spPr>
-        <p:style>
-          <a:lnRef idx="1">
-            <a:schemeClr val="accent1"/>
-          </a:lnRef>
-          <a:fillRef idx="0">
-            <a:schemeClr val="accent1"/>
-          </a:fillRef>
-          <a:effectRef idx="0">
-            <a:schemeClr val="accent1"/>
-          </a:effectRef>
-          <a:fontRef idx="minor">
-            <a:schemeClr val="tx1"/>
-          </a:fontRef>
-        </p:style>
-      </p:cxnSp>
-      <p:sp>
-        <p:nvSpPr>
-          <p:cNvPr id="69" name="テキスト ボックス 68">
-            <a:extLst>
-              <a:ext uri="{FF2B5EF4-FFF2-40B4-BE49-F238E27FC236}">
-                <a16:creationId xmlns:a16="http://schemas.microsoft.com/office/drawing/2014/main" id="{01BC52C2-C0C6-46E4-CB35-361218DD4593}"/>
-              </a:ext>
-            </a:extLst>
-          </p:cNvPr>
-          <p:cNvSpPr txBox="1"/>
-          <p:nvPr/>
-        </p:nvSpPr>
-        <p:spPr>
-          <a:xfrm>
-            <a:off x="4793197" y="6167030"/>
-            <a:ext cx="1005403" cy="369332"/>
-          </a:xfrm>
-          <a:prstGeom prst="rect">
-            <a:avLst/>
-          </a:prstGeom>
-          <a:noFill/>
-        </p:spPr>
-        <p:txBody>
-          <a:bodyPr wrap="none" rtlCol="0">
-            <a:spAutoFit/>
-          </a:bodyPr>
-          <a:lstStyle/>
-          <a:p>
-            <a:pPr algn="ctr"/>
-            <a:r>
-              <a:rPr lang="en-US" altLang="ja-JP" dirty="0"/>
-              <a:t>0</a:t>
-            </a:r>
-            <a:r>
-              <a:rPr lang="ja-JP" altLang="en-US"/>
-              <a:t>を返す</a:t>
-            </a:r>
-            <a:endParaRPr kumimoji="1" lang="ja-JP" altLang="en-US"/>
-          </a:p>
-        </p:txBody>
-      </p:sp>
-      <p:sp>
-        <p:nvSpPr>
-          <p:cNvPr id="70" name="円/楕円 69">
-            <a:extLst>
-              <a:ext uri="{FF2B5EF4-FFF2-40B4-BE49-F238E27FC236}">
-                <a16:creationId xmlns:a16="http://schemas.microsoft.com/office/drawing/2014/main" id="{ADA28AC3-F46B-6000-28B8-A840D0240A74}"/>
-              </a:ext>
-            </a:extLst>
-          </p:cNvPr>
-          <p:cNvSpPr/>
-          <p:nvPr/>
-        </p:nvSpPr>
-        <p:spPr>
-          <a:xfrm>
-            <a:off x="5129589" y="5746887"/>
-            <a:ext cx="332621" cy="312212"/>
-          </a:xfrm>
-          <a:prstGeom prst="ellipse">
-            <a:avLst/>
-          </a:prstGeom>
-          <a:noFill/>
-          <a:ln w="25400">
-            <a:solidFill>
-              <a:schemeClr val="bg1">
-                <a:lumMod val="50000"/>
-              </a:schemeClr>
-            </a:solidFill>
-          </a:ln>
-        </p:spPr>
-        <p:style>
-          <a:lnRef idx="2">
-            <a:schemeClr val="accent1">
-              <a:shade val="15000"/>
-            </a:schemeClr>
-          </a:lnRef>
-          <a:fillRef idx="1">
-            <a:schemeClr val="accent1"/>
-          </a:fillRef>
-          <a:effectRef idx="0">
-            <a:schemeClr val="accent1"/>
-          </a:effectRef>
-          <a:fontRef idx="minor">
-            <a:schemeClr val="lt1"/>
-          </a:fontRef>
-        </p:style>
-        <p:txBody>
-          <a:bodyPr rtlCol="0" anchor="ctr"/>
-          <a:lstStyle/>
-          <a:p>
-            <a:pPr algn="ctr"/>
-            <a:endParaRPr kumimoji="1" lang="ja-JP" altLang="en-US"/>
-          </a:p>
-        </p:txBody>
-      </p:sp>
-      <p:sp>
-        <p:nvSpPr>
-          <p:cNvPr id="71" name="テキスト ボックス 70">
-            <a:extLst>
-              <a:ext uri="{FF2B5EF4-FFF2-40B4-BE49-F238E27FC236}">
-                <a16:creationId xmlns:a16="http://schemas.microsoft.com/office/drawing/2014/main" id="{1BFD354A-5DAB-4C57-E398-F557E62C0DD2}"/>
-              </a:ext>
-            </a:extLst>
-          </p:cNvPr>
-          <p:cNvSpPr txBox="1"/>
-          <p:nvPr/>
-        </p:nvSpPr>
-        <p:spPr>
-          <a:xfrm>
-            <a:off x="9602713" y="4623673"/>
-            <a:ext cx="671979" cy="369332"/>
-          </a:xfrm>
-          <a:prstGeom prst="rect">
-            <a:avLst/>
-          </a:prstGeom>
-          <a:noFill/>
-        </p:spPr>
-        <p:txBody>
-          <a:bodyPr wrap="none" rtlCol="0">
-            <a:spAutoFit/>
-          </a:bodyPr>
-          <a:lstStyle/>
-          <a:p>
-            <a:r>
-              <a:rPr kumimoji="1" lang="en-US" altLang="ja-JP" dirty="0"/>
-              <a:t>END</a:t>
-            </a:r>
-            <a:endParaRPr kumimoji="1" lang="ja-JP" altLang="en-US"/>
-          </a:p>
-        </p:txBody>
-      </p:sp>
-      <p:cxnSp>
-        <p:nvCxnSpPr>
-          <p:cNvPr id="72" name="直線矢印コネクタ 71">
-            <a:extLst>
-              <a:ext uri="{FF2B5EF4-FFF2-40B4-BE49-F238E27FC236}">
-                <a16:creationId xmlns:a16="http://schemas.microsoft.com/office/drawing/2014/main" id="{5EB7EEF1-13C3-B1AF-6D1E-AC0E09BB0C32}"/>
-              </a:ext>
-            </a:extLst>
-          </p:cNvPr>
-          <p:cNvCxnSpPr>
-            <a:cxnSpLocks/>
-          </p:cNvCxnSpPr>
-          <p:nvPr/>
-        </p:nvCxnSpPr>
-        <p:spPr>
-          <a:xfrm>
-            <a:off x="8482996" y="4803881"/>
-            <a:ext cx="1119717" cy="0"/>
-          </a:xfrm>
-          <a:prstGeom prst="straightConnector1">
-            <a:avLst/>
-          </a:prstGeom>
-          <a:ln>
-            <a:solidFill>
-              <a:schemeClr val="bg1">
-                <a:lumMod val="50000"/>
-              </a:schemeClr>
-            </a:solidFill>
-            <a:tailEnd type="triangle"/>
-          </a:ln>
-        </p:spPr>
-        <p:style>
-          <a:lnRef idx="1">
-            <a:schemeClr val="accent1"/>
-          </a:lnRef>
-          <a:fillRef idx="0">
-            <a:schemeClr val="accent1"/>
-          </a:fillRef>
-          <a:effectRef idx="0">
-            <a:schemeClr val="accent1"/>
-          </a:effectRef>
-          <a:fontRef idx="minor">
-            <a:schemeClr val="tx1"/>
-          </a:fontRef>
-        </p:style>
-      </p:cxnSp>
+          <a:solidFill>
+            <a:schemeClr val="bg1"/>
+          </a:solidFill>
+        </p:grpSpPr>
+        <p:pic>
+          <p:nvPicPr>
+            <p:cNvPr id="8" name="図 7">
+              <a:extLst>
+                <a:ext uri="{FF2B5EF4-FFF2-40B4-BE49-F238E27FC236}">
+                  <a16:creationId xmlns:a16="http://schemas.microsoft.com/office/drawing/2014/main" id="{FB960A7F-3EB0-158D-5D09-E1618F3A01A9}"/>
+                </a:ext>
+              </a:extLst>
+            </p:cNvPr>
+            <p:cNvPicPr>
+              <a:picLocks noChangeAspect="1"/>
+            </p:cNvPicPr>
+            <p:nvPr/>
+          </p:nvPicPr>
+          <p:blipFill>
+            <a:blip r:embed="rId3"/>
+            <a:stretch>
+              <a:fillRect/>
+            </a:stretch>
+          </p:blipFill>
+          <p:spPr>
+            <a:xfrm>
+              <a:off x="1853749" y="422096"/>
+              <a:ext cx="8770643" cy="4028523"/>
+            </a:xfrm>
+            <a:prstGeom prst="rect">
+              <a:avLst/>
+            </a:prstGeom>
+            <a:grpFill/>
+          </p:spPr>
+        </p:pic>
+        <p:pic>
+          <p:nvPicPr>
+            <p:cNvPr id="9" name="図 8">
+              <a:extLst>
+                <a:ext uri="{FF2B5EF4-FFF2-40B4-BE49-F238E27FC236}">
+                  <a16:creationId xmlns:a16="http://schemas.microsoft.com/office/drawing/2014/main" id="{C96E8714-6555-E40B-2DB2-F1C61F1B324D}"/>
+                </a:ext>
+              </a:extLst>
+            </p:cNvPr>
+            <p:cNvPicPr>
+              <a:picLocks noChangeAspect="1"/>
+            </p:cNvPicPr>
+            <p:nvPr/>
+          </p:nvPicPr>
+          <p:blipFill>
+            <a:blip r:embed="rId4"/>
+            <a:stretch>
+              <a:fillRect/>
+            </a:stretch>
+          </p:blipFill>
+          <p:spPr>
+            <a:xfrm>
+              <a:off x="1853749" y="4816878"/>
+              <a:ext cx="8681368" cy="1527277"/>
+            </a:xfrm>
+            <a:prstGeom prst="rect">
+              <a:avLst/>
+            </a:prstGeom>
+            <a:grpFill/>
+          </p:spPr>
+        </p:pic>
+      </p:grpSp>
     </p:spTree>
     <p:extLst>
       <p:ext uri="{BB962C8B-B14F-4D97-AF65-F5344CB8AC3E}">
-        <p14:creationId xmlns:p14="http://schemas.microsoft.com/office/powerpoint/2010/main" val="1791344178"/>
+        <p14:creationId xmlns:p14="http://schemas.microsoft.com/office/powerpoint/2010/main" val="486267996"/>
       </p:ext>
     </p:extLst>
   </p:cSld>

--- a/追加.pptx
+++ b/追加.pptx
@@ -5,10 +5,7 @@
     <p:sldMasterId id="2147483648" r:id="rId1"/>
   </p:sldMasterIdLst>
   <p:sldIdLst>
-    <p:sldId id="724" r:id="rId2"/>
-    <p:sldId id="723" r:id="rId3"/>
-    <p:sldId id="726" r:id="rId4"/>
-    <p:sldId id="727" r:id="rId5"/>
+    <p:sldId id="728" r:id="rId2"/>
   </p:sldIdLst>
   <p:sldSz cx="12192000" cy="6858000"/>
   <p:notesSz cx="6858000" cy="9144000"/>
@@ -262,7 +259,7 @@
           <a:p>
             <a:fld id="{0690133D-3D2A-4570-A105-5906702A947A}" type="datetimeFigureOut">
               <a:rPr kumimoji="1" lang="ja-JP" altLang="en-US" smtClean="0"/>
-              <a:t>2024/7/29</a:t>
+              <a:t>2024/8/6</a:t>
             </a:fld>
             <a:endParaRPr kumimoji="1" lang="ja-JP" altLang="en-US"/>
           </a:p>
@@ -492,7 +489,7 @@
           <a:p>
             <a:fld id="{0690133D-3D2A-4570-A105-5906702A947A}" type="datetimeFigureOut">
               <a:rPr kumimoji="1" lang="ja-JP" altLang="en-US" smtClean="0"/>
-              <a:t>2024/7/29</a:t>
+              <a:t>2024/8/6</a:t>
             </a:fld>
             <a:endParaRPr kumimoji="1" lang="ja-JP" altLang="en-US"/>
           </a:p>
@@ -732,7 +729,7 @@
           <a:p>
             <a:fld id="{0690133D-3D2A-4570-A105-5906702A947A}" type="datetimeFigureOut">
               <a:rPr kumimoji="1" lang="ja-JP" altLang="en-US" smtClean="0"/>
-              <a:t>2024/7/29</a:t>
+              <a:t>2024/8/6</a:t>
             </a:fld>
             <a:endParaRPr kumimoji="1" lang="ja-JP" altLang="en-US"/>
           </a:p>
@@ -962,7 +959,7 @@
           <a:p>
             <a:fld id="{0690133D-3D2A-4570-A105-5906702A947A}" type="datetimeFigureOut">
               <a:rPr kumimoji="1" lang="ja-JP" altLang="en-US" smtClean="0"/>
-              <a:t>2024/7/29</a:t>
+              <a:t>2024/8/6</a:t>
             </a:fld>
             <a:endParaRPr kumimoji="1" lang="ja-JP" altLang="en-US"/>
           </a:p>
@@ -1237,7 +1234,7 @@
           <a:p>
             <a:fld id="{0690133D-3D2A-4570-A105-5906702A947A}" type="datetimeFigureOut">
               <a:rPr kumimoji="1" lang="ja-JP" altLang="en-US" smtClean="0"/>
-              <a:t>2024/7/29</a:t>
+              <a:t>2024/8/6</a:t>
             </a:fld>
             <a:endParaRPr kumimoji="1" lang="ja-JP" altLang="en-US"/>
           </a:p>
@@ -1566,7 +1563,7 @@
           <a:p>
             <a:fld id="{0690133D-3D2A-4570-A105-5906702A947A}" type="datetimeFigureOut">
               <a:rPr kumimoji="1" lang="ja-JP" altLang="en-US" smtClean="0"/>
-              <a:t>2024/7/29</a:t>
+              <a:t>2024/8/6</a:t>
             </a:fld>
             <a:endParaRPr kumimoji="1" lang="ja-JP" altLang="en-US"/>
           </a:p>
@@ -2042,7 +2039,7 @@
           <a:p>
             <a:fld id="{0690133D-3D2A-4570-A105-5906702A947A}" type="datetimeFigureOut">
               <a:rPr kumimoji="1" lang="ja-JP" altLang="en-US" smtClean="0"/>
-              <a:t>2024/7/29</a:t>
+              <a:t>2024/8/6</a:t>
             </a:fld>
             <a:endParaRPr kumimoji="1" lang="ja-JP" altLang="en-US"/>
           </a:p>
@@ -2183,7 +2180,7 @@
           <a:p>
             <a:fld id="{0690133D-3D2A-4570-A105-5906702A947A}" type="datetimeFigureOut">
               <a:rPr kumimoji="1" lang="ja-JP" altLang="en-US" smtClean="0"/>
-              <a:t>2024/7/29</a:t>
+              <a:t>2024/8/6</a:t>
             </a:fld>
             <a:endParaRPr kumimoji="1" lang="ja-JP" altLang="en-US"/>
           </a:p>
@@ -2296,7 +2293,7 @@
           <a:p>
             <a:fld id="{0690133D-3D2A-4570-A105-5906702A947A}" type="datetimeFigureOut">
               <a:rPr kumimoji="1" lang="ja-JP" altLang="en-US" smtClean="0"/>
-              <a:t>2024/7/29</a:t>
+              <a:t>2024/8/6</a:t>
             </a:fld>
             <a:endParaRPr kumimoji="1" lang="ja-JP" altLang="en-US"/>
           </a:p>
@@ -2639,7 +2636,7 @@
           <a:p>
             <a:fld id="{0690133D-3D2A-4570-A105-5906702A947A}" type="datetimeFigureOut">
               <a:rPr kumimoji="1" lang="ja-JP" altLang="en-US" smtClean="0"/>
-              <a:t>2024/7/29</a:t>
+              <a:t>2024/8/6</a:t>
             </a:fld>
             <a:endParaRPr kumimoji="1" lang="ja-JP" altLang="en-US"/>
           </a:p>
@@ -2927,7 +2924,7 @@
           <a:p>
             <a:fld id="{0690133D-3D2A-4570-A105-5906702A947A}" type="datetimeFigureOut">
               <a:rPr kumimoji="1" lang="ja-JP" altLang="en-US" smtClean="0"/>
-              <a:t>2024/7/29</a:t>
+              <a:t>2024/8/6</a:t>
             </a:fld>
             <a:endParaRPr kumimoji="1" lang="ja-JP" altLang="en-US"/>
           </a:p>
@@ -3200,7 +3197,7 @@
           <a:p>
             <a:fld id="{0690133D-3D2A-4570-A105-5906702A947A}" type="datetimeFigureOut">
               <a:rPr kumimoji="1" lang="ja-JP" altLang="en-US" smtClean="0"/>
-              <a:t>2024/7/29</a:t>
+              <a:t>2024/8/6</a:t>
             </a:fld>
             <a:endParaRPr kumimoji="1" lang="ja-JP" altLang="en-US"/>
           </a:p>
@@ -3622,7 +3619,7 @@
           <p:cNvPr id="4" name="図 3">
             <a:extLst>
               <a:ext uri="{FF2B5EF4-FFF2-40B4-BE49-F238E27FC236}">
-                <a16:creationId xmlns:a16="http://schemas.microsoft.com/office/drawing/2014/main" id="{FDF3F29E-60C9-1417-ABDB-B5B759A7510A}"/>
+                <a16:creationId xmlns:a16="http://schemas.microsoft.com/office/drawing/2014/main" id="{25E7AFA2-38B9-B115-C6F8-CC7D06A50299}"/>
               </a:ext>
             </a:extLst>
           </p:cNvPr>
@@ -3639,793 +3636,18 @@
         </p:blipFill>
         <p:spPr>
           <a:xfrm>
-            <a:off x="1724745" y="1913467"/>
-            <a:ext cx="8525375" cy="4400193"/>
+            <a:off x="2209800" y="2097183"/>
+            <a:ext cx="7772400" cy="2663633"/>
           </a:xfrm>
           <a:prstGeom prst="rect">
             <a:avLst/>
           </a:prstGeom>
         </p:spPr>
       </p:pic>
-      <p:sp>
-        <p:nvSpPr>
-          <p:cNvPr id="5" name="テキスト ボックス 4">
-            <a:extLst>
-              <a:ext uri="{FF2B5EF4-FFF2-40B4-BE49-F238E27FC236}">
-                <a16:creationId xmlns:a16="http://schemas.microsoft.com/office/drawing/2014/main" id="{6BE5A94C-BE4A-98BA-682D-7EB2CAA381B7}"/>
-              </a:ext>
-            </a:extLst>
-          </p:cNvPr>
-          <p:cNvSpPr txBox="1"/>
-          <p:nvPr/>
-        </p:nvSpPr>
-        <p:spPr>
-          <a:xfrm>
-            <a:off x="242761" y="173383"/>
-            <a:ext cx="3671198" cy="369332"/>
-          </a:xfrm>
-          <a:prstGeom prst="rect">
-            <a:avLst/>
-          </a:prstGeom>
-          <a:noFill/>
-        </p:spPr>
-        <p:txBody>
-          <a:bodyPr wrap="none" rtlCol="0">
-            <a:spAutoFit/>
-          </a:bodyPr>
-          <a:lstStyle/>
-          <a:p>
-            <a:r>
-              <a:rPr kumimoji="1" lang="ja-JP" altLang="en-US"/>
-              <a:t>投資行動</a:t>
-            </a:r>
-            <a:r>
-              <a:rPr kumimoji="1" lang="en-US" altLang="ja-JP" dirty="0"/>
-              <a:t>/</a:t>
-            </a:r>
-            <a:r>
-              <a:rPr lang="en-US" altLang="ja-JP" dirty="0"/>
-              <a:t>key1/</a:t>
-            </a:r>
-            <a:r>
-              <a:rPr lang="ja-JP" altLang="en-US"/>
-              <a:t>第一フロンティア</a:t>
-            </a:r>
-            <a:endParaRPr kumimoji="1" lang="ja-JP" altLang="en-US"/>
-          </a:p>
-        </p:txBody>
-      </p:sp>
-      <p:sp>
-        <p:nvSpPr>
-          <p:cNvPr id="6" name="正方形/長方形 5">
-            <a:extLst>
-              <a:ext uri="{FF2B5EF4-FFF2-40B4-BE49-F238E27FC236}">
-                <a16:creationId xmlns:a16="http://schemas.microsoft.com/office/drawing/2014/main" id="{7B87C575-5225-8282-AA4C-A7DF77917FB0}"/>
-              </a:ext>
-            </a:extLst>
-          </p:cNvPr>
-          <p:cNvSpPr/>
-          <p:nvPr/>
-        </p:nvSpPr>
-        <p:spPr>
-          <a:xfrm>
-            <a:off x="5987433" y="671305"/>
-            <a:ext cx="2929316" cy="903496"/>
-          </a:xfrm>
-          <a:prstGeom prst="rect">
-            <a:avLst/>
-          </a:prstGeom>
-        </p:spPr>
-        <p:style>
-          <a:lnRef idx="2">
-            <a:schemeClr val="accent1">
-              <a:shade val="15000"/>
-            </a:schemeClr>
-          </a:lnRef>
-          <a:fillRef idx="1">
-            <a:schemeClr val="accent1"/>
-          </a:fillRef>
-          <a:effectRef idx="0">
-            <a:schemeClr val="accent1"/>
-          </a:effectRef>
-          <a:fontRef idx="minor">
-            <a:schemeClr val="lt1"/>
-          </a:fontRef>
-        </p:style>
-        <p:txBody>
-          <a:bodyPr rtlCol="0" anchor="ctr"/>
-          <a:lstStyle/>
-          <a:p>
-            <a:pPr algn="ctr"/>
-            <a:r>
-              <a:rPr kumimoji="1" lang="ja-JP" altLang="en-US"/>
-              <a:t>表の下部が入っていない</a:t>
-            </a:r>
-          </a:p>
-        </p:txBody>
-      </p:sp>
     </p:spTree>
     <p:extLst>
       <p:ext uri="{BB962C8B-B14F-4D97-AF65-F5344CB8AC3E}">
-        <p14:creationId xmlns:p14="http://schemas.microsoft.com/office/powerpoint/2010/main" val="1065863376"/>
-      </p:ext>
-    </p:extLst>
-  </p:cSld>
-  <p:clrMapOvr>
-    <a:masterClrMapping/>
-  </p:clrMapOvr>
-</p:sld>
-</file>
-
-<file path=ppt/slides/slide2.xml><?xml version="1.0" encoding="utf-8"?>
-<p:sld xmlns:a="http://schemas.openxmlformats.org/drawingml/2006/main" xmlns:r="http://schemas.openxmlformats.org/officeDocument/2006/relationships" xmlns:p="http://schemas.openxmlformats.org/presentationml/2006/main">
-  <p:cSld>
-    <p:spTree>
-      <p:nvGrpSpPr>
-        <p:cNvPr id="1" name=""/>
-        <p:cNvGrpSpPr/>
-        <p:nvPr/>
-      </p:nvGrpSpPr>
-      <p:grpSpPr>
-        <a:xfrm>
-          <a:off x="0" y="0"/>
-          <a:ext cx="0" cy="0"/>
-          <a:chOff x="0" y="0"/>
-          <a:chExt cx="0" cy="0"/>
-        </a:xfrm>
-      </p:grpSpPr>
-      <p:pic>
-        <p:nvPicPr>
-          <p:cNvPr id="4" name="図 3">
-            <a:extLst>
-              <a:ext uri="{FF2B5EF4-FFF2-40B4-BE49-F238E27FC236}">
-                <a16:creationId xmlns:a16="http://schemas.microsoft.com/office/drawing/2014/main" id="{4C4E5E35-A792-856F-2544-49DC492F251B}"/>
-              </a:ext>
-            </a:extLst>
-          </p:cNvPr>
-          <p:cNvPicPr>
-            <a:picLocks noChangeAspect="1"/>
-          </p:cNvPicPr>
-          <p:nvPr/>
-        </p:nvPicPr>
-        <p:blipFill>
-          <a:blip r:embed="rId2"/>
-          <a:stretch>
-            <a:fillRect/>
-          </a:stretch>
-        </p:blipFill>
-        <p:spPr>
-          <a:xfrm>
-            <a:off x="242761" y="703672"/>
-            <a:ext cx="5828937" cy="2676776"/>
-          </a:xfrm>
-          <a:prstGeom prst="rect">
-            <a:avLst/>
-          </a:prstGeom>
-        </p:spPr>
-      </p:pic>
-      <p:pic>
-        <p:nvPicPr>
-          <p:cNvPr id="5" name="図 4">
-            <a:extLst>
-              <a:ext uri="{FF2B5EF4-FFF2-40B4-BE49-F238E27FC236}">
-                <a16:creationId xmlns:a16="http://schemas.microsoft.com/office/drawing/2014/main" id="{E28BE922-6F07-B98E-98F1-D778F7282B0A}"/>
-              </a:ext>
-            </a:extLst>
-          </p:cNvPr>
-          <p:cNvPicPr>
-            <a:picLocks noChangeAspect="1"/>
-          </p:cNvPicPr>
-          <p:nvPr/>
-        </p:nvPicPr>
-        <p:blipFill>
-          <a:blip r:embed="rId3"/>
-          <a:stretch>
-            <a:fillRect/>
-          </a:stretch>
-        </p:blipFill>
-        <p:spPr>
-          <a:xfrm>
-            <a:off x="242761" y="3553207"/>
-            <a:ext cx="5864517" cy="3050697"/>
-          </a:xfrm>
-          <a:prstGeom prst="rect">
-            <a:avLst/>
-          </a:prstGeom>
-        </p:spPr>
-      </p:pic>
-      <p:pic>
-        <p:nvPicPr>
-          <p:cNvPr id="6" name="図 5">
-            <a:extLst>
-              <a:ext uri="{FF2B5EF4-FFF2-40B4-BE49-F238E27FC236}">
-                <a16:creationId xmlns:a16="http://schemas.microsoft.com/office/drawing/2014/main" id="{2A779BE0-6196-23D3-EF7E-4FDF808B0AD5}"/>
-              </a:ext>
-            </a:extLst>
-          </p:cNvPr>
-          <p:cNvPicPr>
-            <a:picLocks noChangeAspect="1"/>
-          </p:cNvPicPr>
-          <p:nvPr/>
-        </p:nvPicPr>
-        <p:blipFill>
-          <a:blip r:embed="rId4"/>
-          <a:stretch>
-            <a:fillRect/>
-          </a:stretch>
-        </p:blipFill>
-        <p:spPr>
-          <a:xfrm>
-            <a:off x="4280689" y="2042060"/>
-            <a:ext cx="7772400" cy="759047"/>
-          </a:xfrm>
-          <a:prstGeom prst="rect">
-            <a:avLst/>
-          </a:prstGeom>
-        </p:spPr>
-      </p:pic>
-      <p:sp>
-        <p:nvSpPr>
-          <p:cNvPr id="7" name="正方形/長方形 6">
-            <a:extLst>
-              <a:ext uri="{FF2B5EF4-FFF2-40B4-BE49-F238E27FC236}">
-                <a16:creationId xmlns:a16="http://schemas.microsoft.com/office/drawing/2014/main" id="{77A62E91-EC4F-17C4-110B-B7F87F92F44C}"/>
-              </a:ext>
-            </a:extLst>
-          </p:cNvPr>
-          <p:cNvSpPr/>
-          <p:nvPr/>
-        </p:nvSpPr>
-        <p:spPr>
-          <a:xfrm>
-            <a:off x="7104134" y="703672"/>
-            <a:ext cx="2929316" cy="1100517"/>
-          </a:xfrm>
-          <a:prstGeom prst="rect">
-            <a:avLst/>
-          </a:prstGeom>
-        </p:spPr>
-        <p:style>
-          <a:lnRef idx="2">
-            <a:schemeClr val="accent1">
-              <a:shade val="15000"/>
-            </a:schemeClr>
-          </a:lnRef>
-          <a:fillRef idx="1">
-            <a:schemeClr val="accent1"/>
-          </a:fillRef>
-          <a:effectRef idx="0">
-            <a:schemeClr val="accent1"/>
-          </a:effectRef>
-          <a:fontRef idx="minor">
-            <a:schemeClr val="lt1"/>
-          </a:fontRef>
-        </p:style>
-        <p:txBody>
-          <a:bodyPr rtlCol="0" anchor="ctr"/>
-          <a:lstStyle/>
-          <a:p>
-            <a:pPr algn="ctr"/>
-            <a:r>
-              <a:rPr kumimoji="1" lang="ja-JP" altLang="en-US"/>
-              <a:t>表の下部が入っていない</a:t>
-            </a:r>
-          </a:p>
-        </p:txBody>
-      </p:sp>
-      <p:sp>
-        <p:nvSpPr>
-          <p:cNvPr id="8" name="テキスト ボックス 7">
-            <a:extLst>
-              <a:ext uri="{FF2B5EF4-FFF2-40B4-BE49-F238E27FC236}">
-                <a16:creationId xmlns:a16="http://schemas.microsoft.com/office/drawing/2014/main" id="{0F281CDB-1E12-D569-BA21-4FCC1A803BCD}"/>
-              </a:ext>
-            </a:extLst>
-          </p:cNvPr>
-          <p:cNvSpPr txBox="1"/>
-          <p:nvPr/>
-        </p:nvSpPr>
-        <p:spPr>
-          <a:xfrm>
-            <a:off x="242761" y="173383"/>
-            <a:ext cx="3671198" cy="369332"/>
-          </a:xfrm>
-          <a:prstGeom prst="rect">
-            <a:avLst/>
-          </a:prstGeom>
-          <a:noFill/>
-        </p:spPr>
-        <p:txBody>
-          <a:bodyPr wrap="none" rtlCol="0">
-            <a:spAutoFit/>
-          </a:bodyPr>
-          <a:lstStyle/>
-          <a:p>
-            <a:r>
-              <a:rPr kumimoji="1" lang="ja-JP" altLang="en-US"/>
-              <a:t>投資行動</a:t>
-            </a:r>
-            <a:r>
-              <a:rPr kumimoji="1" lang="en-US" altLang="ja-JP" dirty="0"/>
-              <a:t>/</a:t>
-            </a:r>
-            <a:r>
-              <a:rPr lang="en-US" altLang="ja-JP" dirty="0"/>
-              <a:t>key2/</a:t>
-            </a:r>
-            <a:r>
-              <a:rPr lang="ja-JP" altLang="en-US"/>
-              <a:t>第一フロンティア</a:t>
-            </a:r>
-            <a:endParaRPr kumimoji="1" lang="ja-JP" altLang="en-US"/>
-          </a:p>
-        </p:txBody>
-      </p:sp>
-    </p:spTree>
-    <p:extLst>
-      <p:ext uri="{BB962C8B-B14F-4D97-AF65-F5344CB8AC3E}">
-        <p14:creationId xmlns:p14="http://schemas.microsoft.com/office/powerpoint/2010/main" val="2744612077"/>
-      </p:ext>
-    </p:extLst>
-  </p:cSld>
-  <p:clrMapOvr>
-    <a:masterClrMapping/>
-  </p:clrMapOvr>
-</p:sld>
-</file>
-
-<file path=ppt/slides/slide3.xml><?xml version="1.0" encoding="utf-8"?>
-<p:sld xmlns:a="http://schemas.openxmlformats.org/drawingml/2006/main" xmlns:r="http://schemas.openxmlformats.org/officeDocument/2006/relationships" xmlns:p="http://schemas.openxmlformats.org/presentationml/2006/main">
-  <p:cSld>
-    <p:spTree>
-      <p:nvGrpSpPr>
-        <p:cNvPr id="1" name=""/>
-        <p:cNvGrpSpPr/>
-        <p:nvPr/>
-      </p:nvGrpSpPr>
-      <p:grpSpPr>
-        <a:xfrm>
-          <a:off x="0" y="0"/>
-          <a:ext cx="0" cy="0"/>
-          <a:chOff x="0" y="0"/>
-          <a:chExt cx="0" cy="0"/>
-        </a:xfrm>
-      </p:grpSpPr>
-      <p:pic>
-        <p:nvPicPr>
-          <p:cNvPr id="4" name="図 3">
-            <a:extLst>
-              <a:ext uri="{FF2B5EF4-FFF2-40B4-BE49-F238E27FC236}">
-                <a16:creationId xmlns:a16="http://schemas.microsoft.com/office/drawing/2014/main" id="{C5E29980-967B-5F08-26C8-EC4CC0EE8698}"/>
-              </a:ext>
-            </a:extLst>
-          </p:cNvPr>
-          <p:cNvPicPr>
-            <a:picLocks noChangeAspect="1"/>
-          </p:cNvPicPr>
-          <p:nvPr/>
-        </p:nvPicPr>
-        <p:blipFill>
-          <a:blip r:embed="rId2"/>
-          <a:stretch>
-            <a:fillRect/>
-          </a:stretch>
-        </p:blipFill>
-        <p:spPr>
-          <a:xfrm>
-            <a:off x="525443" y="1505714"/>
-            <a:ext cx="4906329" cy="5178903"/>
-          </a:xfrm>
-          <a:prstGeom prst="rect">
-            <a:avLst/>
-          </a:prstGeom>
-        </p:spPr>
-      </p:pic>
-      <p:pic>
-        <p:nvPicPr>
-          <p:cNvPr id="5" name="図 4">
-            <a:extLst>
-              <a:ext uri="{FF2B5EF4-FFF2-40B4-BE49-F238E27FC236}">
-                <a16:creationId xmlns:a16="http://schemas.microsoft.com/office/drawing/2014/main" id="{8525631D-CD37-41CD-B18A-6ED8100794BB}"/>
-              </a:ext>
-            </a:extLst>
-          </p:cNvPr>
-          <p:cNvPicPr>
-            <a:picLocks noChangeAspect="1"/>
-          </p:cNvPicPr>
-          <p:nvPr/>
-        </p:nvPicPr>
-        <p:blipFill>
-          <a:blip r:embed="rId3"/>
-          <a:stretch>
-            <a:fillRect/>
-          </a:stretch>
-        </p:blipFill>
-        <p:spPr>
-          <a:xfrm>
-            <a:off x="6340941" y="339865"/>
-            <a:ext cx="4983008" cy="2834778"/>
-          </a:xfrm>
-          <a:prstGeom prst="rect">
-            <a:avLst/>
-          </a:prstGeom>
-        </p:spPr>
-      </p:pic>
-      <p:sp>
-        <p:nvSpPr>
-          <p:cNvPr id="6" name="テキスト ボックス 5">
-            <a:extLst>
-              <a:ext uri="{FF2B5EF4-FFF2-40B4-BE49-F238E27FC236}">
-                <a16:creationId xmlns:a16="http://schemas.microsoft.com/office/drawing/2014/main" id="{516E63F8-3CA7-9444-6290-9F6816E6C292}"/>
-              </a:ext>
-            </a:extLst>
-          </p:cNvPr>
-          <p:cNvSpPr txBox="1"/>
-          <p:nvPr/>
-        </p:nvSpPr>
-        <p:spPr>
-          <a:xfrm>
-            <a:off x="242761" y="173383"/>
-            <a:ext cx="4030270" cy="369332"/>
-          </a:xfrm>
-          <a:prstGeom prst="rect">
-            <a:avLst/>
-          </a:prstGeom>
-          <a:noFill/>
-        </p:spPr>
-        <p:txBody>
-          <a:bodyPr wrap="none" rtlCol="0">
-            <a:spAutoFit/>
-          </a:bodyPr>
-          <a:lstStyle/>
-          <a:p>
-            <a:r>
-              <a:rPr kumimoji="1" lang="ja-JP" altLang="en-US"/>
-              <a:t>投資行動</a:t>
-            </a:r>
-            <a:r>
-              <a:rPr kumimoji="1" lang="en-US" altLang="ja-JP" dirty="0"/>
-              <a:t>/</a:t>
-            </a:r>
-            <a:r>
-              <a:rPr lang="en-US" altLang="ja-JP" dirty="0"/>
-              <a:t>key22/</a:t>
-            </a:r>
-            <a:r>
-              <a:rPr lang="ja-JP" altLang="en-US"/>
-              <a:t>住友生命の交換資料</a:t>
-            </a:r>
-            <a:endParaRPr kumimoji="1" lang="ja-JP" altLang="en-US"/>
-          </a:p>
-        </p:txBody>
-      </p:sp>
-      <p:pic>
-        <p:nvPicPr>
-          <p:cNvPr id="7" name="図 6">
-            <a:extLst>
-              <a:ext uri="{FF2B5EF4-FFF2-40B4-BE49-F238E27FC236}">
-                <a16:creationId xmlns:a16="http://schemas.microsoft.com/office/drawing/2014/main" id="{85597DA6-8171-0B94-3410-4B77938A87FA}"/>
-              </a:ext>
-            </a:extLst>
-          </p:cNvPr>
-          <p:cNvPicPr>
-            <a:picLocks noChangeAspect="1"/>
-          </p:cNvPicPr>
-          <p:nvPr/>
-        </p:nvPicPr>
-        <p:blipFill>
-          <a:blip r:embed="rId4"/>
-          <a:stretch>
-            <a:fillRect/>
-          </a:stretch>
-        </p:blipFill>
-        <p:spPr>
-          <a:xfrm>
-            <a:off x="4675776" y="3394274"/>
-            <a:ext cx="6871559" cy="3251364"/>
-          </a:xfrm>
-          <a:prstGeom prst="rect">
-            <a:avLst/>
-          </a:prstGeom>
-        </p:spPr>
-      </p:pic>
-      <p:sp>
-        <p:nvSpPr>
-          <p:cNvPr id="8" name="テキスト ボックス 7">
-            <a:extLst>
-              <a:ext uri="{FF2B5EF4-FFF2-40B4-BE49-F238E27FC236}">
-                <a16:creationId xmlns:a16="http://schemas.microsoft.com/office/drawing/2014/main" id="{67D6B287-0BB9-5EFA-2784-24179551140C}"/>
-              </a:ext>
-            </a:extLst>
-          </p:cNvPr>
-          <p:cNvSpPr txBox="1"/>
-          <p:nvPr/>
-        </p:nvSpPr>
-        <p:spPr>
-          <a:xfrm>
-            <a:off x="868051" y="701049"/>
-            <a:ext cx="4815742" cy="646331"/>
-          </a:xfrm>
-          <a:prstGeom prst="rect">
-            <a:avLst/>
-          </a:prstGeom>
-          <a:noFill/>
-        </p:spPr>
-        <p:txBody>
-          <a:bodyPr wrap="none" rtlCol="0">
-            <a:spAutoFit/>
-          </a:bodyPr>
-          <a:lstStyle/>
-          <a:p>
-            <a:r>
-              <a:rPr lang="ja-JP" altLang="en-US"/>
-              <a:t>正解値の</a:t>
-            </a:r>
-            <a:r>
-              <a:rPr lang="en-US" altLang="ja-JP" dirty="0"/>
-              <a:t>89065</a:t>
-            </a:r>
-            <a:r>
-              <a:rPr lang="ja-JP" altLang="en-US"/>
-              <a:t>が交換資料中にない</a:t>
-            </a:r>
-            <a:endParaRPr lang="en-US" altLang="ja-JP" dirty="0"/>
-          </a:p>
-          <a:p>
-            <a:r>
-              <a:rPr kumimoji="1" lang="en-US" altLang="ja-JP" dirty="0"/>
-              <a:t>(</a:t>
-            </a:r>
-            <a:r>
-              <a:rPr kumimoji="1" lang="ja-JP" altLang="en-US"/>
-              <a:t>交換資料から取得する値について</a:t>
-            </a:r>
-            <a:r>
-              <a:rPr kumimoji="1" lang="en-US" altLang="ja-JP" dirty="0"/>
-              <a:t>.xlsx </a:t>
-            </a:r>
-            <a:r>
-              <a:rPr kumimoji="1" lang="ja-JP" altLang="en-US"/>
-              <a:t>参照</a:t>
-            </a:r>
-            <a:r>
-              <a:rPr kumimoji="1" lang="en-US" altLang="ja-JP" dirty="0"/>
-              <a:t>)</a:t>
-            </a:r>
-            <a:endParaRPr kumimoji="1" lang="ja-JP" altLang="en-US"/>
-          </a:p>
-        </p:txBody>
-      </p:sp>
-    </p:spTree>
-    <p:extLst>
-      <p:ext uri="{BB962C8B-B14F-4D97-AF65-F5344CB8AC3E}">
-        <p14:creationId xmlns:p14="http://schemas.microsoft.com/office/powerpoint/2010/main" val="1698037241"/>
-      </p:ext>
-    </p:extLst>
-  </p:cSld>
-  <p:clrMapOvr>
-    <a:masterClrMapping/>
-  </p:clrMapOvr>
-</p:sld>
-</file>
-
-<file path=ppt/slides/slide4.xml><?xml version="1.0" encoding="utf-8"?>
-<p:sld xmlns:a="http://schemas.openxmlformats.org/drawingml/2006/main" xmlns:r="http://schemas.openxmlformats.org/officeDocument/2006/relationships" xmlns:p="http://schemas.openxmlformats.org/presentationml/2006/main">
-  <p:cSld>
-    <p:spTree>
-      <p:nvGrpSpPr>
-        <p:cNvPr id="1" name=""/>
-        <p:cNvGrpSpPr/>
-        <p:nvPr/>
-      </p:nvGrpSpPr>
-      <p:grpSpPr>
-        <a:xfrm>
-          <a:off x="0" y="0"/>
-          <a:ext cx="0" cy="0"/>
-          <a:chOff x="0" y="0"/>
-          <a:chExt cx="0" cy="0"/>
-        </a:xfrm>
-      </p:grpSpPr>
-      <p:pic>
-        <p:nvPicPr>
-          <p:cNvPr id="4" name="図 3">
-            <a:extLst>
-              <a:ext uri="{FF2B5EF4-FFF2-40B4-BE49-F238E27FC236}">
-                <a16:creationId xmlns:a16="http://schemas.microsoft.com/office/drawing/2014/main" id="{2111252A-C706-7E97-EA34-724D15BF9147}"/>
-              </a:ext>
-            </a:extLst>
-          </p:cNvPr>
-          <p:cNvPicPr>
-            <a:picLocks noChangeAspect="1"/>
-          </p:cNvPicPr>
-          <p:nvPr/>
-        </p:nvPicPr>
-        <p:blipFill>
-          <a:blip r:embed="rId2"/>
-          <a:stretch>
-            <a:fillRect/>
-          </a:stretch>
-        </p:blipFill>
-        <p:spPr>
-          <a:xfrm>
-            <a:off x="491066" y="2731535"/>
-            <a:ext cx="9558868" cy="3750234"/>
-          </a:xfrm>
-          <a:prstGeom prst="rect">
-            <a:avLst/>
-          </a:prstGeom>
-        </p:spPr>
-      </p:pic>
-      <p:sp>
-        <p:nvSpPr>
-          <p:cNvPr id="5" name="テキスト ボックス 4">
-            <a:extLst>
-              <a:ext uri="{FF2B5EF4-FFF2-40B4-BE49-F238E27FC236}">
-                <a16:creationId xmlns:a16="http://schemas.microsoft.com/office/drawing/2014/main" id="{59E81A07-161F-5997-3EA8-9FE461F1C36E}"/>
-              </a:ext>
-            </a:extLst>
-          </p:cNvPr>
-          <p:cNvSpPr txBox="1"/>
-          <p:nvPr/>
-        </p:nvSpPr>
-        <p:spPr>
-          <a:xfrm>
-            <a:off x="242761" y="173383"/>
-            <a:ext cx="1840568" cy="369332"/>
-          </a:xfrm>
-          <a:prstGeom prst="rect">
-            <a:avLst/>
-          </a:prstGeom>
-          <a:noFill/>
-        </p:spPr>
-        <p:txBody>
-          <a:bodyPr wrap="none" rtlCol="0">
-            <a:spAutoFit/>
-          </a:bodyPr>
-          <a:lstStyle/>
-          <a:p>
-            <a:r>
-              <a:rPr kumimoji="1" lang="ja-JP" altLang="en-US"/>
-              <a:t>主要損益</a:t>
-            </a:r>
-            <a:r>
-              <a:rPr kumimoji="1" lang="en-US" altLang="ja-JP" dirty="0"/>
-              <a:t>/</a:t>
-            </a:r>
-            <a:r>
-              <a:rPr lang="en-US" altLang="ja-JP" dirty="0"/>
-              <a:t>key21</a:t>
-            </a:r>
-            <a:endParaRPr kumimoji="1" lang="ja-JP" altLang="en-US"/>
-          </a:p>
-        </p:txBody>
-      </p:sp>
-      <p:sp>
-        <p:nvSpPr>
-          <p:cNvPr id="6" name="テキスト ボックス 5">
-            <a:extLst>
-              <a:ext uri="{FF2B5EF4-FFF2-40B4-BE49-F238E27FC236}">
-                <a16:creationId xmlns:a16="http://schemas.microsoft.com/office/drawing/2014/main" id="{5517EA2F-F73D-1D8C-374B-90277D38308A}"/>
-              </a:ext>
-            </a:extLst>
-          </p:cNvPr>
-          <p:cNvSpPr txBox="1"/>
-          <p:nvPr/>
-        </p:nvSpPr>
-        <p:spPr>
-          <a:xfrm>
-            <a:off x="491066" y="792174"/>
-            <a:ext cx="3647152" cy="369332"/>
-          </a:xfrm>
-          <a:prstGeom prst="rect">
-            <a:avLst/>
-          </a:prstGeom>
-          <a:noFill/>
-        </p:spPr>
-        <p:txBody>
-          <a:bodyPr wrap="none" rtlCol="0">
-            <a:spAutoFit/>
-          </a:bodyPr>
-          <a:lstStyle/>
-          <a:p>
-            <a:r>
-              <a:rPr lang="ja-JP" altLang="en-US"/>
-              <a:t>表の取得値が一つ隣にずれるやつ</a:t>
-            </a:r>
-            <a:endParaRPr kumimoji="1" lang="ja-JP" altLang="en-US"/>
-          </a:p>
-        </p:txBody>
-      </p:sp>
-      <p:grpSp>
-        <p:nvGrpSpPr>
-          <p:cNvPr id="7" name="グループ化 6">
-            <a:extLst>
-              <a:ext uri="{FF2B5EF4-FFF2-40B4-BE49-F238E27FC236}">
-                <a16:creationId xmlns:a16="http://schemas.microsoft.com/office/drawing/2014/main" id="{20CD39EA-C66F-7FA3-8D37-36DF5CA48677}"/>
-              </a:ext>
-            </a:extLst>
-          </p:cNvPr>
-          <p:cNvGrpSpPr/>
-          <p:nvPr/>
-        </p:nvGrpSpPr>
-        <p:grpSpPr>
-          <a:xfrm>
-            <a:off x="4542934" y="376231"/>
-            <a:ext cx="7021699" cy="4867955"/>
-            <a:chOff x="1853749" y="422096"/>
-            <a:chExt cx="8770643" cy="5922059"/>
-          </a:xfrm>
-          <a:solidFill>
-            <a:schemeClr val="bg1"/>
-          </a:solidFill>
-        </p:grpSpPr>
-        <p:pic>
-          <p:nvPicPr>
-            <p:cNvPr id="8" name="図 7">
-              <a:extLst>
-                <a:ext uri="{FF2B5EF4-FFF2-40B4-BE49-F238E27FC236}">
-                  <a16:creationId xmlns:a16="http://schemas.microsoft.com/office/drawing/2014/main" id="{FB960A7F-3EB0-158D-5D09-E1618F3A01A9}"/>
-                </a:ext>
-              </a:extLst>
-            </p:cNvPr>
-            <p:cNvPicPr>
-              <a:picLocks noChangeAspect="1"/>
-            </p:cNvPicPr>
-            <p:nvPr/>
-          </p:nvPicPr>
-          <p:blipFill>
-            <a:blip r:embed="rId3"/>
-            <a:stretch>
-              <a:fillRect/>
-            </a:stretch>
-          </p:blipFill>
-          <p:spPr>
-            <a:xfrm>
-              <a:off x="1853749" y="422096"/>
-              <a:ext cx="8770643" cy="4028523"/>
-            </a:xfrm>
-            <a:prstGeom prst="rect">
-              <a:avLst/>
-            </a:prstGeom>
-            <a:grpFill/>
-          </p:spPr>
-        </p:pic>
-        <p:pic>
-          <p:nvPicPr>
-            <p:cNvPr id="9" name="図 8">
-              <a:extLst>
-                <a:ext uri="{FF2B5EF4-FFF2-40B4-BE49-F238E27FC236}">
-                  <a16:creationId xmlns:a16="http://schemas.microsoft.com/office/drawing/2014/main" id="{C96E8714-6555-E40B-2DB2-F1C61F1B324D}"/>
-                </a:ext>
-              </a:extLst>
-            </p:cNvPr>
-            <p:cNvPicPr>
-              <a:picLocks noChangeAspect="1"/>
-            </p:cNvPicPr>
-            <p:nvPr/>
-          </p:nvPicPr>
-          <p:blipFill>
-            <a:blip r:embed="rId4"/>
-            <a:stretch>
-              <a:fillRect/>
-            </a:stretch>
-          </p:blipFill>
-          <p:spPr>
-            <a:xfrm>
-              <a:off x="1853749" y="4816878"/>
-              <a:ext cx="8681368" cy="1527277"/>
-            </a:xfrm>
-            <a:prstGeom prst="rect">
-              <a:avLst/>
-            </a:prstGeom>
-            <a:grpFill/>
-          </p:spPr>
-        </p:pic>
-      </p:grpSp>
-    </p:spTree>
-    <p:extLst>
-      <p:ext uri="{BB962C8B-B14F-4D97-AF65-F5344CB8AC3E}">
-        <p14:creationId xmlns:p14="http://schemas.microsoft.com/office/powerpoint/2010/main" val="486267996"/>
+        <p14:creationId xmlns:p14="http://schemas.microsoft.com/office/powerpoint/2010/main" val="3033040384"/>
       </p:ext>
     </p:extLst>
   </p:cSld>
